--- a/Digital Health Card.pptx
+++ b/Digital Health Card.pptx
@@ -9,15 +9,22 @@
     <p:sldId id="263" r:id="rId3"/>
     <p:sldId id="262" r:id="rId4"/>
     <p:sldId id="257" r:id="rId5"/>
-    <p:sldId id="258" r:id="rId6"/>
-    <p:sldId id="259" r:id="rId7"/>
-    <p:sldId id="260" r:id="rId8"/>
-    <p:sldId id="261" r:id="rId9"/>
-    <p:sldId id="264" r:id="rId10"/>
-    <p:sldId id="265" r:id="rId11"/>
-    <p:sldId id="271" r:id="rId12"/>
-    <p:sldId id="269" r:id="rId13"/>
-    <p:sldId id="270" r:id="rId14"/>
+    <p:sldId id="264" r:id="rId6"/>
+    <p:sldId id="258" r:id="rId7"/>
+    <p:sldId id="259" r:id="rId8"/>
+    <p:sldId id="260" r:id="rId9"/>
+    <p:sldId id="261" r:id="rId10"/>
+    <p:sldId id="276" r:id="rId11"/>
+    <p:sldId id="277" r:id="rId12"/>
+    <p:sldId id="272" r:id="rId13"/>
+    <p:sldId id="273" r:id="rId14"/>
+    <p:sldId id="274" r:id="rId15"/>
+    <p:sldId id="275" r:id="rId16"/>
+    <p:sldId id="265" r:id="rId17"/>
+    <p:sldId id="271" r:id="rId18"/>
+    <p:sldId id="269" r:id="rId19"/>
+    <p:sldId id="270" r:id="rId20"/>
+    <p:sldId id="278" r:id="rId21"/>
   </p:sldIdLst>
   <p:sldSz cx="12192000" cy="6858000"/>
   <p:notesSz cx="6858000" cy="9144000"/>
@@ -6399,6 +6406,1148 @@
       </p:grpSpPr>
       <p:sp>
         <p:nvSpPr>
+          <p:cNvPr id="2" name="Rectangle 1"/>
+          <p:cNvSpPr/>
+          <p:nvPr/>
+        </p:nvSpPr>
+        <p:spPr>
+          <a:xfrm>
+            <a:off x="4353501" y="2342813"/>
+            <a:ext cx="3401893" cy="1323439"/>
+          </a:xfrm>
+          <a:prstGeom prst="rect">
+            <a:avLst/>
+          </a:prstGeom>
+        </p:spPr>
+        <p:txBody>
+          <a:bodyPr wrap="none">
+            <a:spAutoFit/>
+          </a:bodyPr>
+          <a:lstStyle/>
+          <a:p>
+            <a:r>
+              <a:rPr lang="en-IN" sz="8000" dirty="0"/>
+              <a:t>Module</a:t>
+            </a:r>
+          </a:p>
+        </p:txBody>
+      </p:sp>
+    </p:spTree>
+    <p:extLst>
+      <p:ext uri="{BB962C8B-B14F-4D97-AF65-F5344CB8AC3E}">
+        <p14:creationId xmlns:p14="http://schemas.microsoft.com/office/powerpoint/2010/main" val="3885967307"/>
+      </p:ext>
+    </p:extLst>
+  </p:cSld>
+  <p:clrMapOvr>
+    <a:masterClrMapping/>
+  </p:clrMapOvr>
+  <p:timing>
+    <p:tnLst>
+      <p:par>
+        <p:cTn id="1" dur="indefinite" restart="never" nodeType="tmRoot"/>
+      </p:par>
+    </p:tnLst>
+  </p:timing>
+</p:sld>
+</file>
+
+<file path=ppt/slides/slide11.xml><?xml version="1.0" encoding="utf-8"?>
+<p:sld xmlns:a="http://schemas.openxmlformats.org/drawingml/2006/main" xmlns:r="http://schemas.openxmlformats.org/officeDocument/2006/relationships" xmlns:p="http://schemas.openxmlformats.org/presentationml/2006/main">
+  <p:cSld>
+    <p:spTree>
+      <p:nvGrpSpPr>
+        <p:cNvPr id="1" name=""/>
+        <p:cNvGrpSpPr/>
+        <p:nvPr/>
+      </p:nvGrpSpPr>
+      <p:grpSpPr>
+        <a:xfrm>
+          <a:off x="0" y="0"/>
+          <a:ext cx="0" cy="0"/>
+          <a:chOff x="0" y="0"/>
+          <a:chExt cx="0" cy="0"/>
+        </a:xfrm>
+      </p:grpSpPr>
+      <p:sp>
+        <p:nvSpPr>
+          <p:cNvPr id="2" name="Rectangle 1"/>
+          <p:cNvSpPr/>
+          <p:nvPr/>
+        </p:nvSpPr>
+        <p:spPr>
+          <a:xfrm>
+            <a:off x="1914660" y="1119113"/>
+            <a:ext cx="6096000" cy="3170099"/>
+          </a:xfrm>
+          <a:prstGeom prst="rect">
+            <a:avLst/>
+          </a:prstGeom>
+        </p:spPr>
+        <p:txBody>
+          <a:bodyPr>
+            <a:spAutoFit/>
+          </a:bodyPr>
+          <a:lstStyle/>
+          <a:p>
+            <a:r>
+              <a:rPr lang="en-US" sz="4000" b="1" dirty="0"/>
+              <a:t>Admin </a:t>
+            </a:r>
+            <a:r>
+              <a:rPr lang="en-US" sz="4000" b="1" dirty="0" smtClean="0"/>
+              <a:t>Module</a:t>
+            </a:r>
+          </a:p>
+          <a:p>
+            <a:endParaRPr lang="en-US" sz="4000" b="1" dirty="0"/>
+          </a:p>
+          <a:p>
+            <a:endParaRPr lang="en-US" sz="4000" b="1" dirty="0"/>
+          </a:p>
+          <a:p>
+            <a:pPr>
+              <a:buFont typeface="Arial" panose="020B0604020202020204" pitchFamily="34" charset="0"/>
+              <a:buChar char="•"/>
+            </a:pPr>
+            <a:r>
+              <a:rPr lang="en-US" sz="2000" dirty="0">
+                <a:latin typeface="Times New Roman" panose="02020603050405020304" pitchFamily="18" charset="0"/>
+                <a:cs typeface="Times New Roman" panose="02020603050405020304" pitchFamily="18" charset="0"/>
+              </a:rPr>
+              <a:t>Admin login using hardcoded credentials.</a:t>
+            </a:r>
+          </a:p>
+          <a:p>
+            <a:pPr>
+              <a:buFont typeface="Arial" panose="020B0604020202020204" pitchFamily="34" charset="0"/>
+              <a:buChar char="•"/>
+            </a:pPr>
+            <a:r>
+              <a:rPr lang="en-US" sz="2000" dirty="0">
+                <a:latin typeface="Times New Roman" panose="02020603050405020304" pitchFamily="18" charset="0"/>
+                <a:cs typeface="Times New Roman" panose="02020603050405020304" pitchFamily="18" charset="0"/>
+              </a:rPr>
+              <a:t>Verification and approval of doctor registrations.</a:t>
+            </a:r>
+          </a:p>
+          <a:p>
+            <a:pPr>
+              <a:buFont typeface="Arial" panose="020B0604020202020204" pitchFamily="34" charset="0"/>
+              <a:buChar char="•"/>
+            </a:pPr>
+            <a:r>
+              <a:rPr lang="en-US" sz="2000" dirty="0">
+                <a:latin typeface="Times New Roman" panose="02020603050405020304" pitchFamily="18" charset="0"/>
+                <a:cs typeface="Times New Roman" panose="02020603050405020304" pitchFamily="18" charset="0"/>
+              </a:rPr>
+              <a:t>Verification and approval of lab technician registrations.</a:t>
+            </a:r>
+          </a:p>
+          <a:p>
+            <a:pPr>
+              <a:buFont typeface="Arial" panose="020B0604020202020204" pitchFamily="34" charset="0"/>
+              <a:buChar char="•"/>
+            </a:pPr>
+            <a:r>
+              <a:rPr lang="en-US" sz="2000" dirty="0">
+                <a:latin typeface="Times New Roman" panose="02020603050405020304" pitchFamily="18" charset="0"/>
+                <a:cs typeface="Times New Roman" panose="02020603050405020304" pitchFamily="18" charset="0"/>
+              </a:rPr>
+              <a:t>Management of emergency access permissions.</a:t>
+            </a:r>
+          </a:p>
+        </p:txBody>
+      </p:sp>
+      <p:pic>
+        <p:nvPicPr>
+          <p:cNvPr id="3" name="Picture 2"/>
+          <p:cNvPicPr>
+            <a:picLocks noChangeAspect="1"/>
+          </p:cNvPicPr>
+          <p:nvPr/>
+        </p:nvPicPr>
+        <p:blipFill>
+          <a:blip r:embed="rId2"/>
+          <a:stretch>
+            <a:fillRect/>
+          </a:stretch>
+        </p:blipFill>
+        <p:spPr>
+          <a:xfrm>
+            <a:off x="8190942" y="1"/>
+            <a:ext cx="4001058" cy="6857999"/>
+          </a:xfrm>
+          <a:prstGeom prst="rect">
+            <a:avLst/>
+          </a:prstGeom>
+        </p:spPr>
+      </p:pic>
+    </p:spTree>
+    <p:extLst>
+      <p:ext uri="{BB962C8B-B14F-4D97-AF65-F5344CB8AC3E}">
+        <p14:creationId xmlns:p14="http://schemas.microsoft.com/office/powerpoint/2010/main" val="350298518"/>
+      </p:ext>
+    </p:extLst>
+  </p:cSld>
+  <p:clrMapOvr>
+    <a:masterClrMapping/>
+  </p:clrMapOvr>
+  <p:timing>
+    <p:tnLst>
+      <p:par>
+        <p:cTn id="1" dur="indefinite" restart="never" nodeType="tmRoot"/>
+      </p:par>
+    </p:tnLst>
+  </p:timing>
+</p:sld>
+</file>
+
+<file path=ppt/slides/slide12.xml><?xml version="1.0" encoding="utf-8"?>
+<p:sld xmlns:a="http://schemas.openxmlformats.org/drawingml/2006/main" xmlns:r="http://schemas.openxmlformats.org/officeDocument/2006/relationships" xmlns:p="http://schemas.openxmlformats.org/presentationml/2006/main">
+  <p:cSld>
+    <p:spTree>
+      <p:nvGrpSpPr>
+        <p:cNvPr id="1" name=""/>
+        <p:cNvGrpSpPr/>
+        <p:nvPr/>
+      </p:nvGrpSpPr>
+      <p:grpSpPr>
+        <a:xfrm>
+          <a:off x="0" y="0"/>
+          <a:ext cx="0" cy="0"/>
+          <a:chOff x="0" y="0"/>
+          <a:chExt cx="0" cy="0"/>
+        </a:xfrm>
+      </p:grpSpPr>
+      <p:sp>
+        <p:nvSpPr>
+          <p:cNvPr id="2" name="Rectangle 1"/>
+          <p:cNvSpPr/>
+          <p:nvPr/>
+        </p:nvSpPr>
+        <p:spPr>
+          <a:xfrm>
+            <a:off x="2004812" y="1315258"/>
+            <a:ext cx="6096000" cy="2923877"/>
+          </a:xfrm>
+          <a:prstGeom prst="rect">
+            <a:avLst/>
+          </a:prstGeom>
+        </p:spPr>
+        <p:txBody>
+          <a:bodyPr>
+            <a:spAutoFit/>
+          </a:bodyPr>
+          <a:lstStyle/>
+          <a:p>
+            <a:r>
+              <a:rPr lang="en-IN" sz="4000" b="1" dirty="0"/>
+              <a:t>Patient</a:t>
+            </a:r>
+            <a:r>
+              <a:rPr lang="en-US" sz="4000" b="1" dirty="0" smtClean="0"/>
+              <a:t> </a:t>
+            </a:r>
+            <a:r>
+              <a:rPr lang="en-US" sz="4000" b="1" dirty="0"/>
+              <a:t>Module</a:t>
+            </a:r>
+          </a:p>
+          <a:p>
+            <a:endParaRPr lang="en-US" sz="3600" b="1" dirty="0" smtClean="0"/>
+          </a:p>
+          <a:p>
+            <a:endParaRPr lang="en-US" sz="3600" b="1" dirty="0"/>
+          </a:p>
+          <a:p>
+            <a:r>
+              <a:rPr lang="en-US" sz="3600" b="1" dirty="0" smtClean="0"/>
+              <a:t>  </a:t>
+            </a:r>
+          </a:p>
+          <a:p>
+            <a:endParaRPr lang="en-US" sz="3600" b="1" dirty="0"/>
+          </a:p>
+        </p:txBody>
+      </p:sp>
+      <p:sp>
+        <p:nvSpPr>
+          <p:cNvPr id="5" name="Rectangle 3"/>
+          <p:cNvSpPr>
+            <a:spLocks noChangeArrowheads="1"/>
+          </p:cNvSpPr>
+          <p:nvPr/>
+        </p:nvSpPr>
+        <p:spPr bwMode="auto">
+          <a:xfrm>
+            <a:off x="2004812" y="2547095"/>
+            <a:ext cx="6117637" cy="2246769"/>
+          </a:xfrm>
+          <a:prstGeom prst="rect">
+            <a:avLst/>
+          </a:prstGeom>
+          <a:noFill/>
+          <a:ln>
+            <a:noFill/>
+          </a:ln>
+          <a:effectLst/>
+          <a:extLst>
+            <a:ext uri="{909E8E84-426E-40DD-AFC4-6F175D3DCCD1}">
+              <a14:hiddenFill xmlns:a14="http://schemas.microsoft.com/office/drawing/2010/main">
+                <a:solidFill>
+                  <a:schemeClr val="accent1"/>
+                </a:solidFill>
+              </a14:hiddenFill>
+            </a:ext>
+            <a:ext uri="{91240B29-F687-4F45-9708-019B960494DF}">
+              <a14:hiddenLine xmlns:a14="http://schemas.microsoft.com/office/drawing/2010/main" w="9525">
+                <a:solidFill>
+                  <a:schemeClr val="tx1"/>
+                </a:solidFill>
+                <a:miter lim="800000"/>
+                <a:headEnd/>
+                <a:tailEnd/>
+              </a14:hiddenLine>
+            </a:ext>
+            <a:ext uri="{AF507438-7753-43E0-B8FC-AC1667EBCBE1}">
+              <a14:hiddenEffects xmlns:a14="http://schemas.microsoft.com/office/drawing/2010/main">
+                <a:effectLst>
+                  <a:outerShdw dist="35921" dir="2700000" algn="ctr" rotWithShape="0">
+                    <a:schemeClr val="bg2"/>
+                  </a:outerShdw>
+                </a:effectLst>
+              </a14:hiddenEffects>
+            </a:ext>
+          </a:extLst>
+        </p:spPr>
+        <p:txBody>
+          <a:bodyPr vert="horz" wrap="none" lIns="91440" tIns="45720" rIns="91440" bIns="45720" numCol="1" anchor="ctr" anchorCtr="0" compatLnSpc="1">
+            <a:prstTxWarp prst="textNoShape">
+              <a:avLst/>
+            </a:prstTxWarp>
+            <a:spAutoFit/>
+          </a:bodyPr>
+          <a:lstStyle/>
+          <a:p>
+            <a:pPr marL="0" marR="0" lvl="0" indent="0" algn="l" defTabSz="914400" rtl="0" eaLnBrk="0" fontAlgn="base" latinLnBrk="0" hangingPunct="0">
+              <a:lnSpc>
+                <a:spcPct val="100000"/>
+              </a:lnSpc>
+              <a:spcBef>
+                <a:spcPct val="0"/>
+              </a:spcBef>
+              <a:spcAft>
+                <a:spcPct val="0"/>
+              </a:spcAft>
+              <a:buClrTx/>
+              <a:buSzTx/>
+              <a:buFontTx/>
+              <a:buChar char="•"/>
+              <a:tabLst/>
+            </a:pPr>
+            <a:r>
+              <a:rPr kumimoji="0" lang="en-US" sz="2000" b="0" i="0" u="none" strike="noStrike" cap="none" normalizeH="0" baseline="0" dirty="0" smtClean="0">
+                <a:ln>
+                  <a:noFill/>
+                </a:ln>
+                <a:solidFill>
+                  <a:schemeClr val="tx1"/>
+                </a:solidFill>
+                <a:effectLst/>
+                <a:latin typeface="Times New Roman" panose="02020603050405020304" pitchFamily="18" charset="0"/>
+                <a:cs typeface="Times New Roman" panose="02020603050405020304" pitchFamily="18" charset="0"/>
+              </a:rPr>
+              <a:t>Registration using </a:t>
+            </a:r>
+            <a:r>
+              <a:rPr kumimoji="0" lang="en-US" sz="2000" b="0" i="0" u="none" strike="noStrike" cap="none" normalizeH="0" baseline="0" dirty="0" err="1" smtClean="0">
+                <a:ln>
+                  <a:noFill/>
+                </a:ln>
+                <a:solidFill>
+                  <a:schemeClr val="tx1"/>
+                </a:solidFill>
+                <a:effectLst/>
+                <a:latin typeface="Times New Roman" panose="02020603050405020304" pitchFamily="18" charset="0"/>
+                <a:cs typeface="Times New Roman" panose="02020603050405020304" pitchFamily="18" charset="0"/>
+              </a:rPr>
+              <a:t>Aadhaar</a:t>
+            </a:r>
+            <a:r>
+              <a:rPr kumimoji="0" lang="en-US" sz="2000" b="0" i="0" u="none" strike="noStrike" cap="none" normalizeH="0" baseline="0" dirty="0" smtClean="0">
+                <a:ln>
+                  <a:noFill/>
+                </a:ln>
+                <a:solidFill>
+                  <a:schemeClr val="tx1"/>
+                </a:solidFill>
+                <a:effectLst/>
+                <a:latin typeface="Times New Roman" panose="02020603050405020304" pitchFamily="18" charset="0"/>
+                <a:cs typeface="Times New Roman" panose="02020603050405020304" pitchFamily="18" charset="0"/>
+              </a:rPr>
+              <a:t> card.</a:t>
+            </a:r>
+          </a:p>
+          <a:p>
+            <a:pPr marL="0" marR="0" lvl="0" indent="0" algn="l" defTabSz="914400" rtl="0" eaLnBrk="0" fontAlgn="base" latinLnBrk="0" hangingPunct="0">
+              <a:lnSpc>
+                <a:spcPct val="100000"/>
+              </a:lnSpc>
+              <a:spcBef>
+                <a:spcPct val="0"/>
+              </a:spcBef>
+              <a:spcAft>
+                <a:spcPct val="0"/>
+              </a:spcAft>
+              <a:buClrTx/>
+              <a:buSzTx/>
+              <a:buFontTx/>
+              <a:buChar char="•"/>
+              <a:tabLst/>
+            </a:pPr>
+            <a:r>
+              <a:rPr kumimoji="0" lang="en-US" sz="2000" b="0" i="0" u="none" strike="noStrike" cap="none" normalizeH="0" baseline="0" dirty="0" smtClean="0">
+                <a:ln>
+                  <a:noFill/>
+                </a:ln>
+                <a:solidFill>
+                  <a:schemeClr val="tx1"/>
+                </a:solidFill>
+                <a:effectLst/>
+                <a:latin typeface="Times New Roman" panose="02020603050405020304" pitchFamily="18" charset="0"/>
+                <a:cs typeface="Times New Roman" panose="02020603050405020304" pitchFamily="18" charset="0"/>
+              </a:rPr>
+              <a:t>OTP-based login authentication.</a:t>
+            </a:r>
+          </a:p>
+          <a:p>
+            <a:pPr marL="0" marR="0" lvl="0" indent="0" algn="l" defTabSz="914400" rtl="0" eaLnBrk="0" fontAlgn="base" latinLnBrk="0" hangingPunct="0">
+              <a:lnSpc>
+                <a:spcPct val="100000"/>
+              </a:lnSpc>
+              <a:spcBef>
+                <a:spcPct val="0"/>
+              </a:spcBef>
+              <a:spcAft>
+                <a:spcPct val="0"/>
+              </a:spcAft>
+              <a:buClrTx/>
+              <a:buSzTx/>
+              <a:buFontTx/>
+              <a:buChar char="•"/>
+              <a:tabLst/>
+            </a:pPr>
+            <a:r>
+              <a:rPr kumimoji="0" lang="en-US" sz="2000" b="0" i="0" u="none" strike="noStrike" cap="none" normalizeH="0" baseline="0" dirty="0" smtClean="0">
+                <a:ln>
+                  <a:noFill/>
+                </a:ln>
+                <a:solidFill>
+                  <a:schemeClr val="tx1"/>
+                </a:solidFill>
+                <a:effectLst/>
+                <a:latin typeface="Times New Roman" panose="02020603050405020304" pitchFamily="18" charset="0"/>
+                <a:cs typeface="Times New Roman" panose="02020603050405020304" pitchFamily="18" charset="0"/>
+              </a:rPr>
+              <a:t>Automatic fetching of patient details using </a:t>
+            </a:r>
+            <a:r>
+              <a:rPr kumimoji="0" lang="en-US" sz="2000" b="0" i="0" u="none" strike="noStrike" cap="none" normalizeH="0" baseline="0" dirty="0" err="1" smtClean="0">
+                <a:ln>
+                  <a:noFill/>
+                </a:ln>
+                <a:solidFill>
+                  <a:schemeClr val="tx1"/>
+                </a:solidFill>
+                <a:effectLst/>
+                <a:latin typeface="Times New Roman" panose="02020603050405020304" pitchFamily="18" charset="0"/>
+                <a:cs typeface="Times New Roman" panose="02020603050405020304" pitchFamily="18" charset="0"/>
+              </a:rPr>
+              <a:t>Aadhaar</a:t>
+            </a:r>
+            <a:r>
+              <a:rPr kumimoji="0" lang="en-US" sz="2000" b="0" i="0" u="none" strike="noStrike" cap="none" normalizeH="0" baseline="0" dirty="0" smtClean="0">
+                <a:ln>
+                  <a:noFill/>
+                </a:ln>
+                <a:solidFill>
+                  <a:schemeClr val="tx1"/>
+                </a:solidFill>
+                <a:effectLst/>
+                <a:latin typeface="Times New Roman" panose="02020603050405020304" pitchFamily="18" charset="0"/>
+                <a:cs typeface="Times New Roman" panose="02020603050405020304" pitchFamily="18" charset="0"/>
+              </a:rPr>
+              <a:t> data.</a:t>
+            </a:r>
+          </a:p>
+          <a:p>
+            <a:pPr marL="0" marR="0" lvl="0" indent="0" algn="l" defTabSz="914400" rtl="0" eaLnBrk="0" fontAlgn="base" latinLnBrk="0" hangingPunct="0">
+              <a:lnSpc>
+                <a:spcPct val="100000"/>
+              </a:lnSpc>
+              <a:spcBef>
+                <a:spcPct val="0"/>
+              </a:spcBef>
+              <a:spcAft>
+                <a:spcPct val="0"/>
+              </a:spcAft>
+              <a:buClrTx/>
+              <a:buSzTx/>
+              <a:buFontTx/>
+              <a:buChar char="•"/>
+              <a:tabLst/>
+            </a:pPr>
+            <a:r>
+              <a:rPr kumimoji="0" lang="en-US" sz="2000" b="0" i="0" u="none" strike="noStrike" cap="none" normalizeH="0" baseline="0" dirty="0" smtClean="0">
+                <a:ln>
+                  <a:noFill/>
+                </a:ln>
+                <a:solidFill>
+                  <a:schemeClr val="tx1"/>
+                </a:solidFill>
+                <a:effectLst/>
+                <a:latin typeface="Times New Roman" panose="02020603050405020304" pitchFamily="18" charset="0"/>
+                <a:cs typeface="Times New Roman" panose="02020603050405020304" pitchFamily="18" charset="0"/>
+              </a:rPr>
+              <a:t>Generation of Health Card ID (HC + </a:t>
+            </a:r>
+            <a:r>
+              <a:rPr kumimoji="0" lang="en-US" sz="2000" b="0" i="0" u="none" strike="noStrike" cap="none" normalizeH="0" baseline="0" dirty="0" err="1" smtClean="0">
+                <a:ln>
+                  <a:noFill/>
+                </a:ln>
+                <a:solidFill>
+                  <a:schemeClr val="tx1"/>
+                </a:solidFill>
+                <a:effectLst/>
+                <a:latin typeface="Times New Roman" panose="02020603050405020304" pitchFamily="18" charset="0"/>
+                <a:cs typeface="Times New Roman" panose="02020603050405020304" pitchFamily="18" charset="0"/>
+              </a:rPr>
+              <a:t>Aadhaar</a:t>
+            </a:r>
+            <a:r>
+              <a:rPr kumimoji="0" lang="en-US" sz="2000" b="0" i="0" u="none" strike="noStrike" cap="none" normalizeH="0" baseline="0" dirty="0" smtClean="0">
+                <a:ln>
+                  <a:noFill/>
+                </a:ln>
+                <a:solidFill>
+                  <a:schemeClr val="tx1"/>
+                </a:solidFill>
+                <a:effectLst/>
+                <a:latin typeface="Times New Roman" panose="02020603050405020304" pitchFamily="18" charset="0"/>
+                <a:cs typeface="Times New Roman" panose="02020603050405020304" pitchFamily="18" charset="0"/>
+              </a:rPr>
+              <a:t> Number).</a:t>
+            </a:r>
+          </a:p>
+          <a:p>
+            <a:pPr marL="0" marR="0" lvl="0" indent="0" algn="l" defTabSz="914400" rtl="0" eaLnBrk="0" fontAlgn="base" latinLnBrk="0" hangingPunct="0">
+              <a:lnSpc>
+                <a:spcPct val="100000"/>
+              </a:lnSpc>
+              <a:spcBef>
+                <a:spcPct val="0"/>
+              </a:spcBef>
+              <a:spcAft>
+                <a:spcPct val="0"/>
+              </a:spcAft>
+              <a:buClrTx/>
+              <a:buSzTx/>
+              <a:buFontTx/>
+              <a:buChar char="•"/>
+              <a:tabLst/>
+            </a:pPr>
+            <a:r>
+              <a:rPr kumimoji="0" lang="en-US" sz="2000" b="0" i="0" u="none" strike="noStrike" cap="none" normalizeH="0" baseline="0" dirty="0" smtClean="0">
+                <a:ln>
+                  <a:noFill/>
+                </a:ln>
+                <a:solidFill>
+                  <a:schemeClr val="tx1"/>
+                </a:solidFill>
+                <a:effectLst/>
+                <a:latin typeface="Times New Roman" panose="02020603050405020304" pitchFamily="18" charset="0"/>
+                <a:cs typeface="Times New Roman" panose="02020603050405020304" pitchFamily="18" charset="0"/>
+              </a:rPr>
+              <a:t>Viewing personal details and nominee information.</a:t>
+            </a:r>
+          </a:p>
+          <a:p>
+            <a:pPr marL="0" marR="0" lvl="0" indent="0" algn="l" defTabSz="914400" rtl="0" eaLnBrk="0" fontAlgn="base" latinLnBrk="0" hangingPunct="0">
+              <a:lnSpc>
+                <a:spcPct val="100000"/>
+              </a:lnSpc>
+              <a:spcBef>
+                <a:spcPct val="0"/>
+              </a:spcBef>
+              <a:spcAft>
+                <a:spcPct val="0"/>
+              </a:spcAft>
+              <a:buClrTx/>
+              <a:buSzTx/>
+              <a:buFontTx/>
+              <a:buChar char="•"/>
+              <a:tabLst/>
+            </a:pPr>
+            <a:r>
+              <a:rPr kumimoji="0" lang="en-US" sz="2000" b="0" i="0" u="none" strike="noStrike" cap="none" normalizeH="0" baseline="0" dirty="0" smtClean="0">
+                <a:ln>
+                  <a:noFill/>
+                </a:ln>
+                <a:solidFill>
+                  <a:schemeClr val="tx1"/>
+                </a:solidFill>
+                <a:effectLst/>
+                <a:latin typeface="Times New Roman" panose="02020603050405020304" pitchFamily="18" charset="0"/>
+                <a:cs typeface="Times New Roman" panose="02020603050405020304" pitchFamily="18" charset="0"/>
+              </a:rPr>
+              <a:t>Viewing uploaded medical reports.</a:t>
+            </a:r>
+          </a:p>
+          <a:p>
+            <a:pPr marL="0" marR="0" lvl="0" indent="0" algn="l" defTabSz="914400" rtl="0" eaLnBrk="0" fontAlgn="base" latinLnBrk="0" hangingPunct="0">
+              <a:lnSpc>
+                <a:spcPct val="100000"/>
+              </a:lnSpc>
+              <a:spcBef>
+                <a:spcPct val="0"/>
+              </a:spcBef>
+              <a:spcAft>
+                <a:spcPct val="0"/>
+              </a:spcAft>
+              <a:buClrTx/>
+              <a:buSzTx/>
+              <a:buFontTx/>
+              <a:buChar char="•"/>
+              <a:tabLst/>
+            </a:pPr>
+            <a:r>
+              <a:rPr kumimoji="0" lang="en-US" sz="2000" b="0" i="0" u="none" strike="noStrike" cap="none" normalizeH="0" baseline="0" dirty="0" smtClean="0">
+                <a:ln>
+                  <a:noFill/>
+                </a:ln>
+                <a:solidFill>
+                  <a:schemeClr val="tx1"/>
+                </a:solidFill>
+                <a:effectLst/>
+                <a:latin typeface="Times New Roman" panose="02020603050405020304" pitchFamily="18" charset="0"/>
+                <a:cs typeface="Times New Roman" panose="02020603050405020304" pitchFamily="18" charset="0"/>
+              </a:rPr>
+              <a:t>Approval or rejection of doctor access requests.</a:t>
+            </a:r>
+          </a:p>
+        </p:txBody>
+      </p:sp>
+      <p:pic>
+        <p:nvPicPr>
+          <p:cNvPr id="6" name="Picture 5"/>
+          <p:cNvPicPr>
+            <a:picLocks noChangeAspect="1"/>
+          </p:cNvPicPr>
+          <p:nvPr/>
+        </p:nvPicPr>
+        <p:blipFill>
+          <a:blip r:embed="rId2"/>
+          <a:stretch>
+            <a:fillRect/>
+          </a:stretch>
+        </p:blipFill>
+        <p:spPr>
+          <a:xfrm>
+            <a:off x="8209994" y="0"/>
+            <a:ext cx="3982006" cy="6858000"/>
+          </a:xfrm>
+          <a:prstGeom prst="rect">
+            <a:avLst/>
+          </a:prstGeom>
+        </p:spPr>
+      </p:pic>
+    </p:spTree>
+    <p:extLst>
+      <p:ext uri="{BB962C8B-B14F-4D97-AF65-F5344CB8AC3E}">
+        <p14:creationId xmlns:p14="http://schemas.microsoft.com/office/powerpoint/2010/main" val="1465798707"/>
+      </p:ext>
+    </p:extLst>
+  </p:cSld>
+  <p:clrMapOvr>
+    <a:masterClrMapping/>
+  </p:clrMapOvr>
+  <p:timing>
+    <p:tnLst>
+      <p:par>
+        <p:cTn id="1" dur="indefinite" restart="never" nodeType="tmRoot"/>
+      </p:par>
+    </p:tnLst>
+  </p:timing>
+</p:sld>
+</file>
+
+<file path=ppt/slides/slide13.xml><?xml version="1.0" encoding="utf-8"?>
+<p:sld xmlns:a="http://schemas.openxmlformats.org/drawingml/2006/main" xmlns:r="http://schemas.openxmlformats.org/officeDocument/2006/relationships" xmlns:p="http://schemas.openxmlformats.org/presentationml/2006/main">
+  <p:cSld>
+    <p:spTree>
+      <p:nvGrpSpPr>
+        <p:cNvPr id="1" name=""/>
+        <p:cNvGrpSpPr/>
+        <p:nvPr/>
+      </p:nvGrpSpPr>
+      <p:grpSpPr>
+        <a:xfrm>
+          <a:off x="0" y="0"/>
+          <a:ext cx="0" cy="0"/>
+          <a:chOff x="0" y="0"/>
+          <a:chExt cx="0" cy="0"/>
+        </a:xfrm>
+      </p:grpSpPr>
+      <p:sp>
+        <p:nvSpPr>
+          <p:cNvPr id="2" name="Rectangle 1"/>
+          <p:cNvSpPr/>
+          <p:nvPr/>
+        </p:nvSpPr>
+        <p:spPr>
+          <a:xfrm>
+            <a:off x="1901780" y="954651"/>
+            <a:ext cx="8761927" cy="3785652"/>
+          </a:xfrm>
+          <a:prstGeom prst="rect">
+            <a:avLst/>
+          </a:prstGeom>
+        </p:spPr>
+        <p:txBody>
+          <a:bodyPr wrap="square">
+            <a:spAutoFit/>
+          </a:bodyPr>
+          <a:lstStyle/>
+          <a:p>
+            <a:r>
+              <a:rPr lang="en-US" sz="4000" b="1" dirty="0"/>
+              <a:t>Doctor </a:t>
+            </a:r>
+            <a:r>
+              <a:rPr lang="en-US" sz="4000" b="1" dirty="0" smtClean="0"/>
+              <a:t>Module</a:t>
+            </a:r>
+          </a:p>
+          <a:p>
+            <a:endParaRPr lang="en-US" sz="4000" b="1" dirty="0"/>
+          </a:p>
+          <a:p>
+            <a:endParaRPr lang="en-US" sz="4000" b="1" dirty="0"/>
+          </a:p>
+          <a:p>
+            <a:pPr marL="571500" indent="-571500">
+              <a:buFont typeface="Arial" panose="020B0604020202020204" pitchFamily="34" charset="0"/>
+              <a:buChar char="•"/>
+            </a:pPr>
+            <a:r>
+              <a:rPr lang="en-US" sz="2000" dirty="0">
+                <a:latin typeface="Times New Roman" panose="02020603050405020304" pitchFamily="18" charset="0"/>
+                <a:cs typeface="Times New Roman" panose="02020603050405020304" pitchFamily="18" charset="0"/>
+              </a:rPr>
+              <a:t>Doctor registration and profile submission.</a:t>
+            </a:r>
+          </a:p>
+          <a:p>
+            <a:pPr marL="571500" indent="-571500">
+              <a:buFont typeface="Arial" panose="020B0604020202020204" pitchFamily="34" charset="0"/>
+              <a:buChar char="•"/>
+            </a:pPr>
+            <a:r>
+              <a:rPr lang="en-US" sz="2000" dirty="0">
+                <a:latin typeface="Times New Roman" panose="02020603050405020304" pitchFamily="18" charset="0"/>
+                <a:cs typeface="Times New Roman" panose="02020603050405020304" pitchFamily="18" charset="0"/>
+              </a:rPr>
+              <a:t>Login after admin verification.</a:t>
+            </a:r>
+          </a:p>
+          <a:p>
+            <a:pPr marL="571500" indent="-571500">
+              <a:buFont typeface="Arial" panose="020B0604020202020204" pitchFamily="34" charset="0"/>
+              <a:buChar char="•"/>
+            </a:pPr>
+            <a:r>
+              <a:rPr lang="en-US" sz="2000" dirty="0">
+                <a:latin typeface="Times New Roman" panose="02020603050405020304" pitchFamily="18" charset="0"/>
+                <a:cs typeface="Times New Roman" panose="02020603050405020304" pitchFamily="18" charset="0"/>
+              </a:rPr>
+              <a:t>Search patient using Health Card ID.</a:t>
+            </a:r>
+          </a:p>
+          <a:p>
+            <a:pPr marL="571500" indent="-571500">
+              <a:buFont typeface="Arial" panose="020B0604020202020204" pitchFamily="34" charset="0"/>
+              <a:buChar char="•"/>
+            </a:pPr>
+            <a:r>
+              <a:rPr lang="en-US" sz="2000" dirty="0">
+                <a:latin typeface="Times New Roman" panose="02020603050405020304" pitchFamily="18" charset="0"/>
+                <a:cs typeface="Times New Roman" panose="02020603050405020304" pitchFamily="18" charset="0"/>
+              </a:rPr>
+              <a:t>Request patient consent to access medical records.</a:t>
+            </a:r>
+          </a:p>
+          <a:p>
+            <a:pPr marL="571500" indent="-571500">
+              <a:buFont typeface="Arial" panose="020B0604020202020204" pitchFamily="34" charset="0"/>
+              <a:buChar char="•"/>
+            </a:pPr>
+            <a:r>
+              <a:rPr lang="en-US" sz="2000" dirty="0">
+                <a:latin typeface="Times New Roman" panose="02020603050405020304" pitchFamily="18" charset="0"/>
+                <a:cs typeface="Times New Roman" panose="02020603050405020304" pitchFamily="18" charset="0"/>
+              </a:rPr>
+              <a:t>View and edit patient medical information.</a:t>
+            </a:r>
+          </a:p>
+          <a:p>
+            <a:pPr marL="571500" indent="-571500">
+              <a:buFont typeface="Arial" panose="020B0604020202020204" pitchFamily="34" charset="0"/>
+              <a:buChar char="•"/>
+            </a:pPr>
+            <a:r>
+              <a:rPr lang="en-US" sz="2000" dirty="0">
+                <a:latin typeface="Times New Roman" panose="02020603050405020304" pitchFamily="18" charset="0"/>
+                <a:cs typeface="Times New Roman" panose="02020603050405020304" pitchFamily="18" charset="0"/>
+              </a:rPr>
+              <a:t>Upload prescriptions and medical reports</a:t>
+            </a:r>
+            <a:r>
+              <a:rPr lang="en-US" sz="2000" dirty="0"/>
+              <a:t>.</a:t>
+            </a:r>
+          </a:p>
+        </p:txBody>
+      </p:sp>
+      <p:pic>
+        <p:nvPicPr>
+          <p:cNvPr id="3" name="Picture 2"/>
+          <p:cNvPicPr>
+            <a:picLocks noChangeAspect="1"/>
+          </p:cNvPicPr>
+          <p:nvPr/>
+        </p:nvPicPr>
+        <p:blipFill>
+          <a:blip r:embed="rId2"/>
+          <a:stretch>
+            <a:fillRect/>
+          </a:stretch>
+        </p:blipFill>
+        <p:spPr>
+          <a:xfrm>
+            <a:off x="8209994" y="0"/>
+            <a:ext cx="3982006" cy="6857999"/>
+          </a:xfrm>
+          <a:prstGeom prst="rect">
+            <a:avLst/>
+          </a:prstGeom>
+        </p:spPr>
+      </p:pic>
+    </p:spTree>
+    <p:extLst>
+      <p:ext uri="{BB962C8B-B14F-4D97-AF65-F5344CB8AC3E}">
+        <p14:creationId xmlns:p14="http://schemas.microsoft.com/office/powerpoint/2010/main" val="2423025254"/>
+      </p:ext>
+    </p:extLst>
+  </p:cSld>
+  <p:clrMapOvr>
+    <a:masterClrMapping/>
+  </p:clrMapOvr>
+  <p:timing>
+    <p:tnLst>
+      <p:par>
+        <p:cTn id="1" dur="indefinite" restart="never" nodeType="tmRoot"/>
+      </p:par>
+    </p:tnLst>
+  </p:timing>
+</p:sld>
+</file>
+
+<file path=ppt/slides/slide14.xml><?xml version="1.0" encoding="utf-8"?>
+<p:sld xmlns:a="http://schemas.openxmlformats.org/drawingml/2006/main" xmlns:r="http://schemas.openxmlformats.org/officeDocument/2006/relationships" xmlns:p="http://schemas.openxmlformats.org/presentationml/2006/main">
+  <p:cSld>
+    <p:spTree>
+      <p:nvGrpSpPr>
+        <p:cNvPr id="1" name=""/>
+        <p:cNvGrpSpPr/>
+        <p:nvPr/>
+      </p:nvGrpSpPr>
+      <p:grpSpPr>
+        <a:xfrm>
+          <a:off x="0" y="0"/>
+          <a:ext cx="0" cy="0"/>
+          <a:chOff x="0" y="0"/>
+          <a:chExt cx="0" cy="0"/>
+        </a:xfrm>
+      </p:grpSpPr>
+      <p:sp>
+        <p:nvSpPr>
+          <p:cNvPr id="3" name="Rectangle 2"/>
+          <p:cNvSpPr/>
+          <p:nvPr/>
+        </p:nvSpPr>
+        <p:spPr>
+          <a:xfrm>
+            <a:off x="1876022" y="1183508"/>
+            <a:ext cx="6096000" cy="3170099"/>
+          </a:xfrm>
+          <a:prstGeom prst="rect">
+            <a:avLst/>
+          </a:prstGeom>
+        </p:spPr>
+        <p:txBody>
+          <a:bodyPr>
+            <a:spAutoFit/>
+          </a:bodyPr>
+          <a:lstStyle/>
+          <a:p>
+            <a:r>
+              <a:rPr lang="en-US" sz="4000" b="1" dirty="0"/>
+              <a:t>Lab Technician </a:t>
+            </a:r>
+            <a:r>
+              <a:rPr lang="en-US" sz="4000" b="1" dirty="0" smtClean="0"/>
+              <a:t>Module</a:t>
+            </a:r>
+          </a:p>
+          <a:p>
+            <a:endParaRPr lang="en-US" sz="4000" b="1" dirty="0"/>
+          </a:p>
+          <a:p>
+            <a:endParaRPr lang="en-US" sz="4000" b="1" dirty="0"/>
+          </a:p>
+          <a:p>
+            <a:pPr>
+              <a:buFont typeface="Arial" panose="020B0604020202020204" pitchFamily="34" charset="0"/>
+              <a:buChar char="•"/>
+            </a:pPr>
+            <a:r>
+              <a:rPr lang="en-US" sz="2000" dirty="0">
+                <a:latin typeface="Times New Roman" panose="02020603050405020304" pitchFamily="18" charset="0"/>
+                <a:cs typeface="Times New Roman" panose="02020603050405020304" pitchFamily="18" charset="0"/>
+              </a:rPr>
+              <a:t>Lab technician registration.</a:t>
+            </a:r>
+          </a:p>
+          <a:p>
+            <a:pPr>
+              <a:buFont typeface="Arial" panose="020B0604020202020204" pitchFamily="34" charset="0"/>
+              <a:buChar char="•"/>
+            </a:pPr>
+            <a:r>
+              <a:rPr lang="en-US" sz="2000" dirty="0">
+                <a:latin typeface="Times New Roman" panose="02020603050405020304" pitchFamily="18" charset="0"/>
+                <a:cs typeface="Times New Roman" panose="02020603050405020304" pitchFamily="18" charset="0"/>
+              </a:rPr>
+              <a:t>Login after admin verification.</a:t>
+            </a:r>
+          </a:p>
+          <a:p>
+            <a:pPr>
+              <a:buFont typeface="Arial" panose="020B0604020202020204" pitchFamily="34" charset="0"/>
+              <a:buChar char="•"/>
+            </a:pPr>
+            <a:r>
+              <a:rPr lang="en-US" sz="2000" dirty="0">
+                <a:latin typeface="Times New Roman" panose="02020603050405020304" pitchFamily="18" charset="0"/>
+                <a:cs typeface="Times New Roman" panose="02020603050405020304" pitchFamily="18" charset="0"/>
+              </a:rPr>
+              <a:t>Search patient using Health Card ID.</a:t>
+            </a:r>
+          </a:p>
+          <a:p>
+            <a:pPr>
+              <a:buFont typeface="Arial" panose="020B0604020202020204" pitchFamily="34" charset="0"/>
+              <a:buChar char="•"/>
+            </a:pPr>
+            <a:r>
+              <a:rPr lang="en-US" sz="2000" dirty="0">
+                <a:latin typeface="Times New Roman" panose="02020603050405020304" pitchFamily="18" charset="0"/>
+                <a:cs typeface="Times New Roman" panose="02020603050405020304" pitchFamily="18" charset="0"/>
+              </a:rPr>
+              <a:t>Upload diagnostic and laboratory reports.</a:t>
+            </a:r>
+          </a:p>
+        </p:txBody>
+      </p:sp>
+      <p:pic>
+        <p:nvPicPr>
+          <p:cNvPr id="4" name="Picture 3"/>
+          <p:cNvPicPr>
+            <a:picLocks noChangeAspect="1"/>
+          </p:cNvPicPr>
+          <p:nvPr/>
+        </p:nvPicPr>
+        <p:blipFill>
+          <a:blip r:embed="rId2"/>
+          <a:stretch>
+            <a:fillRect/>
+          </a:stretch>
+        </p:blipFill>
+        <p:spPr>
+          <a:xfrm>
+            <a:off x="8200468" y="0"/>
+            <a:ext cx="3991532" cy="6857999"/>
+          </a:xfrm>
+          <a:prstGeom prst="rect">
+            <a:avLst/>
+          </a:prstGeom>
+        </p:spPr>
+      </p:pic>
+    </p:spTree>
+    <p:extLst>
+      <p:ext uri="{BB962C8B-B14F-4D97-AF65-F5344CB8AC3E}">
+        <p14:creationId xmlns:p14="http://schemas.microsoft.com/office/powerpoint/2010/main" val="2763101555"/>
+      </p:ext>
+    </p:extLst>
+  </p:cSld>
+  <p:clrMapOvr>
+    <a:masterClrMapping/>
+  </p:clrMapOvr>
+  <p:timing>
+    <p:tnLst>
+      <p:par>
+        <p:cTn id="1" dur="indefinite" restart="never" nodeType="tmRoot"/>
+      </p:par>
+    </p:tnLst>
+  </p:timing>
+</p:sld>
+</file>
+
+<file path=ppt/slides/slide15.xml><?xml version="1.0" encoding="utf-8"?>
+<p:sld xmlns:a="http://schemas.openxmlformats.org/drawingml/2006/main" xmlns:r="http://schemas.openxmlformats.org/officeDocument/2006/relationships" xmlns:p="http://schemas.openxmlformats.org/presentationml/2006/main">
+  <p:cSld>
+    <p:spTree>
+      <p:nvGrpSpPr>
+        <p:cNvPr id="1" name=""/>
+        <p:cNvGrpSpPr/>
+        <p:nvPr/>
+      </p:nvGrpSpPr>
+      <p:grpSpPr>
+        <a:xfrm>
+          <a:off x="0" y="0"/>
+          <a:ext cx="0" cy="0"/>
+          <a:chOff x="0" y="0"/>
+          <a:chExt cx="0" cy="0"/>
+        </a:xfrm>
+      </p:grpSpPr>
+      <p:sp>
+        <p:nvSpPr>
+          <p:cNvPr id="2" name="Rectangle 1"/>
+          <p:cNvSpPr/>
+          <p:nvPr/>
+        </p:nvSpPr>
+        <p:spPr>
+          <a:xfrm>
+            <a:off x="1940416" y="1263950"/>
+            <a:ext cx="6933127" cy="2862322"/>
+          </a:xfrm>
+          <a:prstGeom prst="rect">
+            <a:avLst/>
+          </a:prstGeom>
+        </p:spPr>
+        <p:txBody>
+          <a:bodyPr wrap="square">
+            <a:spAutoFit/>
+          </a:bodyPr>
+          <a:lstStyle/>
+          <a:p>
+            <a:r>
+              <a:rPr lang="en-US" sz="4000" b="1" dirty="0"/>
+              <a:t>Nominee </a:t>
+            </a:r>
+            <a:r>
+              <a:rPr lang="en-US" sz="4000" b="1" dirty="0" smtClean="0"/>
+              <a:t>Module</a:t>
+            </a:r>
+          </a:p>
+          <a:p>
+            <a:endParaRPr lang="en-US" sz="4000" b="1" dirty="0"/>
+          </a:p>
+          <a:p>
+            <a:endParaRPr lang="en-US" sz="4000" b="1" dirty="0"/>
+          </a:p>
+          <a:p>
+            <a:pPr>
+              <a:buFont typeface="Arial" panose="020B0604020202020204" pitchFamily="34" charset="0"/>
+              <a:buChar char="•"/>
+            </a:pPr>
+            <a:r>
+              <a:rPr lang="en-US" sz="2000" dirty="0">
+                <a:latin typeface="Times New Roman" panose="02020603050405020304" pitchFamily="18" charset="0"/>
+                <a:cs typeface="Times New Roman" panose="02020603050405020304" pitchFamily="18" charset="0"/>
+              </a:rPr>
+              <a:t>Nominee details linked with patient account.</a:t>
+            </a:r>
+          </a:p>
+          <a:p>
+            <a:pPr>
+              <a:buFont typeface="Arial" panose="020B0604020202020204" pitchFamily="34" charset="0"/>
+              <a:buChar char="•"/>
+            </a:pPr>
+            <a:r>
+              <a:rPr lang="en-US" sz="2000" dirty="0">
+                <a:latin typeface="Times New Roman" panose="02020603050405020304" pitchFamily="18" charset="0"/>
+                <a:cs typeface="Times New Roman" panose="02020603050405020304" pitchFamily="18" charset="0"/>
+              </a:rPr>
+              <a:t>Emergency access support during accidents or critical situations.</a:t>
+            </a:r>
+          </a:p>
+          <a:p>
+            <a:pPr>
+              <a:buFont typeface="Arial" panose="020B0604020202020204" pitchFamily="34" charset="0"/>
+              <a:buChar char="•"/>
+            </a:pPr>
+            <a:r>
+              <a:rPr lang="en-US" sz="2000" dirty="0">
+                <a:latin typeface="Times New Roman" panose="02020603050405020304" pitchFamily="18" charset="0"/>
+                <a:cs typeface="Times New Roman" panose="02020603050405020304" pitchFamily="18" charset="0"/>
+              </a:rPr>
+              <a:t>Admin-assisted authorization for doctor access in emergencies.</a:t>
+            </a:r>
+          </a:p>
+        </p:txBody>
+      </p:sp>
+    </p:spTree>
+    <p:extLst>
+      <p:ext uri="{BB962C8B-B14F-4D97-AF65-F5344CB8AC3E}">
+        <p14:creationId xmlns:p14="http://schemas.microsoft.com/office/powerpoint/2010/main" val="1930864157"/>
+      </p:ext>
+    </p:extLst>
+  </p:cSld>
+  <p:clrMapOvr>
+    <a:masterClrMapping/>
+  </p:clrMapOvr>
+  <p:timing>
+    <p:tnLst>
+      <p:par>
+        <p:cTn id="1" dur="indefinite" restart="never" nodeType="tmRoot"/>
+      </p:par>
+    </p:tnLst>
+  </p:timing>
+</p:sld>
+</file>
+
+<file path=ppt/slides/slide16.xml><?xml version="1.0" encoding="utf-8"?>
+<p:sld xmlns:a="http://schemas.openxmlformats.org/drawingml/2006/main" xmlns:r="http://schemas.openxmlformats.org/officeDocument/2006/relationships" xmlns:p="http://schemas.openxmlformats.org/presentationml/2006/main">
+  <p:cSld>
+    <p:spTree>
+      <p:nvGrpSpPr>
+        <p:cNvPr id="1" name=""/>
+        <p:cNvGrpSpPr/>
+        <p:nvPr/>
+      </p:nvGrpSpPr>
+      <p:grpSpPr>
+        <a:xfrm>
+          <a:off x="0" y="0"/>
+          <a:ext cx="0" cy="0"/>
+          <a:chOff x="0" y="0"/>
+          <a:chExt cx="0" cy="0"/>
+        </a:xfrm>
+      </p:grpSpPr>
+      <p:sp>
+        <p:nvSpPr>
           <p:cNvPr id="2" name="Title 1"/>
           <p:cNvSpPr>
             <a:spLocks noGrp="1"/>
@@ -6471,7 +7620,7 @@
 </p:sld>
 </file>
 
-<file path=ppt/slides/slide11.xml><?xml version="1.0" encoding="utf-8"?>
+<file path=ppt/slides/slide17.xml><?xml version="1.0" encoding="utf-8"?>
 <p:sld xmlns:a="http://schemas.openxmlformats.org/drawingml/2006/main" xmlns:r="http://schemas.openxmlformats.org/officeDocument/2006/relationships" xmlns:p="http://schemas.openxmlformats.org/presentationml/2006/main">
   <p:cSld>
     <p:spTree>
@@ -6584,8 +7733,12 @@
               <a:t>           Backend: ASP.NET </a:t>
             </a:r>
             <a:r>
+              <a:rPr lang="en-IN" smtClean="0"/>
+              <a:t>Core 8.0 Web </a:t>
+            </a:r>
+            <a:r>
               <a:rPr lang="en-IN" dirty="0" smtClean="0"/>
-              <a:t>Core Web App</a:t>
+              <a:t>App</a:t>
             </a:r>
             <a:endParaRPr lang="en-IN" dirty="0"/>
           </a:p>
@@ -6678,10 +7831,17 @@
   <p:clrMapOvr>
     <a:masterClrMapping/>
   </p:clrMapOvr>
+  <p:timing>
+    <p:tnLst>
+      <p:par>
+        <p:cTn id="1" dur="indefinite" restart="never" nodeType="tmRoot"/>
+      </p:par>
+    </p:tnLst>
+  </p:timing>
 </p:sld>
 </file>
 
-<file path=ppt/slides/slide12.xml><?xml version="1.0" encoding="utf-8"?>
+<file path=ppt/slides/slide18.xml><?xml version="1.0" encoding="utf-8"?>
 <p:sld xmlns:a="http://schemas.openxmlformats.org/drawingml/2006/main" xmlns:r="http://schemas.openxmlformats.org/officeDocument/2006/relationships" xmlns:p="http://schemas.openxmlformats.org/presentationml/2006/main">
   <p:cSld>
     <p:spTree>
@@ -6734,31 +7894,49 @@
         <p:spPr/>
         <p:txBody>
           <a:bodyPr>
-            <a:normAutofit fontScale="92500" lnSpcReduction="20000"/>
+            <a:noAutofit/>
           </a:bodyPr>
           <a:lstStyle/>
           <a:p>
             <a:r>
-              <a:rPr lang="en-US" dirty="0"/>
+              <a:rPr lang="en-US" sz="2000" dirty="0">
+                <a:latin typeface="Times New Roman" panose="02020603050405020304" pitchFamily="18" charset="0"/>
+                <a:cs typeface="Times New Roman" panose="02020603050405020304" pitchFamily="18" charset="0"/>
+              </a:rPr>
               <a:t>The </a:t>
             </a:r>
             <a:r>
-              <a:rPr lang="en-US" b="1" dirty="0"/>
+              <a:rPr lang="en-US" sz="2000" b="1" dirty="0">
+                <a:latin typeface="Times New Roman" panose="02020603050405020304" pitchFamily="18" charset="0"/>
+                <a:cs typeface="Times New Roman" panose="02020603050405020304" pitchFamily="18" charset="0"/>
+              </a:rPr>
               <a:t>Digital Health Card System</a:t>
             </a:r>
             <a:r>
-              <a:rPr lang="en-US" dirty="0"/>
+              <a:rPr lang="en-US" sz="2000" dirty="0">
+                <a:latin typeface="Times New Roman" panose="02020603050405020304" pitchFamily="18" charset="0"/>
+                <a:cs typeface="Times New Roman" panose="02020603050405020304" pitchFamily="18" charset="0"/>
+              </a:rPr>
               <a:t> successfully provides a secure and efficient platform for managing patient medical records digitally. By eliminating the need for physical reports and introducing </a:t>
             </a:r>
             <a:r>
-              <a:rPr lang="en-US" dirty="0" err="1"/>
+              <a:rPr lang="en-US" sz="2000" dirty="0" err="1">
+                <a:latin typeface="Times New Roman" panose="02020603050405020304" pitchFamily="18" charset="0"/>
+                <a:cs typeface="Times New Roman" panose="02020603050405020304" pitchFamily="18" charset="0"/>
+              </a:rPr>
               <a:t>Aadhaar</a:t>
             </a:r>
             <a:r>
-              <a:rPr lang="en-US" dirty="0"/>
+              <a:rPr lang="en-US" sz="2000" dirty="0">
+                <a:latin typeface="Times New Roman" panose="02020603050405020304" pitchFamily="18" charset="0"/>
+                <a:cs typeface="Times New Roman" panose="02020603050405020304" pitchFamily="18" charset="0"/>
+              </a:rPr>
               <a:t>-based authentication, the system ensures easy access and improved reliability of medical data. Role-based access control and admin verification enhance system security, while digital report uploads by doctors and lab technicians ensure accurate and up-to-date medical information. The emergency access feature further strengthens the system by enabling timely treatment during critical situations. Overall, the system contributes to a more organized, accessible, and patient-centric healthcare management approach and has the potential for future expansion with advanced technologies and real-world integrations.</a:t>
             </a:r>
-            <a:endParaRPr lang="en-IN" dirty="0"/>
+            <a:endParaRPr lang="en-IN" sz="2000" dirty="0">
+              <a:latin typeface="Times New Roman" panose="02020603050405020304" pitchFamily="18" charset="0"/>
+              <a:cs typeface="Times New Roman" panose="02020603050405020304" pitchFamily="18" charset="0"/>
+            </a:endParaRPr>
           </a:p>
         </p:txBody>
       </p:sp>
@@ -6782,7 +7960,7 @@
 </p:sld>
 </file>
 
-<file path=ppt/slides/slide13.xml><?xml version="1.0" encoding="utf-8"?>
+<file path=ppt/slides/slide19.xml><?xml version="1.0" encoding="utf-8"?>
 <p:sld xmlns:a="http://schemas.openxmlformats.org/drawingml/2006/main" xmlns:r="http://schemas.openxmlformats.org/officeDocument/2006/relationships" xmlns:p="http://schemas.openxmlformats.org/presentationml/2006/main">
   <p:cSld>
     <p:spTree>
@@ -6833,6 +8011,10 @@
           </p:nvPr>
         </p:nvSpPr>
         <p:spPr bwMode="auto">
+          <a:xfrm>
+            <a:off x="1484310" y="2951827"/>
+            <a:ext cx="6375143" cy="2554545"/>
+          </a:xfrm>
           <a:prstGeom prst="rect">
             <a:avLst/>
           </a:prstGeom>
@@ -6896,7 +8078,7 @@
               <a:tabLst/>
             </a:pPr>
             <a:r>
-              <a:rPr kumimoji="0" lang="en-US" sz="1800" b="0" i="0" u="none" strike="noStrike" cap="none" normalizeH="0" baseline="0" smtClean="0">
+              <a:rPr kumimoji="0" lang="en-US" sz="2000" b="0" i="0" u="none" strike="noStrike" cap="none" normalizeH="0" baseline="0" dirty="0" smtClean="0">
                 <a:ln>
                   <a:noFill/>
                 </a:ln>
@@ -6904,12 +8086,13 @@
                   <a:schemeClr val="tx1"/>
                 </a:solidFill>
                 <a:effectLst/>
-                <a:latin typeface="Arial" panose="020B0604020202020204" pitchFamily="34" charset="0"/>
+                <a:latin typeface="Times New Roman" panose="02020603050405020304" pitchFamily="18" charset="0"/>
+                <a:cs typeface="Times New Roman" panose="02020603050405020304" pitchFamily="18" charset="0"/>
               </a:rPr>
               <a:t>Integration with </a:t>
             </a:r>
             <a:r>
-              <a:rPr kumimoji="0" lang="en-US" sz="1800" b="1" i="0" u="none" strike="noStrike" cap="none" normalizeH="0" baseline="0" smtClean="0">
+              <a:rPr kumimoji="0" lang="en-US" sz="2000" b="1" i="0" u="none" strike="noStrike" cap="none" normalizeH="0" baseline="0" dirty="0" smtClean="0">
                 <a:ln>
                   <a:noFill/>
                 </a:ln>
@@ -6917,12 +8100,13 @@
                   <a:schemeClr val="tx1"/>
                 </a:solidFill>
                 <a:effectLst/>
-                <a:latin typeface="Arial" panose="020B0604020202020204" pitchFamily="34" charset="0"/>
-              </a:rPr>
-              <a:t>real Aadhaar APIs</a:t>
-            </a:r>
-            <a:r>
-              <a:rPr kumimoji="0" lang="en-US" sz="1800" b="0" i="0" u="none" strike="noStrike" cap="none" normalizeH="0" baseline="0" smtClean="0">
+                <a:latin typeface="Times New Roman" panose="02020603050405020304" pitchFamily="18" charset="0"/>
+                <a:cs typeface="Times New Roman" panose="02020603050405020304" pitchFamily="18" charset="0"/>
+              </a:rPr>
+              <a:t>real </a:t>
+            </a:r>
+            <a:r>
+              <a:rPr kumimoji="0" lang="en-US" sz="2000" b="1" i="0" u="none" strike="noStrike" cap="none" normalizeH="0" baseline="0" dirty="0" err="1" smtClean="0">
                 <a:ln>
                   <a:noFill/>
                 </a:ln>
@@ -6930,7 +8114,36 @@
                   <a:schemeClr val="tx1"/>
                 </a:solidFill>
                 <a:effectLst/>
-                <a:latin typeface="Arial" panose="020B0604020202020204" pitchFamily="34" charset="0"/>
+                <a:latin typeface="Times New Roman" panose="02020603050405020304" pitchFamily="18" charset="0"/>
+                <a:cs typeface="Times New Roman" panose="02020603050405020304" pitchFamily="18" charset="0"/>
+              </a:rPr>
+              <a:t>Aadhaar</a:t>
+            </a:r>
+            <a:r>
+              <a:rPr kumimoji="0" lang="en-US" sz="2000" b="1" i="0" u="none" strike="noStrike" cap="none" normalizeH="0" baseline="0" dirty="0" smtClean="0">
+                <a:ln>
+                  <a:noFill/>
+                </a:ln>
+                <a:solidFill>
+                  <a:schemeClr val="tx1"/>
+                </a:solidFill>
+                <a:effectLst/>
+                <a:latin typeface="Times New Roman" panose="02020603050405020304" pitchFamily="18" charset="0"/>
+                <a:cs typeface="Times New Roman" panose="02020603050405020304" pitchFamily="18" charset="0"/>
+              </a:rPr>
+              <a:t> APIs</a:t>
+            </a:r>
+            <a:r>
+              <a:rPr kumimoji="0" lang="en-US" sz="2000" b="0" i="0" u="none" strike="noStrike" cap="none" normalizeH="0" baseline="0" dirty="0" smtClean="0">
+                <a:ln>
+                  <a:noFill/>
+                </a:ln>
+                <a:solidFill>
+                  <a:schemeClr val="tx1"/>
+                </a:solidFill>
+                <a:effectLst/>
+                <a:latin typeface="Times New Roman" panose="02020603050405020304" pitchFamily="18" charset="0"/>
+                <a:cs typeface="Times New Roman" panose="02020603050405020304" pitchFamily="18" charset="0"/>
               </a:rPr>
               <a:t> for live verification</a:t>
             </a:r>
@@ -6953,7 +8166,7 @@
               <a:tabLst/>
             </a:pPr>
             <a:r>
-              <a:rPr kumimoji="0" lang="en-US" sz="1800" b="0" i="0" u="none" strike="noStrike" cap="none" normalizeH="0" baseline="0" smtClean="0">
+              <a:rPr kumimoji="0" lang="en-US" sz="2000" b="0" i="0" u="none" strike="noStrike" cap="none" normalizeH="0" baseline="0" dirty="0" smtClean="0">
                 <a:ln>
                   <a:noFill/>
                 </a:ln>
@@ -6961,7 +8174,8 @@
                   <a:schemeClr val="tx1"/>
                 </a:solidFill>
                 <a:effectLst/>
-                <a:latin typeface="Arial" panose="020B0604020202020204" pitchFamily="34" charset="0"/>
+                <a:latin typeface="Times New Roman" panose="02020603050405020304" pitchFamily="18" charset="0"/>
+                <a:cs typeface="Times New Roman" panose="02020603050405020304" pitchFamily="18" charset="0"/>
               </a:rPr>
               <a:t>Mobile application version of the system</a:t>
             </a:r>
@@ -6984,7 +8198,7 @@
               <a:tabLst/>
             </a:pPr>
             <a:r>
-              <a:rPr kumimoji="0" lang="en-US" sz="1800" b="0" i="0" u="none" strike="noStrike" cap="none" normalizeH="0" baseline="0" smtClean="0">
+              <a:rPr kumimoji="0" lang="en-US" sz="2000" b="0" i="0" u="none" strike="noStrike" cap="none" normalizeH="0" baseline="0" dirty="0" smtClean="0">
                 <a:ln>
                   <a:noFill/>
                 </a:ln>
@@ -6992,7 +8206,8 @@
                   <a:schemeClr val="tx1"/>
                 </a:solidFill>
                 <a:effectLst/>
-                <a:latin typeface="Arial" panose="020B0604020202020204" pitchFamily="34" charset="0"/>
+                <a:latin typeface="Times New Roman" panose="02020603050405020304" pitchFamily="18" charset="0"/>
+                <a:cs typeface="Times New Roman" panose="02020603050405020304" pitchFamily="18" charset="0"/>
               </a:rPr>
               <a:t>Biometric authentication for enhanced security</a:t>
             </a:r>
@@ -7015,7 +8230,7 @@
               <a:tabLst/>
             </a:pPr>
             <a:r>
-              <a:rPr kumimoji="0" lang="en-US" sz="1800" b="0" i="0" u="none" strike="noStrike" cap="none" normalizeH="0" baseline="0" smtClean="0">
+              <a:rPr kumimoji="0" lang="en-US" sz="2000" b="0" i="0" u="none" strike="noStrike" cap="none" normalizeH="0" baseline="0" dirty="0" smtClean="0">
                 <a:ln>
                   <a:noFill/>
                 </a:ln>
@@ -7023,7 +8238,8 @@
                   <a:schemeClr val="tx1"/>
                 </a:solidFill>
                 <a:effectLst/>
-                <a:latin typeface="Arial" panose="020B0604020202020204" pitchFamily="34" charset="0"/>
+                <a:latin typeface="Times New Roman" panose="02020603050405020304" pitchFamily="18" charset="0"/>
+                <a:cs typeface="Times New Roman" panose="02020603050405020304" pitchFamily="18" charset="0"/>
               </a:rPr>
               <a:t>AI-based health analysis and report predictions</a:t>
             </a:r>
@@ -7046,7 +8262,7 @@
               <a:tabLst/>
             </a:pPr>
             <a:r>
-              <a:rPr kumimoji="0" lang="en-US" sz="1800" b="0" i="0" u="none" strike="noStrike" cap="none" normalizeH="0" baseline="0" smtClean="0">
+              <a:rPr kumimoji="0" lang="en-US" sz="2000" b="0" i="0" u="none" strike="noStrike" cap="none" normalizeH="0" baseline="0" dirty="0" smtClean="0">
                 <a:ln>
                   <a:noFill/>
                 </a:ln>
@@ -7054,7 +8270,8 @@
                   <a:schemeClr val="tx1"/>
                 </a:solidFill>
                 <a:effectLst/>
-                <a:latin typeface="Arial" panose="020B0604020202020204" pitchFamily="34" charset="0"/>
+                <a:latin typeface="Times New Roman" panose="02020603050405020304" pitchFamily="18" charset="0"/>
+                <a:cs typeface="Times New Roman" panose="02020603050405020304" pitchFamily="18" charset="0"/>
               </a:rPr>
               <a:t>Integration with hospitals and pharmacies</a:t>
             </a:r>
@@ -7077,7 +8294,7 @@
               <a:tabLst/>
             </a:pPr>
             <a:r>
-              <a:rPr kumimoji="0" lang="en-US" sz="1800" b="0" i="0" u="none" strike="noStrike" cap="none" normalizeH="0" baseline="0" smtClean="0">
+              <a:rPr kumimoji="0" lang="en-US" sz="2000" b="0" i="0" u="none" strike="noStrike" cap="none" normalizeH="0" baseline="0" dirty="0" err="1" smtClean="0">
                 <a:ln>
                   <a:noFill/>
                 </a:ln>
@@ -7085,9 +8302,24 @@
                   <a:schemeClr val="tx1"/>
                 </a:solidFill>
                 <a:effectLst/>
-                <a:latin typeface="Arial" panose="020B0604020202020204" pitchFamily="34" charset="0"/>
-              </a:rPr>
-              <a:t>Blockchain-based storage for tamper-proof medical records</a:t>
+                <a:latin typeface="Times New Roman" panose="02020603050405020304" pitchFamily="18" charset="0"/>
+                <a:cs typeface="Times New Roman" panose="02020603050405020304" pitchFamily="18" charset="0"/>
+              </a:rPr>
+              <a:t>Blockchain</a:t>
+            </a:r>
+            <a:r>
+              <a:rPr kumimoji="0" lang="en-US" sz="2000" b="0" i="0" u="none" strike="noStrike" cap="none" normalizeH="0" baseline="0" dirty="0" smtClean="0">
+                <a:ln>
+                  <a:noFill/>
+                </a:ln>
+                <a:solidFill>
+                  <a:schemeClr val="tx1"/>
+                </a:solidFill>
+                <a:effectLst/>
+                <a:latin typeface="Times New Roman" panose="02020603050405020304" pitchFamily="18" charset="0"/>
+                <a:cs typeface="Times New Roman" panose="02020603050405020304" pitchFamily="18" charset="0"/>
+              </a:rPr>
+              <a:t>-based storage for tamper-proof medical records</a:t>
             </a:r>
           </a:p>
           <a:p>
@@ -7108,7 +8340,7 @@
               <a:tabLst/>
             </a:pPr>
             <a:r>
-              <a:rPr kumimoji="0" lang="en-US" sz="1800" b="0" i="0" u="none" strike="noStrike" cap="none" normalizeH="0" baseline="0" smtClean="0">
+              <a:rPr kumimoji="0" lang="en-US" sz="2000" b="0" i="0" u="none" strike="noStrike" cap="none" normalizeH="0" baseline="0" dirty="0" smtClean="0">
                 <a:ln>
                   <a:noFill/>
                 </a:ln>
@@ -7116,7 +8348,8 @@
                   <a:schemeClr val="tx1"/>
                 </a:solidFill>
                 <a:effectLst/>
-                <a:latin typeface="Arial" panose="020B0604020202020204" pitchFamily="34" charset="0"/>
+                <a:latin typeface="Times New Roman" panose="02020603050405020304" pitchFamily="18" charset="0"/>
+                <a:cs typeface="Times New Roman" panose="02020603050405020304" pitchFamily="18" charset="0"/>
               </a:rPr>
               <a:t>Appointment scheduling and notification system</a:t>
             </a:r>
@@ -7139,7 +8372,7 @@
               <a:tabLst/>
             </a:pPr>
             <a:r>
-              <a:rPr kumimoji="0" lang="en-US" sz="1800" b="0" i="0" u="none" strike="noStrike" cap="none" normalizeH="0" baseline="0" smtClean="0">
+              <a:rPr kumimoji="0" lang="en-US" sz="2000" b="0" i="0" u="none" strike="noStrike" cap="none" normalizeH="0" baseline="0" dirty="0" smtClean="0">
                 <a:ln>
                   <a:noFill/>
                 </a:ln>
@@ -7147,7 +8380,8 @@
                   <a:schemeClr val="tx1"/>
                 </a:solidFill>
                 <a:effectLst/>
-                <a:latin typeface="Arial" panose="020B0604020202020204" pitchFamily="34" charset="0"/>
+                <a:latin typeface="Times New Roman" panose="02020603050405020304" pitchFamily="18" charset="0"/>
+                <a:cs typeface="Times New Roman" panose="02020603050405020304" pitchFamily="18" charset="0"/>
               </a:rPr>
               <a:t>Multi-language support for wider accessibility</a:t>
             </a:r>
@@ -7232,18 +8466,30 @@
           <a:lstStyle/>
           <a:p>
             <a:r>
-              <a:rPr lang="en-US" dirty="0"/>
+              <a:rPr lang="en-US" sz="2000" dirty="0">
+                <a:latin typeface="Times New Roman" panose="02020603050405020304" pitchFamily="18" charset="0"/>
+                <a:cs typeface="Times New Roman" panose="02020603050405020304" pitchFamily="18" charset="0"/>
+              </a:rPr>
               <a:t>The Digital Health Card System is a secure healthcare management platform that allows patients to access and manage their medical records digitally. The system eliminates the need for carrying physical medical reports by providing centralized, role-based access to patient health data. It involves five main entities: Admin, Patient, Doctor, Lab Technician, and Nominee. </a:t>
             </a:r>
             <a:r>
-              <a:rPr lang="en-US" dirty="0" err="1"/>
+              <a:rPr lang="en-US" sz="2000" dirty="0" err="1">
+                <a:latin typeface="Times New Roman" panose="02020603050405020304" pitchFamily="18" charset="0"/>
+                <a:cs typeface="Times New Roman" panose="02020603050405020304" pitchFamily="18" charset="0"/>
+              </a:rPr>
               <a:t>Aadhaar</a:t>
             </a:r>
             <a:r>
-              <a:rPr lang="en-US" dirty="0"/>
+              <a:rPr lang="en-US" sz="2000" dirty="0">
+                <a:latin typeface="Times New Roman" panose="02020603050405020304" pitchFamily="18" charset="0"/>
+                <a:cs typeface="Times New Roman" panose="02020603050405020304" pitchFamily="18" charset="0"/>
+              </a:rPr>
               <a:t>-based authentication, admin verification, and patient consent ensure data security, privacy, and controlled access to sensitive medical information.</a:t>
             </a:r>
-            <a:endParaRPr lang="en-IN" dirty="0"/>
+            <a:endParaRPr lang="en-IN" sz="2000" dirty="0">
+              <a:latin typeface="Times New Roman" panose="02020603050405020304" pitchFamily="18" charset="0"/>
+              <a:cs typeface="Times New Roman" panose="02020603050405020304" pitchFamily="18" charset="0"/>
+            </a:endParaRPr>
           </a:p>
         </p:txBody>
       </p:sp>
@@ -7267,6 +8513,77 @@
 </p:sld>
 </file>
 
+<file path=ppt/slides/slide20.xml><?xml version="1.0" encoding="utf-8"?>
+<p:sld xmlns:a="http://schemas.openxmlformats.org/drawingml/2006/main" xmlns:r="http://schemas.openxmlformats.org/officeDocument/2006/relationships" xmlns:p="http://schemas.openxmlformats.org/presentationml/2006/main">
+  <p:cSld>
+    <p:spTree>
+      <p:nvGrpSpPr>
+        <p:cNvPr id="1" name=""/>
+        <p:cNvGrpSpPr/>
+        <p:nvPr/>
+      </p:nvGrpSpPr>
+      <p:grpSpPr>
+        <a:xfrm>
+          <a:off x="0" y="0"/>
+          <a:ext cx="0" cy="0"/>
+          <a:chOff x="0" y="0"/>
+          <a:chExt cx="0" cy="0"/>
+        </a:xfrm>
+      </p:grpSpPr>
+      <p:sp>
+        <p:nvSpPr>
+          <p:cNvPr id="2" name="Rectangle 1"/>
+          <p:cNvSpPr/>
+          <p:nvPr/>
+        </p:nvSpPr>
+        <p:spPr>
+          <a:xfrm>
+            <a:off x="4713119" y="2870846"/>
+            <a:ext cx="2800447" cy="830997"/>
+          </a:xfrm>
+          <a:prstGeom prst="rect">
+            <a:avLst/>
+          </a:prstGeom>
+        </p:spPr>
+        <p:txBody>
+          <a:bodyPr wrap="none">
+            <a:spAutoFit/>
+          </a:bodyPr>
+          <a:lstStyle/>
+          <a:p>
+            <a:r>
+              <a:rPr lang="en-IN" sz="4800" dirty="0">
+                <a:solidFill>
+                  <a:schemeClr val="tx2">
+                    <a:lumMod val="75000"/>
+                  </a:schemeClr>
+                </a:solidFill>
+              </a:rPr>
+              <a:t>Thank You</a:t>
+            </a:r>
+            <a:endParaRPr lang="en-IN" sz="4800" dirty="0">
+              <a:solidFill>
+                <a:schemeClr val="tx2">
+                  <a:lumMod val="75000"/>
+                </a:schemeClr>
+              </a:solidFill>
+            </a:endParaRPr>
+          </a:p>
+        </p:txBody>
+      </p:sp>
+    </p:spTree>
+    <p:extLst>
+      <p:ext uri="{BB962C8B-B14F-4D97-AF65-F5344CB8AC3E}">
+        <p14:creationId xmlns:p14="http://schemas.microsoft.com/office/powerpoint/2010/main" val="639549205"/>
+      </p:ext>
+    </p:extLst>
+  </p:cSld>
+  <p:clrMapOvr>
+    <a:masterClrMapping/>
+  </p:clrMapOvr>
+</p:sld>
+</file>
+
 <file path=ppt/slides/slide3.xml><?xml version="1.0" encoding="utf-8"?>
 <p:sld xmlns:a="http://schemas.openxmlformats.org/drawingml/2006/main" xmlns:r="http://schemas.openxmlformats.org/officeDocument/2006/relationships" xmlns:p="http://schemas.openxmlformats.org/presentationml/2006/main">
   <p:cSld>
@@ -7320,34 +8637,38 @@
         <p:spPr/>
         <p:txBody>
           <a:bodyPr>
-            <a:normAutofit fontScale="70000" lnSpcReduction="20000"/>
+            <a:normAutofit fontScale="25000" lnSpcReduction="20000"/>
           </a:bodyPr>
           <a:lstStyle/>
           <a:p>
             <a:r>
-              <a:rPr lang="en-US" dirty="0"/>
+              <a:rPr lang="en-US" sz="8000" dirty="0">
+                <a:latin typeface="Times New Roman" panose="02020603050405020304" pitchFamily="18" charset="0"/>
+                <a:cs typeface="Times New Roman" panose="02020603050405020304" pitchFamily="18" charset="0"/>
+              </a:rPr>
               <a:t>In today’s fast-paced healthcare environment, managing medical records in physical form has become inefficient and unreliable. Patients often misplace reports or forget to carry them during consultations, leading to delays in diagnosis and treatment. Moreover, sharing medical data among healthcare providers remains a challenge due to the lack of a centralized and secure platform.</a:t>
             </a:r>
           </a:p>
           <a:p>
             <a:r>
-              <a:rPr lang="en-US" dirty="0"/>
-              <a:t>The </a:t>
-            </a:r>
-            <a:r>
-              <a:rPr lang="en-US" b="1" dirty="0"/>
-              <a:t>Digital Health Card System</a:t>
-            </a:r>
-            <a:r>
-              <a:rPr lang="en-US" dirty="0"/>
-              <a:t> addresses these challenges by providing a secure digital solution for storing and accessing patient medical records. The system uses </a:t>
-            </a:r>
-            <a:r>
-              <a:rPr lang="en-US" dirty="0" err="1"/>
+              <a:rPr lang="en-US" sz="8000" dirty="0">
+                <a:latin typeface="Times New Roman" panose="02020603050405020304" pitchFamily="18" charset="0"/>
+                <a:cs typeface="Times New Roman" panose="02020603050405020304" pitchFamily="18" charset="0"/>
+              </a:rPr>
+              <a:t>The Digital Health Card System addresses these challenges by providing a secure digital solution for storing and accessing patient medical records. The system uses </a:t>
+            </a:r>
+            <a:r>
+              <a:rPr lang="en-US" sz="8000" dirty="0" err="1">
+                <a:latin typeface="Times New Roman" panose="02020603050405020304" pitchFamily="18" charset="0"/>
+                <a:cs typeface="Times New Roman" panose="02020603050405020304" pitchFamily="18" charset="0"/>
+              </a:rPr>
               <a:t>Aadhaar</a:t>
             </a:r>
             <a:r>
-              <a:rPr lang="en-US" dirty="0"/>
+              <a:rPr lang="en-US" sz="8000" dirty="0">
+                <a:latin typeface="Times New Roman" panose="02020603050405020304" pitchFamily="18" charset="0"/>
+                <a:cs typeface="Times New Roman" panose="02020603050405020304" pitchFamily="18" charset="0"/>
+              </a:rPr>
               <a:t>-based authentication to uniquely identify patients and generates a Health Card ID that acts as a digital identity for accessing medical data. With role-based access control, the system ensures that only authorized users such as doctors and lab technicians can upload or modify patient data after admin verification. Additionally, the nominee-based emergency access mechanism allows doctors to access patient medical history during critical situations. This system aims to improve healthcare efficiency, data accessibility, and patient safety.</a:t>
             </a:r>
           </a:p>
@@ -7429,15 +8750,21 @@
         <p:spPr/>
         <p:txBody>
           <a:bodyPr>
-            <a:normAutofit fontScale="92500"/>
+            <a:normAutofit/>
           </a:bodyPr>
           <a:lstStyle/>
           <a:p>
             <a:r>
-              <a:rPr lang="en-US" dirty="0"/>
+              <a:rPr lang="en-US" sz="2000" dirty="0">
+                <a:latin typeface="Times New Roman" panose="02020603050405020304" pitchFamily="18" charset="0"/>
+                <a:cs typeface="Times New Roman" panose="02020603050405020304" pitchFamily="18" charset="0"/>
+              </a:rPr>
               <a:t>In the existing healthcare system, patients are required to carry physical medical reports during hospital visits or emergencies. These reports can be misplaced, damaged, or unavailable when urgently needed. There is no centralized, secure, and easily accessible digital platform that allows patients, doctors, and laboratories to manage medical records efficiently. Additionally, unauthorized access to sensitive health data and lack of patient consent mechanisms create privacy and security concerns. Hence, there is a need for a secure digital system that enables electronic storage, controlled access, and easy retrieval of medical records using reliable authentication methods.</a:t>
             </a:r>
-            <a:endParaRPr lang="en-IN" dirty="0"/>
+            <a:endParaRPr lang="en-IN" sz="2000" dirty="0">
+              <a:latin typeface="Times New Roman" panose="02020603050405020304" pitchFamily="18" charset="0"/>
+              <a:cs typeface="Times New Roman" panose="02020603050405020304" pitchFamily="18" charset="0"/>
+            </a:endParaRPr>
           </a:p>
         </p:txBody>
       </p:sp>
@@ -7495,7 +8822,7 @@
           <a:p>
             <a:r>
               <a:rPr lang="en-US" dirty="0" smtClean="0"/>
-              <a:t>Aim</a:t>
+              <a:t>Project Overview</a:t>
             </a:r>
             <a:endParaRPr lang="en-IN" dirty="0"/>
           </a:p>
@@ -7517,12 +8844,8 @@
           <a:lstStyle/>
           <a:p>
             <a:r>
-              <a:rPr lang="en-US" dirty="0" smtClean="0"/>
+              <a:rPr lang="en-US" dirty="0"/>
               <a:t>The </a:t>
-            </a:r>
-            <a:r>
-              <a:rPr lang="en-US" dirty="0"/>
-              <a:t>aim of the </a:t>
             </a:r>
             <a:r>
               <a:rPr lang="en-US" b="1" dirty="0"/>
@@ -7530,8 +8853,35 @@
             </a:r>
             <a:r>
               <a:rPr lang="en-US" dirty="0"/>
-              <a:t> is to provide a secure, centralized, and digital platform for managing patient medical records, enabling easy access to health information for patients, doctors, and lab technicians while eliminating the need for carrying physical medical reports</a:t>
-            </a:r>
+              <a:t> is designed to provide patients with secure digital access to their medical records, eliminating the need to carry physical reports. The system ensures centralized storage, controlled access, and role-based permissions for healthcare stakeholders.</a:t>
+            </a:r>
+          </a:p>
+          <a:p>
+            <a:r>
+              <a:rPr lang="en-US" dirty="0"/>
+              <a:t>The system consists of </a:t>
+            </a:r>
+            <a:r>
+              <a:rPr lang="en-US" b="1" dirty="0"/>
+              <a:t>five main entities</a:t>
+            </a:r>
+            <a:r>
+              <a:rPr lang="en-US" dirty="0"/>
+              <a:t>:</a:t>
+            </a:r>
+            <a:br>
+              <a:rPr lang="en-US" dirty="0"/>
+            </a:br>
+            <a:r>
+              <a:rPr lang="en-US" b="1" dirty="0"/>
+              <a:t>Admin, Patient, Doctor, Nominee, and Lab Technician</a:t>
+            </a:r>
+            <a:r>
+              <a:rPr lang="en-US" dirty="0"/>
+              <a:t>.</a:t>
+            </a:r>
+          </a:p>
+          <a:p>
             <a:endParaRPr lang="en-IN" dirty="0"/>
           </a:p>
         </p:txBody>
@@ -7539,7 +8889,7 @@
     </p:spTree>
     <p:extLst>
       <p:ext uri="{BB962C8B-B14F-4D97-AF65-F5344CB8AC3E}">
-        <p14:creationId xmlns:p14="http://schemas.microsoft.com/office/powerpoint/2010/main" val="2545217266"/>
+        <p14:creationId xmlns:p14="http://schemas.microsoft.com/office/powerpoint/2010/main" val="2276017397"/>
       </p:ext>
     </p:extLst>
   </p:cSld>
@@ -7590,7 +8940,7 @@
           <a:p>
             <a:r>
               <a:rPr lang="en-US" dirty="0" smtClean="0"/>
-              <a:t>Objective</a:t>
+              <a:t>Aim</a:t>
             </a:r>
             <a:endParaRPr lang="en-IN" dirty="0"/>
           </a:p>
@@ -7598,622 +8948,60 @@
       </p:sp>
       <p:sp>
         <p:nvSpPr>
-          <p:cNvPr id="5" name="Rectangle 3"/>
-          <p:cNvSpPr>
-            <a:spLocks noGrp="1" noChangeArrowheads="1"/>
+          <p:cNvPr id="3" name="Content Placeholder 2"/>
+          <p:cNvSpPr>
+            <a:spLocks noGrp="1"/>
           </p:cNvSpPr>
           <p:nvPr>
             <p:ph idx="1"/>
           </p:nvPr>
         </p:nvSpPr>
-        <p:spPr bwMode="auto">
-          <a:xfrm>
-            <a:off x="1484312" y="2659440"/>
-            <a:ext cx="9436973" cy="3139321"/>
-          </a:xfrm>
-          <a:prstGeom prst="rect">
-            <a:avLst/>
-          </a:prstGeom>
-          <a:noFill/>
-          <a:ln>
-            <a:noFill/>
-          </a:ln>
-          <a:effectLst/>
-          <a:extLst>
-            <a:ext uri="{909E8E84-426E-40DD-AFC4-6F175D3DCCD1}">
-              <a14:hiddenFill xmlns:a14="http://schemas.microsoft.com/office/drawing/2010/main">
-                <a:solidFill>
-                  <a:schemeClr val="accent1"/>
-                </a:solidFill>
-              </a14:hiddenFill>
-            </a:ext>
-            <a:ext uri="{91240B29-F687-4F45-9708-019B960494DF}">
-              <a14:hiddenLine xmlns:a14="http://schemas.microsoft.com/office/drawing/2010/main" w="9525">
-                <a:solidFill>
-                  <a:schemeClr val="tx1"/>
-                </a:solidFill>
-                <a:miter lim="800000"/>
-                <a:headEnd/>
-                <a:tailEnd/>
-              </a14:hiddenLine>
-            </a:ext>
-            <a:ext uri="{AF507438-7753-43E0-B8FC-AC1667EBCBE1}">
-              <a14:hiddenEffects xmlns:a14="http://schemas.microsoft.com/office/drawing/2010/main">
-                <a:effectLst>
-                  <a:outerShdw dist="35921" dir="2700000" algn="ctr" rotWithShape="0">
-                    <a:schemeClr val="bg2"/>
-                  </a:outerShdw>
-                </a:effectLst>
-              </a14:hiddenEffects>
-            </a:ext>
-          </a:extLst>
-        </p:spPr>
-        <p:txBody>
-          <a:bodyPr vert="horz" wrap="square" lIns="91440" tIns="45720" rIns="91440" bIns="45720" numCol="1" anchor="ctr" anchorCtr="0" compatLnSpc="1">
-            <a:prstTxWarp prst="textNoShape">
-              <a:avLst/>
-            </a:prstTxWarp>
-            <a:spAutoFit/>
+        <p:spPr/>
+        <p:txBody>
+          <a:bodyPr>
+            <a:normAutofit/>
           </a:bodyPr>
           <a:lstStyle/>
           <a:p>
-            <a:pPr marL="0" marR="0" lvl="0" indent="0" algn="l" defTabSz="914400" rtl="0" eaLnBrk="0" fontAlgn="base" latinLnBrk="0" hangingPunct="0">
-              <a:lnSpc>
-                <a:spcPct val="100000"/>
-              </a:lnSpc>
-              <a:spcBef>
-                <a:spcPct val="0"/>
-              </a:spcBef>
-              <a:spcAft>
-                <a:spcPct val="0"/>
-              </a:spcAft>
-              <a:buClrTx/>
-              <a:buSzTx/>
-              <a:buFontTx/>
-              <a:buChar char="•"/>
-              <a:tabLst/>
-            </a:pPr>
-            <a:r>
-              <a:rPr kumimoji="0" lang="en-US" sz="1800" b="0" i="0" u="none" strike="noStrike" cap="none" normalizeH="0" baseline="0" dirty="0" smtClean="0">
-                <a:ln>
-                  <a:noFill/>
-                </a:ln>
-                <a:solidFill>
-                  <a:schemeClr val="tx1"/>
-                </a:solidFill>
-                <a:effectLst/>
-                <a:latin typeface="Arial" panose="020B0604020202020204" pitchFamily="34" charset="0"/>
-              </a:rPr>
-              <a:t>To develop a </a:t>
-            </a:r>
-            <a:r>
-              <a:rPr kumimoji="0" lang="en-US" sz="1800" b="1" i="0" u="none" strike="noStrike" cap="none" normalizeH="0" baseline="0" dirty="0" smtClean="0">
-                <a:ln>
-                  <a:noFill/>
-                </a:ln>
-                <a:solidFill>
-                  <a:schemeClr val="tx1"/>
-                </a:solidFill>
-                <a:effectLst/>
-                <a:latin typeface="Arial" panose="020B0604020202020204" pitchFamily="34" charset="0"/>
+            <a:r>
+              <a:rPr lang="en-US" sz="2000" dirty="0" smtClean="0">
+                <a:latin typeface="Times New Roman" panose="02020603050405020304" pitchFamily="18" charset="0"/>
+                <a:cs typeface="Times New Roman" panose="02020603050405020304" pitchFamily="18" charset="0"/>
+              </a:rPr>
+              <a:t>The </a:t>
+            </a:r>
+            <a:r>
+              <a:rPr lang="en-US" sz="2000" dirty="0">
+                <a:latin typeface="Times New Roman" panose="02020603050405020304" pitchFamily="18" charset="0"/>
+                <a:cs typeface="Times New Roman" panose="02020603050405020304" pitchFamily="18" charset="0"/>
+              </a:rPr>
+              <a:t>aim of the </a:t>
+            </a:r>
+            <a:r>
+              <a:rPr lang="en-US" sz="2000" b="1" dirty="0">
+                <a:latin typeface="Times New Roman" panose="02020603050405020304" pitchFamily="18" charset="0"/>
+                <a:cs typeface="Times New Roman" panose="02020603050405020304" pitchFamily="18" charset="0"/>
               </a:rPr>
               <a:t>Digital Health Card System</a:t>
             </a:r>
             <a:r>
-              <a:rPr kumimoji="0" lang="en-US" sz="1800" b="0" i="0" u="none" strike="noStrike" cap="none" normalizeH="0" baseline="0" dirty="0" smtClean="0">
-                <a:ln>
-                  <a:noFill/>
-                </a:ln>
-                <a:solidFill>
-                  <a:schemeClr val="tx1"/>
-                </a:solidFill>
-                <a:effectLst/>
-                <a:latin typeface="Arial" panose="020B0604020202020204" pitchFamily="34" charset="0"/>
-              </a:rPr>
-              <a:t> that allows patients to access medical records digitally.</a:t>
-            </a:r>
-          </a:p>
-          <a:p>
-            <a:pPr marL="0" marR="0" lvl="0" indent="0" algn="l" defTabSz="914400" rtl="0" eaLnBrk="0" fontAlgn="base" latinLnBrk="0" hangingPunct="0">
-              <a:lnSpc>
-                <a:spcPct val="100000"/>
-              </a:lnSpc>
-              <a:spcBef>
-                <a:spcPct val="0"/>
-              </a:spcBef>
-              <a:spcAft>
-                <a:spcPct val="0"/>
-              </a:spcAft>
-              <a:buClrTx/>
-              <a:buSzTx/>
-              <a:buFontTx/>
-              <a:buChar char="•"/>
-              <a:tabLst/>
-            </a:pPr>
-            <a:r>
-              <a:rPr kumimoji="0" lang="en-US" sz="1800" b="0" i="0" u="none" strike="noStrike" cap="none" normalizeH="0" baseline="0" dirty="0" smtClean="0">
-                <a:ln>
-                  <a:noFill/>
-                </a:ln>
-                <a:solidFill>
-                  <a:schemeClr val="tx1"/>
-                </a:solidFill>
-                <a:effectLst/>
-                <a:latin typeface="Arial" panose="020B0604020202020204" pitchFamily="34" charset="0"/>
-              </a:rPr>
-              <a:t>To eliminate the need for carrying </a:t>
-            </a:r>
-            <a:r>
-              <a:rPr kumimoji="0" lang="en-US" sz="1800" b="1" i="0" u="none" strike="noStrike" cap="none" normalizeH="0" baseline="0" dirty="0" smtClean="0">
-                <a:ln>
-                  <a:noFill/>
-                </a:ln>
-                <a:solidFill>
-                  <a:schemeClr val="tx1"/>
-                </a:solidFill>
-                <a:effectLst/>
-                <a:latin typeface="Arial" panose="020B0604020202020204" pitchFamily="34" charset="0"/>
-              </a:rPr>
-              <a:t>physical medical reports</a:t>
-            </a:r>
-            <a:r>
-              <a:rPr kumimoji="0" lang="en-US" sz="1800" b="0" i="0" u="none" strike="noStrike" cap="none" normalizeH="0" baseline="0" dirty="0" smtClean="0">
-                <a:ln>
-                  <a:noFill/>
-                </a:ln>
-                <a:solidFill>
-                  <a:schemeClr val="tx1"/>
-                </a:solidFill>
-                <a:effectLst/>
-                <a:latin typeface="Arial" panose="020B0604020202020204" pitchFamily="34" charset="0"/>
-              </a:rPr>
-              <a:t>.</a:t>
-            </a:r>
-          </a:p>
-          <a:p>
-            <a:pPr marL="0" marR="0" lvl="0" indent="0" algn="l" defTabSz="914400" rtl="0" eaLnBrk="0" fontAlgn="base" latinLnBrk="0" hangingPunct="0">
-              <a:lnSpc>
-                <a:spcPct val="100000"/>
-              </a:lnSpc>
-              <a:spcBef>
-                <a:spcPct val="0"/>
-              </a:spcBef>
-              <a:spcAft>
-                <a:spcPct val="0"/>
-              </a:spcAft>
-              <a:buClrTx/>
-              <a:buSzTx/>
-              <a:buFontTx/>
-              <a:buChar char="•"/>
-              <a:tabLst/>
-            </a:pPr>
-            <a:r>
-              <a:rPr kumimoji="0" lang="en-US" sz="1800" b="0" i="0" u="none" strike="noStrike" cap="none" normalizeH="0" baseline="0" dirty="0" smtClean="0">
-                <a:ln>
-                  <a:noFill/>
-                </a:ln>
-                <a:solidFill>
-                  <a:schemeClr val="tx1"/>
-                </a:solidFill>
-                <a:effectLst/>
-                <a:latin typeface="Arial" panose="020B0604020202020204" pitchFamily="34" charset="0"/>
-              </a:rPr>
-              <a:t>To implement </a:t>
-            </a:r>
-            <a:r>
-              <a:rPr kumimoji="0" lang="en-US" sz="1800" b="1" i="0" u="none" strike="noStrike" cap="none" normalizeH="0" baseline="0" dirty="0" err="1" smtClean="0">
-                <a:ln>
-                  <a:noFill/>
-                </a:ln>
-                <a:solidFill>
-                  <a:schemeClr val="tx1"/>
-                </a:solidFill>
-                <a:effectLst/>
-                <a:latin typeface="Arial" panose="020B0604020202020204" pitchFamily="34" charset="0"/>
-              </a:rPr>
-              <a:t>Aadhaar</a:t>
-            </a:r>
-            <a:r>
-              <a:rPr kumimoji="0" lang="en-US" sz="1800" b="1" i="0" u="none" strike="noStrike" cap="none" normalizeH="0" baseline="0" dirty="0" smtClean="0">
-                <a:ln>
-                  <a:noFill/>
-                </a:ln>
-                <a:solidFill>
-                  <a:schemeClr val="tx1"/>
-                </a:solidFill>
-                <a:effectLst/>
-                <a:latin typeface="Arial" panose="020B0604020202020204" pitchFamily="34" charset="0"/>
-              </a:rPr>
-              <a:t>-based authentication and OTP verification</a:t>
-            </a:r>
-            <a:r>
-              <a:rPr kumimoji="0" lang="en-US" sz="1800" b="0" i="0" u="none" strike="noStrike" cap="none" normalizeH="0" baseline="0" dirty="0" smtClean="0">
-                <a:ln>
-                  <a:noFill/>
-                </a:ln>
-                <a:solidFill>
-                  <a:schemeClr val="tx1"/>
-                </a:solidFill>
-                <a:effectLst/>
-                <a:latin typeface="Arial" panose="020B0604020202020204" pitchFamily="34" charset="0"/>
-              </a:rPr>
-              <a:t> for secure patient registration and login.</a:t>
-            </a:r>
-          </a:p>
-          <a:p>
-            <a:pPr marL="0" marR="0" lvl="0" indent="0" algn="l" defTabSz="914400" rtl="0" eaLnBrk="0" fontAlgn="base" latinLnBrk="0" hangingPunct="0">
-              <a:lnSpc>
-                <a:spcPct val="100000"/>
-              </a:lnSpc>
-              <a:spcBef>
-                <a:spcPct val="0"/>
-              </a:spcBef>
-              <a:spcAft>
-                <a:spcPct val="0"/>
-              </a:spcAft>
-              <a:buClrTx/>
-              <a:buSzTx/>
-              <a:buFontTx/>
-              <a:buChar char="•"/>
-              <a:tabLst/>
-            </a:pPr>
-            <a:r>
-              <a:rPr kumimoji="0" lang="en-US" sz="1800" b="0" i="0" u="none" strike="noStrike" cap="none" normalizeH="0" baseline="0" dirty="0" smtClean="0">
-                <a:ln>
-                  <a:noFill/>
-                </a:ln>
-                <a:solidFill>
-                  <a:schemeClr val="tx1"/>
-                </a:solidFill>
-                <a:effectLst/>
-                <a:latin typeface="Arial" panose="020B0604020202020204" pitchFamily="34" charset="0"/>
-              </a:rPr>
-              <a:t>To generate a </a:t>
-            </a:r>
-            <a:r>
-              <a:rPr kumimoji="0" lang="en-US" sz="1800" b="1" i="0" u="none" strike="noStrike" cap="none" normalizeH="0" baseline="0" dirty="0" smtClean="0">
-                <a:ln>
-                  <a:noFill/>
-                </a:ln>
-                <a:solidFill>
-                  <a:schemeClr val="tx1"/>
-                </a:solidFill>
-                <a:effectLst/>
-                <a:latin typeface="Arial" panose="020B0604020202020204" pitchFamily="34" charset="0"/>
-              </a:rPr>
-              <a:t>unique Health Card ID (HC + </a:t>
-            </a:r>
-            <a:r>
-              <a:rPr kumimoji="0" lang="en-US" sz="1800" b="1" i="0" u="none" strike="noStrike" cap="none" normalizeH="0" baseline="0" dirty="0" err="1" smtClean="0">
-                <a:ln>
-                  <a:noFill/>
-                </a:ln>
-                <a:solidFill>
-                  <a:schemeClr val="tx1"/>
-                </a:solidFill>
-                <a:effectLst/>
-                <a:latin typeface="Arial" panose="020B0604020202020204" pitchFamily="34" charset="0"/>
-              </a:rPr>
-              <a:t>Aadhaar</a:t>
-            </a:r>
-            <a:r>
-              <a:rPr kumimoji="0" lang="en-US" sz="1800" b="1" i="0" u="none" strike="noStrike" cap="none" normalizeH="0" baseline="0" dirty="0" smtClean="0">
-                <a:ln>
-                  <a:noFill/>
-                </a:ln>
-                <a:solidFill>
-                  <a:schemeClr val="tx1"/>
-                </a:solidFill>
-                <a:effectLst/>
-                <a:latin typeface="Arial" panose="020B0604020202020204" pitchFamily="34" charset="0"/>
-              </a:rPr>
-              <a:t> Number)</a:t>
-            </a:r>
-            <a:r>
-              <a:rPr kumimoji="0" lang="en-US" sz="1800" b="0" i="0" u="none" strike="noStrike" cap="none" normalizeH="0" baseline="0" dirty="0" smtClean="0">
-                <a:ln>
-                  <a:noFill/>
-                </a:ln>
-                <a:solidFill>
-                  <a:schemeClr val="tx1"/>
-                </a:solidFill>
-                <a:effectLst/>
-                <a:latin typeface="Arial" panose="020B0604020202020204" pitchFamily="34" charset="0"/>
-              </a:rPr>
-              <a:t> for each patient.</a:t>
-            </a:r>
-          </a:p>
-          <a:p>
-            <a:pPr marL="0" marR="0" lvl="0" indent="0" algn="l" defTabSz="914400" rtl="0" eaLnBrk="0" fontAlgn="base" latinLnBrk="0" hangingPunct="0">
-              <a:lnSpc>
-                <a:spcPct val="100000"/>
-              </a:lnSpc>
-              <a:spcBef>
-                <a:spcPct val="0"/>
-              </a:spcBef>
-              <a:spcAft>
-                <a:spcPct val="0"/>
-              </a:spcAft>
-              <a:buClrTx/>
-              <a:buSzTx/>
-              <a:buFontTx/>
-              <a:buChar char="•"/>
-              <a:tabLst/>
-            </a:pPr>
-            <a:r>
-              <a:rPr kumimoji="0" lang="en-US" sz="1800" b="0" i="0" u="none" strike="noStrike" cap="none" normalizeH="0" baseline="0" dirty="0" smtClean="0">
-                <a:ln>
-                  <a:noFill/>
-                </a:ln>
-                <a:solidFill>
-                  <a:schemeClr val="tx1"/>
-                </a:solidFill>
-                <a:effectLst/>
-                <a:latin typeface="Arial" panose="020B0604020202020204" pitchFamily="34" charset="0"/>
-              </a:rPr>
-              <a:t>To provide </a:t>
-            </a:r>
-            <a:r>
-              <a:rPr kumimoji="0" lang="en-US" sz="1800" b="1" i="0" u="none" strike="noStrike" cap="none" normalizeH="0" baseline="0" dirty="0" smtClean="0">
-                <a:ln>
-                  <a:noFill/>
-                </a:ln>
-                <a:solidFill>
-                  <a:schemeClr val="tx1"/>
-                </a:solidFill>
-                <a:effectLst/>
-                <a:latin typeface="Arial" panose="020B0604020202020204" pitchFamily="34" charset="0"/>
-              </a:rPr>
-              <a:t>role-based access</a:t>
-            </a:r>
-            <a:r>
-              <a:rPr kumimoji="0" lang="en-US" sz="1800" b="0" i="0" u="none" strike="noStrike" cap="none" normalizeH="0" baseline="0" dirty="0" smtClean="0">
-                <a:ln>
-                  <a:noFill/>
-                </a:ln>
-                <a:solidFill>
-                  <a:schemeClr val="tx1"/>
-                </a:solidFill>
-                <a:effectLst/>
-                <a:latin typeface="Arial" panose="020B0604020202020204" pitchFamily="34" charset="0"/>
-              </a:rPr>
-              <a:t> for Admin, Patient, Doctor, Lab Technician, and Nominee.</a:t>
-            </a:r>
-          </a:p>
-          <a:p>
-            <a:pPr marL="0" marR="0" lvl="0" indent="0" algn="l" defTabSz="914400" rtl="0" eaLnBrk="0" fontAlgn="base" latinLnBrk="0" hangingPunct="0">
-              <a:lnSpc>
-                <a:spcPct val="100000"/>
-              </a:lnSpc>
-              <a:spcBef>
-                <a:spcPct val="0"/>
-              </a:spcBef>
-              <a:spcAft>
-                <a:spcPct val="0"/>
-              </a:spcAft>
-              <a:buClrTx/>
-              <a:buSzTx/>
-              <a:buFontTx/>
-              <a:buChar char="•"/>
-              <a:tabLst/>
-            </a:pPr>
-            <a:r>
-              <a:rPr kumimoji="0" lang="en-US" sz="1800" b="0" i="0" u="none" strike="noStrike" cap="none" normalizeH="0" baseline="0" dirty="0" smtClean="0">
-                <a:ln>
-                  <a:noFill/>
-                </a:ln>
-                <a:solidFill>
-                  <a:schemeClr val="tx1"/>
-                </a:solidFill>
-                <a:effectLst/>
-                <a:latin typeface="Arial" panose="020B0604020202020204" pitchFamily="34" charset="0"/>
-              </a:rPr>
-              <a:t>To ensure </a:t>
-            </a:r>
-            <a:r>
-              <a:rPr kumimoji="0" lang="en-US" sz="1800" b="1" i="0" u="none" strike="noStrike" cap="none" normalizeH="0" baseline="0" dirty="0" smtClean="0">
-                <a:ln>
-                  <a:noFill/>
-                </a:ln>
-                <a:solidFill>
-                  <a:schemeClr val="tx1"/>
-                </a:solidFill>
-                <a:effectLst/>
-                <a:latin typeface="Arial" panose="020B0604020202020204" pitchFamily="34" charset="0"/>
-              </a:rPr>
-              <a:t>admin verification</a:t>
-            </a:r>
-            <a:r>
-              <a:rPr kumimoji="0" lang="en-US" sz="1800" b="0" i="0" u="none" strike="noStrike" cap="none" normalizeH="0" baseline="0" dirty="0" smtClean="0">
-                <a:ln>
-                  <a:noFill/>
-                </a:ln>
-                <a:solidFill>
-                  <a:schemeClr val="tx1"/>
-                </a:solidFill>
-                <a:effectLst/>
-                <a:latin typeface="Arial" panose="020B0604020202020204" pitchFamily="34" charset="0"/>
-              </a:rPr>
-              <a:t> of doctors and lab technicians before system access.</a:t>
-            </a:r>
-          </a:p>
-          <a:p>
-            <a:pPr marL="0" marR="0" lvl="0" indent="0" algn="l" defTabSz="914400" rtl="0" eaLnBrk="0" fontAlgn="base" latinLnBrk="0" hangingPunct="0">
-              <a:lnSpc>
-                <a:spcPct val="100000"/>
-              </a:lnSpc>
-              <a:spcBef>
-                <a:spcPct val="0"/>
-              </a:spcBef>
-              <a:spcAft>
-                <a:spcPct val="0"/>
-              </a:spcAft>
-              <a:buClrTx/>
-              <a:buSzTx/>
-              <a:buFontTx/>
-              <a:buChar char="•"/>
-              <a:tabLst/>
-            </a:pPr>
-            <a:r>
-              <a:rPr kumimoji="0" lang="en-US" sz="1800" b="0" i="0" u="none" strike="noStrike" cap="none" normalizeH="0" baseline="0" dirty="0" smtClean="0">
-                <a:ln>
-                  <a:noFill/>
-                </a:ln>
-                <a:solidFill>
-                  <a:schemeClr val="tx1"/>
-                </a:solidFill>
-                <a:effectLst/>
-                <a:latin typeface="Arial" panose="020B0604020202020204" pitchFamily="34" charset="0"/>
-              </a:rPr>
-              <a:t>To allow doctors and lab technicians to </a:t>
-            </a:r>
-            <a:r>
-              <a:rPr kumimoji="0" lang="en-US" sz="1800" b="1" i="0" u="none" strike="noStrike" cap="none" normalizeH="0" baseline="0" dirty="0" smtClean="0">
-                <a:ln>
-                  <a:noFill/>
-                </a:ln>
-                <a:solidFill>
-                  <a:schemeClr val="tx1"/>
-                </a:solidFill>
-                <a:effectLst/>
-                <a:latin typeface="Arial" panose="020B0604020202020204" pitchFamily="34" charset="0"/>
-              </a:rPr>
-              <a:t>upload and manage medical reports digitally</a:t>
-            </a:r>
-            <a:r>
-              <a:rPr kumimoji="0" lang="en-US" sz="1800" b="0" i="0" u="none" strike="noStrike" cap="none" normalizeH="0" baseline="0" dirty="0" smtClean="0">
-                <a:ln>
-                  <a:noFill/>
-                </a:ln>
-                <a:solidFill>
-                  <a:schemeClr val="tx1"/>
-                </a:solidFill>
-                <a:effectLst/>
-                <a:latin typeface="Arial" panose="020B0604020202020204" pitchFamily="34" charset="0"/>
-              </a:rPr>
-              <a:t>.</a:t>
-            </a:r>
-          </a:p>
-          <a:p>
-            <a:pPr marL="0" marR="0" lvl="0" indent="0" algn="l" defTabSz="914400" rtl="0" eaLnBrk="0" fontAlgn="base" latinLnBrk="0" hangingPunct="0">
-              <a:lnSpc>
-                <a:spcPct val="100000"/>
-              </a:lnSpc>
-              <a:spcBef>
-                <a:spcPct val="0"/>
-              </a:spcBef>
-              <a:spcAft>
-                <a:spcPct val="0"/>
-              </a:spcAft>
-              <a:buClrTx/>
-              <a:buSzTx/>
-              <a:buFontTx/>
-              <a:buChar char="•"/>
-              <a:tabLst/>
-            </a:pPr>
-            <a:r>
-              <a:rPr kumimoji="0" lang="en-US" sz="1800" b="0" i="0" u="none" strike="noStrike" cap="none" normalizeH="0" baseline="0" dirty="0" smtClean="0">
-                <a:ln>
-                  <a:noFill/>
-                </a:ln>
-                <a:solidFill>
-                  <a:schemeClr val="tx1"/>
-                </a:solidFill>
-                <a:effectLst/>
-                <a:latin typeface="Arial" panose="020B0604020202020204" pitchFamily="34" charset="0"/>
-              </a:rPr>
-              <a:t>To provide </a:t>
-            </a:r>
-            <a:r>
-              <a:rPr kumimoji="0" lang="en-US" sz="1800" b="1" i="0" u="none" strike="noStrike" cap="none" normalizeH="0" baseline="0" dirty="0" smtClean="0">
-                <a:ln>
-                  <a:noFill/>
-                </a:ln>
-                <a:solidFill>
-                  <a:schemeClr val="tx1"/>
-                </a:solidFill>
-                <a:effectLst/>
-                <a:latin typeface="Arial" panose="020B0604020202020204" pitchFamily="34" charset="0"/>
-              </a:rPr>
-              <a:t>patient consent-based access</a:t>
-            </a:r>
-            <a:r>
-              <a:rPr kumimoji="0" lang="en-US" sz="1800" b="0" i="0" u="none" strike="noStrike" cap="none" normalizeH="0" baseline="0" dirty="0" smtClean="0">
-                <a:ln>
-                  <a:noFill/>
-                </a:ln>
-                <a:solidFill>
-                  <a:schemeClr val="tx1"/>
-                </a:solidFill>
-                <a:effectLst/>
-                <a:latin typeface="Arial" panose="020B0604020202020204" pitchFamily="34" charset="0"/>
-              </a:rPr>
-              <a:t> to doctors for viewing medical records.</a:t>
-            </a:r>
-          </a:p>
-          <a:p>
-            <a:pPr marL="0" marR="0" lvl="0" indent="0" algn="l" defTabSz="914400" rtl="0" eaLnBrk="0" fontAlgn="base" latinLnBrk="0" hangingPunct="0">
-              <a:lnSpc>
-                <a:spcPct val="100000"/>
-              </a:lnSpc>
-              <a:spcBef>
-                <a:spcPct val="0"/>
-              </a:spcBef>
-              <a:spcAft>
-                <a:spcPct val="0"/>
-              </a:spcAft>
-              <a:buClrTx/>
-              <a:buSzTx/>
-              <a:buFontTx/>
-              <a:buChar char="•"/>
-              <a:tabLst/>
-            </a:pPr>
-            <a:r>
-              <a:rPr kumimoji="0" lang="en-US" sz="1800" b="0" i="0" u="none" strike="noStrike" cap="none" normalizeH="0" baseline="0" dirty="0" smtClean="0">
-                <a:ln>
-                  <a:noFill/>
-                </a:ln>
-                <a:solidFill>
-                  <a:schemeClr val="tx1"/>
-                </a:solidFill>
-                <a:effectLst/>
-                <a:latin typeface="Arial" panose="020B0604020202020204" pitchFamily="34" charset="0"/>
-              </a:rPr>
-              <a:t>To support </a:t>
-            </a:r>
-            <a:r>
-              <a:rPr kumimoji="0" lang="en-US" sz="1800" b="1" i="0" u="none" strike="noStrike" cap="none" normalizeH="0" baseline="0" dirty="0" smtClean="0">
-                <a:ln>
-                  <a:noFill/>
-                </a:ln>
-                <a:solidFill>
-                  <a:schemeClr val="tx1"/>
-                </a:solidFill>
-                <a:effectLst/>
-                <a:latin typeface="Arial" panose="020B0604020202020204" pitchFamily="34" charset="0"/>
-              </a:rPr>
-              <a:t>emergency access</a:t>
-            </a:r>
-            <a:r>
-              <a:rPr kumimoji="0" lang="en-US" sz="1800" b="0" i="0" u="none" strike="noStrike" cap="none" normalizeH="0" baseline="0" dirty="0" smtClean="0">
-                <a:ln>
-                  <a:noFill/>
-                </a:ln>
-                <a:solidFill>
-                  <a:schemeClr val="tx1"/>
-                </a:solidFill>
-                <a:effectLst/>
-                <a:latin typeface="Arial" panose="020B0604020202020204" pitchFamily="34" charset="0"/>
-              </a:rPr>
-              <a:t> through nominee authorization.</a:t>
-            </a:r>
+              <a:rPr lang="en-US" sz="2000" dirty="0">
+                <a:latin typeface="Times New Roman" panose="02020603050405020304" pitchFamily="18" charset="0"/>
+                <a:cs typeface="Times New Roman" panose="02020603050405020304" pitchFamily="18" charset="0"/>
+              </a:rPr>
+              <a:t> is to provide a secure, centralized, and digital platform for managing patient medical records, enabling easy access to health information for patients, doctors, and lab technicians while eliminating the need for carrying physical medical reports</a:t>
+            </a:r>
+            <a:endParaRPr lang="en-IN" sz="2000" dirty="0">
+              <a:latin typeface="Times New Roman" panose="02020603050405020304" pitchFamily="18" charset="0"/>
+              <a:cs typeface="Times New Roman" panose="02020603050405020304" pitchFamily="18" charset="0"/>
+            </a:endParaRPr>
           </a:p>
         </p:txBody>
       </p:sp>
     </p:spTree>
     <p:extLst>
       <p:ext uri="{BB962C8B-B14F-4D97-AF65-F5344CB8AC3E}">
-        <p14:creationId xmlns:p14="http://schemas.microsoft.com/office/powerpoint/2010/main" val="3686323613"/>
+        <p14:creationId xmlns:p14="http://schemas.microsoft.com/office/powerpoint/2010/main" val="2545217266"/>
       </p:ext>
     </p:extLst>
   </p:cSld>
@@ -8263,105 +9051,661 @@
           <a:lstStyle/>
           <a:p>
             <a:r>
-              <a:rPr lang="en-IN" dirty="0"/>
-              <a:t>Scope of the Project</a:t>
-            </a:r>
-          </a:p>
-        </p:txBody>
-      </p:sp>
-      <p:sp>
-        <p:nvSpPr>
-          <p:cNvPr id="3" name="Content Placeholder 2"/>
-          <p:cNvSpPr>
-            <a:spLocks noGrp="1"/>
+              <a:rPr lang="en-US" dirty="0" smtClean="0"/>
+              <a:t>Objective</a:t>
+            </a:r>
+            <a:endParaRPr lang="en-IN" dirty="0"/>
+          </a:p>
+        </p:txBody>
+      </p:sp>
+      <p:sp>
+        <p:nvSpPr>
+          <p:cNvPr id="5" name="Rectangle 3"/>
+          <p:cNvSpPr>
+            <a:spLocks noGrp="1" noChangeArrowheads="1"/>
           </p:cNvSpPr>
           <p:nvPr>
             <p:ph idx="1"/>
           </p:nvPr>
         </p:nvSpPr>
-        <p:spPr/>
-        <p:txBody>
-          <a:bodyPr>
-            <a:normAutofit fontScale="70000" lnSpcReduction="20000"/>
+        <p:spPr bwMode="auto">
+          <a:xfrm>
+            <a:off x="1484312" y="2490164"/>
+            <a:ext cx="9436973" cy="3477875"/>
+          </a:xfrm>
+          <a:prstGeom prst="rect">
+            <a:avLst/>
+          </a:prstGeom>
+          <a:noFill/>
+          <a:ln>
+            <a:noFill/>
+          </a:ln>
+          <a:effectLst/>
+          <a:extLst>
+            <a:ext uri="{909E8E84-426E-40DD-AFC4-6F175D3DCCD1}">
+              <a14:hiddenFill xmlns:a14="http://schemas.microsoft.com/office/drawing/2010/main">
+                <a:solidFill>
+                  <a:schemeClr val="accent1"/>
+                </a:solidFill>
+              </a14:hiddenFill>
+            </a:ext>
+            <a:ext uri="{91240B29-F687-4F45-9708-019B960494DF}">
+              <a14:hiddenLine xmlns:a14="http://schemas.microsoft.com/office/drawing/2010/main" w="9525">
+                <a:solidFill>
+                  <a:schemeClr val="tx1"/>
+                </a:solidFill>
+                <a:miter lim="800000"/>
+                <a:headEnd/>
+                <a:tailEnd/>
+              </a14:hiddenLine>
+            </a:ext>
+            <a:ext uri="{AF507438-7753-43E0-B8FC-AC1667EBCBE1}">
+              <a14:hiddenEffects xmlns:a14="http://schemas.microsoft.com/office/drawing/2010/main">
+                <a:effectLst>
+                  <a:outerShdw dist="35921" dir="2700000" algn="ctr" rotWithShape="0">
+                    <a:schemeClr val="bg2"/>
+                  </a:outerShdw>
+                </a:effectLst>
+              </a14:hiddenEffects>
+            </a:ext>
+          </a:extLst>
+        </p:spPr>
+        <p:txBody>
+          <a:bodyPr vert="horz" wrap="square" lIns="91440" tIns="45720" rIns="91440" bIns="45720" numCol="1" anchor="ctr" anchorCtr="0" compatLnSpc="1">
+            <a:prstTxWarp prst="textNoShape">
+              <a:avLst/>
+            </a:prstTxWarp>
+            <a:spAutoFit/>
           </a:bodyPr>
           <a:lstStyle/>
           <a:p>
-            <a:r>
-              <a:rPr lang="en-US" dirty="0"/>
-              <a:t>The scope of the Digital Health Card System includes:</a:t>
-            </a:r>
-          </a:p>
-          <a:p>
-            <a:r>
-              <a:rPr lang="en-US" dirty="0"/>
-              <a:t>Secure storage and management of patient health records.</a:t>
-            </a:r>
-          </a:p>
-          <a:p>
-            <a:r>
-              <a:rPr lang="en-US" dirty="0" err="1"/>
+            <a:pPr marL="0" marR="0" lvl="0" indent="0" algn="l" defTabSz="914400" rtl="0" eaLnBrk="0" fontAlgn="base" latinLnBrk="0" hangingPunct="0">
+              <a:lnSpc>
+                <a:spcPct val="100000"/>
+              </a:lnSpc>
+              <a:spcBef>
+                <a:spcPct val="0"/>
+              </a:spcBef>
+              <a:spcAft>
+                <a:spcPct val="0"/>
+              </a:spcAft>
+              <a:buClrTx/>
+              <a:buSzTx/>
+              <a:buFontTx/>
+              <a:buChar char="•"/>
+              <a:tabLst/>
+            </a:pPr>
+            <a:r>
+              <a:rPr kumimoji="0" lang="en-US" sz="2000" b="0" i="0" u="none" strike="noStrike" cap="none" normalizeH="0" baseline="0" dirty="0" smtClean="0">
+                <a:ln>
+                  <a:noFill/>
+                </a:ln>
+                <a:solidFill>
+                  <a:schemeClr val="tx1"/>
+                </a:solidFill>
+                <a:effectLst/>
+                <a:latin typeface="Times New Roman" panose="02020603050405020304" pitchFamily="18" charset="0"/>
+                <a:cs typeface="Times New Roman" panose="02020603050405020304" pitchFamily="18" charset="0"/>
+              </a:rPr>
+              <a:t>To develop a </a:t>
+            </a:r>
+            <a:r>
+              <a:rPr kumimoji="0" lang="en-US" sz="2000" b="1" i="0" u="none" strike="noStrike" cap="none" normalizeH="0" baseline="0" dirty="0" smtClean="0">
+                <a:ln>
+                  <a:noFill/>
+                </a:ln>
+                <a:solidFill>
+                  <a:schemeClr val="tx1"/>
+                </a:solidFill>
+                <a:effectLst/>
+                <a:latin typeface="Times New Roman" panose="02020603050405020304" pitchFamily="18" charset="0"/>
+                <a:cs typeface="Times New Roman" panose="02020603050405020304" pitchFamily="18" charset="0"/>
+              </a:rPr>
+              <a:t>Digital Health Card System</a:t>
+            </a:r>
+            <a:r>
+              <a:rPr kumimoji="0" lang="en-US" sz="2000" b="0" i="0" u="none" strike="noStrike" cap="none" normalizeH="0" baseline="0" dirty="0" smtClean="0">
+                <a:ln>
+                  <a:noFill/>
+                </a:ln>
+                <a:solidFill>
+                  <a:schemeClr val="tx1"/>
+                </a:solidFill>
+                <a:effectLst/>
+                <a:latin typeface="Times New Roman" panose="02020603050405020304" pitchFamily="18" charset="0"/>
+                <a:cs typeface="Times New Roman" panose="02020603050405020304" pitchFamily="18" charset="0"/>
+              </a:rPr>
+              <a:t> that allows patients to access medical records digitally.</a:t>
+            </a:r>
+          </a:p>
+          <a:p>
+            <a:pPr marL="0" marR="0" lvl="0" indent="0" algn="l" defTabSz="914400" rtl="0" eaLnBrk="0" fontAlgn="base" latinLnBrk="0" hangingPunct="0">
+              <a:lnSpc>
+                <a:spcPct val="100000"/>
+              </a:lnSpc>
+              <a:spcBef>
+                <a:spcPct val="0"/>
+              </a:spcBef>
+              <a:spcAft>
+                <a:spcPct val="0"/>
+              </a:spcAft>
+              <a:buClrTx/>
+              <a:buSzTx/>
+              <a:buFontTx/>
+              <a:buChar char="•"/>
+              <a:tabLst/>
+            </a:pPr>
+            <a:r>
+              <a:rPr kumimoji="0" lang="en-US" sz="2000" b="0" i="0" u="none" strike="noStrike" cap="none" normalizeH="0" baseline="0" dirty="0" smtClean="0">
+                <a:ln>
+                  <a:noFill/>
+                </a:ln>
+                <a:solidFill>
+                  <a:schemeClr val="tx1"/>
+                </a:solidFill>
+                <a:effectLst/>
+                <a:latin typeface="Times New Roman" panose="02020603050405020304" pitchFamily="18" charset="0"/>
+                <a:cs typeface="Times New Roman" panose="02020603050405020304" pitchFamily="18" charset="0"/>
+              </a:rPr>
+              <a:t>To eliminate the need for carrying </a:t>
+            </a:r>
+            <a:r>
+              <a:rPr kumimoji="0" lang="en-US" sz="2000" b="1" i="0" u="none" strike="noStrike" cap="none" normalizeH="0" baseline="0" dirty="0" smtClean="0">
+                <a:ln>
+                  <a:noFill/>
+                </a:ln>
+                <a:solidFill>
+                  <a:schemeClr val="tx1"/>
+                </a:solidFill>
+                <a:effectLst/>
+                <a:latin typeface="Times New Roman" panose="02020603050405020304" pitchFamily="18" charset="0"/>
+                <a:cs typeface="Times New Roman" panose="02020603050405020304" pitchFamily="18" charset="0"/>
+              </a:rPr>
+              <a:t>physical medical reports</a:t>
+            </a:r>
+            <a:r>
+              <a:rPr kumimoji="0" lang="en-US" sz="2000" b="0" i="0" u="none" strike="noStrike" cap="none" normalizeH="0" baseline="0" dirty="0" smtClean="0">
+                <a:ln>
+                  <a:noFill/>
+                </a:ln>
+                <a:solidFill>
+                  <a:schemeClr val="tx1"/>
+                </a:solidFill>
+                <a:effectLst/>
+                <a:latin typeface="Times New Roman" panose="02020603050405020304" pitchFamily="18" charset="0"/>
+                <a:cs typeface="Times New Roman" panose="02020603050405020304" pitchFamily="18" charset="0"/>
+              </a:rPr>
+              <a:t>.</a:t>
+            </a:r>
+          </a:p>
+          <a:p>
+            <a:pPr marL="0" marR="0" lvl="0" indent="0" algn="l" defTabSz="914400" rtl="0" eaLnBrk="0" fontAlgn="base" latinLnBrk="0" hangingPunct="0">
+              <a:lnSpc>
+                <a:spcPct val="100000"/>
+              </a:lnSpc>
+              <a:spcBef>
+                <a:spcPct val="0"/>
+              </a:spcBef>
+              <a:spcAft>
+                <a:spcPct val="0"/>
+              </a:spcAft>
+              <a:buClrTx/>
+              <a:buSzTx/>
+              <a:buFontTx/>
+              <a:buChar char="•"/>
+              <a:tabLst/>
+            </a:pPr>
+            <a:r>
+              <a:rPr kumimoji="0" lang="en-US" sz="2000" b="0" i="0" u="none" strike="noStrike" cap="none" normalizeH="0" baseline="0" dirty="0" smtClean="0">
+                <a:ln>
+                  <a:noFill/>
+                </a:ln>
+                <a:solidFill>
+                  <a:schemeClr val="tx1"/>
+                </a:solidFill>
+                <a:effectLst/>
+                <a:latin typeface="Times New Roman" panose="02020603050405020304" pitchFamily="18" charset="0"/>
+                <a:cs typeface="Times New Roman" panose="02020603050405020304" pitchFamily="18" charset="0"/>
+              </a:rPr>
+              <a:t>To implement </a:t>
+            </a:r>
+            <a:r>
+              <a:rPr kumimoji="0" lang="en-US" sz="2000" b="1" i="0" u="none" strike="noStrike" cap="none" normalizeH="0" baseline="0" dirty="0" err="1" smtClean="0">
+                <a:ln>
+                  <a:noFill/>
+                </a:ln>
+                <a:solidFill>
+                  <a:schemeClr val="tx1"/>
+                </a:solidFill>
+                <a:effectLst/>
+                <a:latin typeface="Times New Roman" panose="02020603050405020304" pitchFamily="18" charset="0"/>
+                <a:cs typeface="Times New Roman" panose="02020603050405020304" pitchFamily="18" charset="0"/>
+              </a:rPr>
               <a:t>Aadhaar</a:t>
             </a:r>
             <a:r>
-              <a:rPr lang="en-US" dirty="0"/>
-              <a:t>-based patient identity verification.</a:t>
-            </a:r>
-          </a:p>
-          <a:p>
-            <a:r>
-              <a:rPr lang="en-US" dirty="0"/>
-              <a:t>Digital access to prescriptions, lab reports, and medical history.</a:t>
-            </a:r>
-          </a:p>
-          <a:p>
-            <a:r>
-              <a:rPr lang="en-US" dirty="0"/>
-              <a:t>Admin-controlled verification of healthcare professionals.</a:t>
-            </a:r>
-          </a:p>
-          <a:p>
-            <a:r>
-              <a:rPr lang="en-US" dirty="0"/>
-              <a:t>Consent-based and emergency access mechanisms.</a:t>
-            </a:r>
-          </a:p>
-          <a:p>
-            <a:r>
-              <a:rPr lang="en-US" dirty="0"/>
-              <a:t>The system is designed for </a:t>
-            </a:r>
-            <a:r>
-              <a:rPr lang="en-US" b="1" dirty="0"/>
-              <a:t>hospitals, clinics, diagnostic labs, and patients</a:t>
-            </a:r>
-            <a:r>
-              <a:rPr lang="en-US" dirty="0"/>
+              <a:rPr kumimoji="0" lang="en-US" sz="2000" b="1" i="0" u="none" strike="noStrike" cap="none" normalizeH="0" baseline="0" dirty="0" smtClean="0">
+                <a:ln>
+                  <a:noFill/>
+                </a:ln>
+                <a:solidFill>
+                  <a:schemeClr val="tx1"/>
+                </a:solidFill>
+                <a:effectLst/>
+                <a:latin typeface="Times New Roman" panose="02020603050405020304" pitchFamily="18" charset="0"/>
+                <a:cs typeface="Times New Roman" panose="02020603050405020304" pitchFamily="18" charset="0"/>
+              </a:rPr>
+              <a:t>-based authentication and OTP verification</a:t>
+            </a:r>
+            <a:r>
+              <a:rPr kumimoji="0" lang="en-US" sz="2000" b="0" i="0" u="none" strike="noStrike" cap="none" normalizeH="0" baseline="0" dirty="0" smtClean="0">
+                <a:ln>
+                  <a:noFill/>
+                </a:ln>
+                <a:solidFill>
+                  <a:schemeClr val="tx1"/>
+                </a:solidFill>
+                <a:effectLst/>
+                <a:latin typeface="Times New Roman" panose="02020603050405020304" pitchFamily="18" charset="0"/>
+                <a:cs typeface="Times New Roman" panose="02020603050405020304" pitchFamily="18" charset="0"/>
+              </a:rPr>
+              <a:t> for secure patient registration and login.</a:t>
+            </a:r>
+          </a:p>
+          <a:p>
+            <a:pPr marL="0" marR="0" lvl="0" indent="0" algn="l" defTabSz="914400" rtl="0" eaLnBrk="0" fontAlgn="base" latinLnBrk="0" hangingPunct="0">
+              <a:lnSpc>
+                <a:spcPct val="100000"/>
+              </a:lnSpc>
+              <a:spcBef>
+                <a:spcPct val="0"/>
+              </a:spcBef>
+              <a:spcAft>
+                <a:spcPct val="0"/>
+              </a:spcAft>
+              <a:buClrTx/>
+              <a:buSzTx/>
+              <a:buFontTx/>
+              <a:buChar char="•"/>
+              <a:tabLst/>
+            </a:pPr>
+            <a:r>
+              <a:rPr kumimoji="0" lang="en-US" sz="2000" b="0" i="0" u="none" strike="noStrike" cap="none" normalizeH="0" baseline="0" dirty="0" smtClean="0">
+                <a:ln>
+                  <a:noFill/>
+                </a:ln>
+                <a:solidFill>
+                  <a:schemeClr val="tx1"/>
+                </a:solidFill>
+                <a:effectLst/>
+                <a:latin typeface="Times New Roman" panose="02020603050405020304" pitchFamily="18" charset="0"/>
+                <a:cs typeface="Times New Roman" panose="02020603050405020304" pitchFamily="18" charset="0"/>
+              </a:rPr>
+              <a:t>To generate a </a:t>
+            </a:r>
+            <a:r>
+              <a:rPr kumimoji="0" lang="en-US" sz="2000" b="1" i="0" u="none" strike="noStrike" cap="none" normalizeH="0" baseline="0" dirty="0" smtClean="0">
+                <a:ln>
+                  <a:noFill/>
+                </a:ln>
+                <a:solidFill>
+                  <a:schemeClr val="tx1"/>
+                </a:solidFill>
+                <a:effectLst/>
+                <a:latin typeface="Times New Roman" panose="02020603050405020304" pitchFamily="18" charset="0"/>
+                <a:cs typeface="Times New Roman" panose="02020603050405020304" pitchFamily="18" charset="0"/>
+              </a:rPr>
+              <a:t>unique Health Card ID (HC + </a:t>
+            </a:r>
+            <a:r>
+              <a:rPr kumimoji="0" lang="en-US" sz="2000" b="1" i="0" u="none" strike="noStrike" cap="none" normalizeH="0" baseline="0" dirty="0" err="1" smtClean="0">
+                <a:ln>
+                  <a:noFill/>
+                </a:ln>
+                <a:solidFill>
+                  <a:schemeClr val="tx1"/>
+                </a:solidFill>
+                <a:effectLst/>
+                <a:latin typeface="Times New Roman" panose="02020603050405020304" pitchFamily="18" charset="0"/>
+                <a:cs typeface="Times New Roman" panose="02020603050405020304" pitchFamily="18" charset="0"/>
+              </a:rPr>
+              <a:t>Aadhaar</a:t>
+            </a:r>
+            <a:r>
+              <a:rPr kumimoji="0" lang="en-US" sz="2000" b="1" i="0" u="none" strike="noStrike" cap="none" normalizeH="0" baseline="0" dirty="0" smtClean="0">
+                <a:ln>
+                  <a:noFill/>
+                </a:ln>
+                <a:solidFill>
+                  <a:schemeClr val="tx1"/>
+                </a:solidFill>
+                <a:effectLst/>
+                <a:latin typeface="Times New Roman" panose="02020603050405020304" pitchFamily="18" charset="0"/>
+                <a:cs typeface="Times New Roman" panose="02020603050405020304" pitchFamily="18" charset="0"/>
+              </a:rPr>
+              <a:t> Number)</a:t>
+            </a:r>
+            <a:r>
+              <a:rPr kumimoji="0" lang="en-US" sz="2000" b="0" i="0" u="none" strike="noStrike" cap="none" normalizeH="0" baseline="0" dirty="0" smtClean="0">
+                <a:ln>
+                  <a:noFill/>
+                </a:ln>
+                <a:solidFill>
+                  <a:schemeClr val="tx1"/>
+                </a:solidFill>
+                <a:effectLst/>
+                <a:latin typeface="Times New Roman" panose="02020603050405020304" pitchFamily="18" charset="0"/>
+                <a:cs typeface="Times New Roman" panose="02020603050405020304" pitchFamily="18" charset="0"/>
+              </a:rPr>
+              <a:t> for each patient.</a:t>
+            </a:r>
+          </a:p>
+          <a:p>
+            <a:pPr marL="0" marR="0" lvl="0" indent="0" algn="l" defTabSz="914400" rtl="0" eaLnBrk="0" fontAlgn="base" latinLnBrk="0" hangingPunct="0">
+              <a:lnSpc>
+                <a:spcPct val="100000"/>
+              </a:lnSpc>
+              <a:spcBef>
+                <a:spcPct val="0"/>
+              </a:spcBef>
+              <a:spcAft>
+                <a:spcPct val="0"/>
+              </a:spcAft>
+              <a:buClrTx/>
+              <a:buSzTx/>
+              <a:buFontTx/>
+              <a:buChar char="•"/>
+              <a:tabLst/>
+            </a:pPr>
+            <a:r>
+              <a:rPr kumimoji="0" lang="en-US" sz="2000" b="0" i="0" u="none" strike="noStrike" cap="none" normalizeH="0" baseline="0" dirty="0" smtClean="0">
+                <a:ln>
+                  <a:noFill/>
+                </a:ln>
+                <a:solidFill>
+                  <a:schemeClr val="tx1"/>
+                </a:solidFill>
+                <a:effectLst/>
+                <a:latin typeface="Times New Roman" panose="02020603050405020304" pitchFamily="18" charset="0"/>
+                <a:cs typeface="Times New Roman" panose="02020603050405020304" pitchFamily="18" charset="0"/>
+              </a:rPr>
+              <a:t>To provide </a:t>
+            </a:r>
+            <a:r>
+              <a:rPr kumimoji="0" lang="en-US" sz="2000" b="1" i="0" u="none" strike="noStrike" cap="none" normalizeH="0" baseline="0" dirty="0" smtClean="0">
+                <a:ln>
+                  <a:noFill/>
+                </a:ln>
+                <a:solidFill>
+                  <a:schemeClr val="tx1"/>
+                </a:solidFill>
+                <a:effectLst/>
+                <a:latin typeface="Times New Roman" panose="02020603050405020304" pitchFamily="18" charset="0"/>
+                <a:cs typeface="Times New Roman" panose="02020603050405020304" pitchFamily="18" charset="0"/>
+              </a:rPr>
+              <a:t>role-based access</a:t>
+            </a:r>
+            <a:r>
+              <a:rPr kumimoji="0" lang="en-US" sz="2000" b="0" i="0" u="none" strike="noStrike" cap="none" normalizeH="0" baseline="0" dirty="0" smtClean="0">
+                <a:ln>
+                  <a:noFill/>
+                </a:ln>
+                <a:solidFill>
+                  <a:schemeClr val="tx1"/>
+                </a:solidFill>
+                <a:effectLst/>
+                <a:latin typeface="Times New Roman" panose="02020603050405020304" pitchFamily="18" charset="0"/>
+                <a:cs typeface="Times New Roman" panose="02020603050405020304" pitchFamily="18" charset="0"/>
+              </a:rPr>
+              <a:t> for Admin, Patient, Doctor, Lab Technician, and Nominee.</a:t>
+            </a:r>
+          </a:p>
+          <a:p>
+            <a:pPr marL="0" marR="0" lvl="0" indent="0" algn="l" defTabSz="914400" rtl="0" eaLnBrk="0" fontAlgn="base" latinLnBrk="0" hangingPunct="0">
+              <a:lnSpc>
+                <a:spcPct val="100000"/>
+              </a:lnSpc>
+              <a:spcBef>
+                <a:spcPct val="0"/>
+              </a:spcBef>
+              <a:spcAft>
+                <a:spcPct val="0"/>
+              </a:spcAft>
+              <a:buClrTx/>
+              <a:buSzTx/>
+              <a:buFontTx/>
+              <a:buChar char="•"/>
+              <a:tabLst/>
+            </a:pPr>
+            <a:r>
+              <a:rPr kumimoji="0" lang="en-US" sz="2000" b="0" i="0" u="none" strike="noStrike" cap="none" normalizeH="0" baseline="0" dirty="0" smtClean="0">
+                <a:ln>
+                  <a:noFill/>
+                </a:ln>
+                <a:solidFill>
+                  <a:schemeClr val="tx1"/>
+                </a:solidFill>
+                <a:effectLst/>
+                <a:latin typeface="Times New Roman" panose="02020603050405020304" pitchFamily="18" charset="0"/>
+                <a:cs typeface="Times New Roman" panose="02020603050405020304" pitchFamily="18" charset="0"/>
+              </a:rPr>
+              <a:t>To ensure </a:t>
+            </a:r>
+            <a:r>
+              <a:rPr kumimoji="0" lang="en-US" sz="2000" b="1" i="0" u="none" strike="noStrike" cap="none" normalizeH="0" baseline="0" dirty="0" smtClean="0">
+                <a:ln>
+                  <a:noFill/>
+                </a:ln>
+                <a:solidFill>
+                  <a:schemeClr val="tx1"/>
+                </a:solidFill>
+                <a:effectLst/>
+                <a:latin typeface="Times New Roman" panose="02020603050405020304" pitchFamily="18" charset="0"/>
+                <a:cs typeface="Times New Roman" panose="02020603050405020304" pitchFamily="18" charset="0"/>
+              </a:rPr>
+              <a:t>admin verification</a:t>
+            </a:r>
+            <a:r>
+              <a:rPr kumimoji="0" lang="en-US" sz="2000" b="0" i="0" u="none" strike="noStrike" cap="none" normalizeH="0" baseline="0" dirty="0" smtClean="0">
+                <a:ln>
+                  <a:noFill/>
+                </a:ln>
+                <a:solidFill>
+                  <a:schemeClr val="tx1"/>
+                </a:solidFill>
+                <a:effectLst/>
+                <a:latin typeface="Times New Roman" panose="02020603050405020304" pitchFamily="18" charset="0"/>
+                <a:cs typeface="Times New Roman" panose="02020603050405020304" pitchFamily="18" charset="0"/>
+              </a:rPr>
+              <a:t> of doctors and lab technicians before system access.</a:t>
+            </a:r>
+          </a:p>
+          <a:p>
+            <a:pPr marL="0" marR="0" lvl="0" indent="0" algn="l" defTabSz="914400" rtl="0" eaLnBrk="0" fontAlgn="base" latinLnBrk="0" hangingPunct="0">
+              <a:lnSpc>
+                <a:spcPct val="100000"/>
+              </a:lnSpc>
+              <a:spcBef>
+                <a:spcPct val="0"/>
+              </a:spcBef>
+              <a:spcAft>
+                <a:spcPct val="0"/>
+              </a:spcAft>
+              <a:buClrTx/>
+              <a:buSzTx/>
+              <a:buFontTx/>
+              <a:buChar char="•"/>
+              <a:tabLst/>
+            </a:pPr>
+            <a:r>
+              <a:rPr kumimoji="0" lang="en-US" sz="2000" b="0" i="0" u="none" strike="noStrike" cap="none" normalizeH="0" baseline="0" dirty="0" smtClean="0">
+                <a:ln>
+                  <a:noFill/>
+                </a:ln>
+                <a:solidFill>
+                  <a:schemeClr val="tx1"/>
+                </a:solidFill>
+                <a:effectLst/>
+                <a:latin typeface="Times New Roman" panose="02020603050405020304" pitchFamily="18" charset="0"/>
+                <a:cs typeface="Times New Roman" panose="02020603050405020304" pitchFamily="18" charset="0"/>
+              </a:rPr>
+              <a:t>To allow doctors and lab technicians to </a:t>
+            </a:r>
+            <a:r>
+              <a:rPr kumimoji="0" lang="en-US" sz="2000" b="1" i="0" u="none" strike="noStrike" cap="none" normalizeH="0" baseline="0" dirty="0" smtClean="0">
+                <a:ln>
+                  <a:noFill/>
+                </a:ln>
+                <a:solidFill>
+                  <a:schemeClr val="tx1"/>
+                </a:solidFill>
+                <a:effectLst/>
+                <a:latin typeface="Times New Roman" panose="02020603050405020304" pitchFamily="18" charset="0"/>
+                <a:cs typeface="Times New Roman" panose="02020603050405020304" pitchFamily="18" charset="0"/>
+              </a:rPr>
+              <a:t>upload and manage medical reports digitally</a:t>
+            </a:r>
+            <a:r>
+              <a:rPr kumimoji="0" lang="en-US" sz="2000" b="0" i="0" u="none" strike="noStrike" cap="none" normalizeH="0" baseline="0" dirty="0" smtClean="0">
+                <a:ln>
+                  <a:noFill/>
+                </a:ln>
+                <a:solidFill>
+                  <a:schemeClr val="tx1"/>
+                </a:solidFill>
+                <a:effectLst/>
+                <a:latin typeface="Times New Roman" panose="02020603050405020304" pitchFamily="18" charset="0"/>
+                <a:cs typeface="Times New Roman" panose="02020603050405020304" pitchFamily="18" charset="0"/>
+              </a:rPr>
               <a:t>.</a:t>
             </a:r>
           </a:p>
           <a:p>
-            <a:r>
-              <a:rPr lang="en-US"/>
-              <a:t>The project focuses on </a:t>
-            </a:r>
-            <a:r>
-              <a:rPr lang="en-US" b="1"/>
-              <a:t>digital record management</a:t>
-            </a:r>
-            <a:r>
-              <a:rPr lang="en-US"/>
-              <a:t> and does not replace medical diagnosis or treatment processes.</a:t>
-            </a:r>
-          </a:p>
-          <a:p>
-            <a:endParaRPr lang="en-US" dirty="0"/>
+            <a:pPr marL="0" marR="0" lvl="0" indent="0" algn="l" defTabSz="914400" rtl="0" eaLnBrk="0" fontAlgn="base" latinLnBrk="0" hangingPunct="0">
+              <a:lnSpc>
+                <a:spcPct val="100000"/>
+              </a:lnSpc>
+              <a:spcBef>
+                <a:spcPct val="0"/>
+              </a:spcBef>
+              <a:spcAft>
+                <a:spcPct val="0"/>
+              </a:spcAft>
+              <a:buClrTx/>
+              <a:buSzTx/>
+              <a:buFontTx/>
+              <a:buChar char="•"/>
+              <a:tabLst/>
+            </a:pPr>
+            <a:r>
+              <a:rPr kumimoji="0" lang="en-US" sz="2000" b="0" i="0" u="none" strike="noStrike" cap="none" normalizeH="0" baseline="0" dirty="0" smtClean="0">
+                <a:ln>
+                  <a:noFill/>
+                </a:ln>
+                <a:solidFill>
+                  <a:schemeClr val="tx1"/>
+                </a:solidFill>
+                <a:effectLst/>
+                <a:latin typeface="Times New Roman" panose="02020603050405020304" pitchFamily="18" charset="0"/>
+                <a:cs typeface="Times New Roman" panose="02020603050405020304" pitchFamily="18" charset="0"/>
+              </a:rPr>
+              <a:t>To provide </a:t>
+            </a:r>
+            <a:r>
+              <a:rPr kumimoji="0" lang="en-US" sz="2000" b="1" i="0" u="none" strike="noStrike" cap="none" normalizeH="0" baseline="0" dirty="0" smtClean="0">
+                <a:ln>
+                  <a:noFill/>
+                </a:ln>
+                <a:solidFill>
+                  <a:schemeClr val="tx1"/>
+                </a:solidFill>
+                <a:effectLst/>
+                <a:latin typeface="Times New Roman" panose="02020603050405020304" pitchFamily="18" charset="0"/>
+                <a:cs typeface="Times New Roman" panose="02020603050405020304" pitchFamily="18" charset="0"/>
+              </a:rPr>
+              <a:t>patient consent-based access</a:t>
+            </a:r>
+            <a:r>
+              <a:rPr kumimoji="0" lang="en-US" sz="2000" b="0" i="0" u="none" strike="noStrike" cap="none" normalizeH="0" baseline="0" dirty="0" smtClean="0">
+                <a:ln>
+                  <a:noFill/>
+                </a:ln>
+                <a:solidFill>
+                  <a:schemeClr val="tx1"/>
+                </a:solidFill>
+                <a:effectLst/>
+                <a:latin typeface="Times New Roman" panose="02020603050405020304" pitchFamily="18" charset="0"/>
+                <a:cs typeface="Times New Roman" panose="02020603050405020304" pitchFamily="18" charset="0"/>
+              </a:rPr>
+              <a:t> to doctors for viewing medical records.</a:t>
+            </a:r>
+          </a:p>
+          <a:p>
+            <a:pPr marL="0" marR="0" lvl="0" indent="0" algn="l" defTabSz="914400" rtl="0" eaLnBrk="0" fontAlgn="base" latinLnBrk="0" hangingPunct="0">
+              <a:lnSpc>
+                <a:spcPct val="100000"/>
+              </a:lnSpc>
+              <a:spcBef>
+                <a:spcPct val="0"/>
+              </a:spcBef>
+              <a:spcAft>
+                <a:spcPct val="0"/>
+              </a:spcAft>
+              <a:buClrTx/>
+              <a:buSzTx/>
+              <a:buFontTx/>
+              <a:buChar char="•"/>
+              <a:tabLst/>
+            </a:pPr>
+            <a:r>
+              <a:rPr kumimoji="0" lang="en-US" sz="2000" b="0" i="0" u="none" strike="noStrike" cap="none" normalizeH="0" baseline="0" dirty="0" smtClean="0">
+                <a:ln>
+                  <a:noFill/>
+                </a:ln>
+                <a:solidFill>
+                  <a:schemeClr val="tx1"/>
+                </a:solidFill>
+                <a:effectLst/>
+                <a:latin typeface="Times New Roman" panose="02020603050405020304" pitchFamily="18" charset="0"/>
+                <a:cs typeface="Times New Roman" panose="02020603050405020304" pitchFamily="18" charset="0"/>
+              </a:rPr>
+              <a:t>To support </a:t>
+            </a:r>
+            <a:r>
+              <a:rPr kumimoji="0" lang="en-US" sz="2000" b="1" i="0" u="none" strike="noStrike" cap="none" normalizeH="0" baseline="0" dirty="0" smtClean="0">
+                <a:ln>
+                  <a:noFill/>
+                </a:ln>
+                <a:solidFill>
+                  <a:schemeClr val="tx1"/>
+                </a:solidFill>
+                <a:effectLst/>
+                <a:latin typeface="Times New Roman" panose="02020603050405020304" pitchFamily="18" charset="0"/>
+                <a:cs typeface="Times New Roman" panose="02020603050405020304" pitchFamily="18" charset="0"/>
+              </a:rPr>
+              <a:t>emergency access</a:t>
+            </a:r>
+            <a:r>
+              <a:rPr kumimoji="0" lang="en-US" sz="2000" b="0" i="0" u="none" strike="noStrike" cap="none" normalizeH="0" baseline="0" dirty="0" smtClean="0">
+                <a:ln>
+                  <a:noFill/>
+                </a:ln>
+                <a:solidFill>
+                  <a:schemeClr val="tx1"/>
+                </a:solidFill>
+                <a:effectLst/>
+                <a:latin typeface="Times New Roman" panose="02020603050405020304" pitchFamily="18" charset="0"/>
+                <a:cs typeface="Times New Roman" panose="02020603050405020304" pitchFamily="18" charset="0"/>
+              </a:rPr>
+              <a:t> through nominee authorization.</a:t>
+            </a:r>
           </a:p>
         </p:txBody>
       </p:sp>
     </p:spTree>
     <p:extLst>
       <p:ext uri="{BB962C8B-B14F-4D97-AF65-F5344CB8AC3E}">
-        <p14:creationId xmlns:p14="http://schemas.microsoft.com/office/powerpoint/2010/main" val="2332142558"/>
+        <p14:creationId xmlns:p14="http://schemas.microsoft.com/office/powerpoint/2010/main" val="3686323613"/>
       </p:ext>
     </p:extLst>
   </p:cSld>
@@ -8412,166 +9756,151 @@
           <a:p>
             <a:r>
               <a:rPr lang="en-IN" dirty="0"/>
-              <a:t>Limitations</a:t>
-            </a:r>
-          </a:p>
-        </p:txBody>
-      </p:sp>
-      <p:sp>
-        <p:nvSpPr>
-          <p:cNvPr id="4" name="Rectangle 1"/>
-          <p:cNvSpPr>
-            <a:spLocks noGrp="1" noChangeArrowheads="1"/>
+              <a:t>Scope of the Project</a:t>
+            </a:r>
+          </a:p>
+        </p:txBody>
+      </p:sp>
+      <p:sp>
+        <p:nvSpPr>
+          <p:cNvPr id="3" name="Content Placeholder 2"/>
+          <p:cNvSpPr>
+            <a:spLocks noGrp="1"/>
           </p:cNvSpPr>
           <p:nvPr>
             <p:ph idx="1"/>
           </p:nvPr>
         </p:nvSpPr>
-        <p:spPr bwMode="auto">
-          <a:prstGeom prst="rect">
-            <a:avLst/>
-          </a:prstGeom>
-          <a:noFill/>
-          <a:ln>
-            <a:noFill/>
-          </a:ln>
-          <a:effectLst/>
-          <a:extLst>
-            <a:ext uri="{909E8E84-426E-40DD-AFC4-6F175D3DCCD1}">
-              <a14:hiddenFill xmlns:a14="http://schemas.microsoft.com/office/drawing/2010/main">
-                <a:solidFill>
-                  <a:schemeClr val="accent1"/>
-                </a:solidFill>
-              </a14:hiddenFill>
-            </a:ext>
-            <a:ext uri="{91240B29-F687-4F45-9708-019B960494DF}">
-              <a14:hiddenLine xmlns:a14="http://schemas.microsoft.com/office/drawing/2010/main" w="9525">
-                <a:solidFill>
-                  <a:schemeClr val="tx1"/>
-                </a:solidFill>
-                <a:miter lim="800000"/>
-                <a:headEnd/>
-                <a:tailEnd/>
-              </a14:hiddenLine>
-            </a:ext>
-            <a:ext uri="{AF507438-7753-43E0-B8FC-AC1667EBCBE1}">
-              <a14:hiddenEffects xmlns:a14="http://schemas.microsoft.com/office/drawing/2010/main">
-                <a:effectLst>
-                  <a:outerShdw dist="35921" dir="2700000" algn="ctr" rotWithShape="0">
-                    <a:schemeClr val="bg2"/>
-                  </a:outerShdw>
-                </a:effectLst>
-              </a14:hiddenEffects>
-            </a:ext>
-          </a:extLst>
+        <p:spPr>
+          <a:xfrm>
+            <a:off x="1484311" y="3040486"/>
+            <a:ext cx="10018713" cy="3124201"/>
+          </a:xfrm>
         </p:spPr>
         <p:txBody>
-          <a:bodyPr vert="horz" wrap="none" lIns="91440" tIns="45720" rIns="91440" bIns="45720" numCol="1" anchor="ctr" anchorCtr="0" compatLnSpc="1">
-            <a:prstTxWarp prst="textNoShape">
-              <a:avLst/>
-            </a:prstTxWarp>
-            <a:spAutoFit/>
+          <a:bodyPr>
+            <a:noAutofit/>
           </a:bodyPr>
           <a:lstStyle/>
           <a:p>
-            <a:pPr marL="0" marR="0" lvl="0" indent="0" algn="l" defTabSz="914400" rtl="0" eaLnBrk="0" fontAlgn="base" latinLnBrk="0" hangingPunct="0">
-              <a:lnSpc>
-                <a:spcPct val="100000"/>
-              </a:lnSpc>
-              <a:spcBef>
-                <a:spcPct val="0"/>
-              </a:spcBef>
-              <a:spcAft>
-                <a:spcPct val="0"/>
-              </a:spcAft>
-              <a:buClrTx/>
-              <a:buSzTx/>
-              <a:buFontTx/>
-              <a:buChar char="•"/>
-              <a:tabLst/>
-            </a:pPr>
-            <a:r>
-              <a:rPr kumimoji="0" lang="en-US" sz="1800" b="0" i="0" u="none" strike="noStrike" cap="none" normalizeH="0" baseline="0" smtClean="0">
-                <a:ln>
-                  <a:noFill/>
-                </a:ln>
-                <a:solidFill>
-                  <a:schemeClr val="tx1"/>
-                </a:solidFill>
-                <a:effectLst/>
-                <a:latin typeface="Arial" panose="020B0604020202020204" pitchFamily="34" charset="0"/>
-              </a:rPr>
-              <a:t>The system does not provide real-time Aadhaar API integration (mock data is used)</a:t>
-            </a:r>
-          </a:p>
-          <a:p>
-            <a:pPr marL="0" marR="0" lvl="0" indent="0" algn="l" defTabSz="914400" rtl="0" eaLnBrk="0" fontAlgn="base" latinLnBrk="0" hangingPunct="0">
-              <a:lnSpc>
-                <a:spcPct val="100000"/>
-              </a:lnSpc>
-              <a:spcBef>
-                <a:spcPct val="0"/>
-              </a:spcBef>
-              <a:spcAft>
-                <a:spcPct val="0"/>
-              </a:spcAft>
-              <a:buClrTx/>
-              <a:buSzTx/>
-              <a:buFontTx/>
-              <a:buChar char="•"/>
-              <a:tabLst/>
-            </a:pPr>
-            <a:r>
-              <a:rPr kumimoji="0" lang="en-US" sz="1800" b="0" i="0" u="none" strike="noStrike" cap="none" normalizeH="0" baseline="0" smtClean="0">
-                <a:ln>
-                  <a:noFill/>
-                </a:ln>
-                <a:solidFill>
-                  <a:schemeClr val="tx1"/>
-                </a:solidFill>
-                <a:effectLst/>
-                <a:latin typeface="Arial" panose="020B0604020202020204" pitchFamily="34" charset="0"/>
-              </a:rPr>
-              <a:t>Online payment and insurance claim features are not included</a:t>
-            </a:r>
-          </a:p>
-          <a:p>
-            <a:pPr marL="0" marR="0" lvl="0" indent="0" algn="l" defTabSz="914400" rtl="0" eaLnBrk="0" fontAlgn="base" latinLnBrk="0" hangingPunct="0">
-              <a:lnSpc>
-                <a:spcPct val="100000"/>
-              </a:lnSpc>
-              <a:spcBef>
-                <a:spcPct val="0"/>
-              </a:spcBef>
-              <a:spcAft>
-                <a:spcPct val="0"/>
-              </a:spcAft>
-              <a:buClrTx/>
-              <a:buSzTx/>
-              <a:buFontTx/>
-              <a:buChar char="•"/>
-              <a:tabLst/>
-            </a:pPr>
-            <a:r>
-              <a:rPr kumimoji="0" lang="en-US" sz="1800" b="0" i="0" u="none" strike="noStrike" cap="none" normalizeH="0" baseline="0" smtClean="0">
-                <a:ln>
-                  <a:noFill/>
-                </a:ln>
-                <a:solidFill>
-                  <a:schemeClr val="tx1"/>
-                </a:solidFill>
-                <a:effectLst/>
-                <a:latin typeface="Arial" panose="020B0604020202020204" pitchFamily="34" charset="0"/>
-              </a:rPr>
-              <a:t>Offline access to medical records is not supported</a:t>
-            </a:r>
+            <a:r>
+              <a:rPr lang="en-US" sz="2000" dirty="0">
+                <a:latin typeface="Times New Roman" panose="02020603050405020304" pitchFamily="18" charset="0"/>
+                <a:cs typeface="Times New Roman" panose="02020603050405020304" pitchFamily="18" charset="0"/>
+              </a:rPr>
+              <a:t>The scope of the Digital Health Card System includes:</a:t>
+            </a:r>
+          </a:p>
+          <a:p>
+            <a:r>
+              <a:rPr lang="en-US" sz="2000" dirty="0">
+                <a:latin typeface="Times New Roman" panose="02020603050405020304" pitchFamily="18" charset="0"/>
+                <a:cs typeface="Times New Roman" panose="02020603050405020304" pitchFamily="18" charset="0"/>
+              </a:rPr>
+              <a:t>Secure storage and management of patient health records.</a:t>
+            </a:r>
+          </a:p>
+          <a:p>
+            <a:r>
+              <a:rPr lang="en-US" sz="2000" dirty="0" err="1">
+                <a:latin typeface="Times New Roman" panose="02020603050405020304" pitchFamily="18" charset="0"/>
+                <a:cs typeface="Times New Roman" panose="02020603050405020304" pitchFamily="18" charset="0"/>
+              </a:rPr>
+              <a:t>Aadhaar</a:t>
+            </a:r>
+            <a:r>
+              <a:rPr lang="en-US" sz="2000" dirty="0">
+                <a:latin typeface="Times New Roman" panose="02020603050405020304" pitchFamily="18" charset="0"/>
+                <a:cs typeface="Times New Roman" panose="02020603050405020304" pitchFamily="18" charset="0"/>
+              </a:rPr>
+              <a:t>-based patient identity verification.</a:t>
+            </a:r>
+          </a:p>
+          <a:p>
+            <a:r>
+              <a:rPr lang="en-US" sz="2000" dirty="0">
+                <a:latin typeface="Times New Roman" panose="02020603050405020304" pitchFamily="18" charset="0"/>
+                <a:cs typeface="Times New Roman" panose="02020603050405020304" pitchFamily="18" charset="0"/>
+              </a:rPr>
+              <a:t>Digital access to prescriptions, lab reports, and medical history.</a:t>
+            </a:r>
+          </a:p>
+          <a:p>
+            <a:r>
+              <a:rPr lang="en-US" sz="2000" dirty="0">
+                <a:latin typeface="Times New Roman" panose="02020603050405020304" pitchFamily="18" charset="0"/>
+                <a:cs typeface="Times New Roman" panose="02020603050405020304" pitchFamily="18" charset="0"/>
+              </a:rPr>
+              <a:t>Admin-controlled verification of healthcare professionals.</a:t>
+            </a:r>
+          </a:p>
+          <a:p>
+            <a:r>
+              <a:rPr lang="en-US" sz="2000" dirty="0">
+                <a:latin typeface="Times New Roman" panose="02020603050405020304" pitchFamily="18" charset="0"/>
+                <a:cs typeface="Times New Roman" panose="02020603050405020304" pitchFamily="18" charset="0"/>
+              </a:rPr>
+              <a:t>Consent-based and emergency access mechanisms.</a:t>
+            </a:r>
+          </a:p>
+          <a:p>
+            <a:r>
+              <a:rPr lang="en-US" sz="2000" dirty="0">
+                <a:latin typeface="Times New Roman" panose="02020603050405020304" pitchFamily="18" charset="0"/>
+                <a:cs typeface="Times New Roman" panose="02020603050405020304" pitchFamily="18" charset="0"/>
+              </a:rPr>
+              <a:t>The system is designed for </a:t>
+            </a:r>
+            <a:r>
+              <a:rPr lang="en-US" sz="2000" b="1" dirty="0">
+                <a:latin typeface="Times New Roman" panose="02020603050405020304" pitchFamily="18" charset="0"/>
+                <a:cs typeface="Times New Roman" panose="02020603050405020304" pitchFamily="18" charset="0"/>
+              </a:rPr>
+              <a:t>hospitals, clinics, diagnostic labs, and patients</a:t>
+            </a:r>
+            <a:r>
+              <a:rPr lang="en-US" sz="2000" dirty="0">
+                <a:latin typeface="Times New Roman" panose="02020603050405020304" pitchFamily="18" charset="0"/>
+                <a:cs typeface="Times New Roman" panose="02020603050405020304" pitchFamily="18" charset="0"/>
+              </a:rPr>
+              <a:t>.</a:t>
+            </a:r>
+          </a:p>
+          <a:p>
+            <a:r>
+              <a:rPr lang="en-US" sz="2000" dirty="0">
+                <a:latin typeface="Times New Roman" panose="02020603050405020304" pitchFamily="18" charset="0"/>
+                <a:cs typeface="Times New Roman" panose="02020603050405020304" pitchFamily="18" charset="0"/>
+              </a:rPr>
+              <a:t>The project focuses on </a:t>
+            </a:r>
+            <a:r>
+              <a:rPr lang="en-US" sz="2000" b="1" dirty="0">
+                <a:latin typeface="Times New Roman" panose="02020603050405020304" pitchFamily="18" charset="0"/>
+                <a:cs typeface="Times New Roman" panose="02020603050405020304" pitchFamily="18" charset="0"/>
+              </a:rPr>
+              <a:t>digital record management</a:t>
+            </a:r>
+            <a:r>
+              <a:rPr lang="en-US" sz="2000" dirty="0">
+                <a:latin typeface="Times New Roman" panose="02020603050405020304" pitchFamily="18" charset="0"/>
+                <a:cs typeface="Times New Roman" panose="02020603050405020304" pitchFamily="18" charset="0"/>
+              </a:rPr>
+              <a:t> and does not replace medical diagnosis or treatment processes.</a:t>
+            </a:r>
+          </a:p>
+          <a:p>
+            <a:endParaRPr lang="en-US" sz="2000" dirty="0">
+              <a:latin typeface="Times New Roman" panose="02020603050405020304" pitchFamily="18" charset="0"/>
+              <a:cs typeface="Times New Roman" panose="02020603050405020304" pitchFamily="18" charset="0"/>
+            </a:endParaRPr>
           </a:p>
         </p:txBody>
       </p:sp>
     </p:spTree>
     <p:extLst>
       <p:ext uri="{BB962C8B-B14F-4D97-AF65-F5344CB8AC3E}">
-        <p14:creationId xmlns:p14="http://schemas.microsoft.com/office/powerpoint/2010/main" val="1407935658"/>
+        <p14:creationId xmlns:p14="http://schemas.microsoft.com/office/powerpoint/2010/main" val="2332142558"/>
       </p:ext>
     </p:extLst>
   </p:cSld>
@@ -8621,75 +9950,452 @@
           <a:lstStyle/>
           <a:p>
             <a:r>
-              <a:rPr lang="en-US" dirty="0" smtClean="0"/>
-              <a:t>Project Overview</a:t>
-            </a:r>
-            <a:endParaRPr lang="en-IN" dirty="0"/>
-          </a:p>
-        </p:txBody>
-      </p:sp>
-      <p:sp>
-        <p:nvSpPr>
-          <p:cNvPr id="3" name="Content Placeholder 2"/>
-          <p:cNvSpPr>
-            <a:spLocks noGrp="1"/>
+              <a:rPr lang="en-IN" dirty="0"/>
+              <a:t>Limitations</a:t>
+            </a:r>
+          </a:p>
+        </p:txBody>
+      </p:sp>
+      <p:sp>
+        <p:nvSpPr>
+          <p:cNvPr id="5" name="Rectangle 2"/>
+          <p:cNvSpPr>
+            <a:spLocks noGrp="1" noChangeArrowheads="1"/>
           </p:cNvSpPr>
           <p:nvPr>
             <p:ph idx="1"/>
           </p:nvPr>
         </p:nvSpPr>
-        <p:spPr/>
-        <p:txBody>
-          <a:bodyPr/>
+        <p:spPr bwMode="auto">
+          <a:xfrm>
+            <a:off x="1484311" y="2847637"/>
+            <a:ext cx="8738033" cy="1938992"/>
+          </a:xfrm>
+          <a:prstGeom prst="rect">
+            <a:avLst/>
+          </a:prstGeom>
+          <a:noFill/>
+          <a:ln>
+            <a:noFill/>
+          </a:ln>
+          <a:effectLst/>
+          <a:extLst>
+            <a:ext uri="{909E8E84-426E-40DD-AFC4-6F175D3DCCD1}">
+              <a14:hiddenFill xmlns:a14="http://schemas.microsoft.com/office/drawing/2010/main">
+                <a:solidFill>
+                  <a:schemeClr val="accent1"/>
+                </a:solidFill>
+              </a14:hiddenFill>
+            </a:ext>
+            <a:ext uri="{91240B29-F687-4F45-9708-019B960494DF}">
+              <a14:hiddenLine xmlns:a14="http://schemas.microsoft.com/office/drawing/2010/main" w="9525">
+                <a:solidFill>
+                  <a:schemeClr val="tx1"/>
+                </a:solidFill>
+                <a:miter lim="800000"/>
+                <a:headEnd/>
+                <a:tailEnd/>
+              </a14:hiddenLine>
+            </a:ext>
+            <a:ext uri="{AF507438-7753-43E0-B8FC-AC1667EBCBE1}">
+              <a14:hiddenEffects xmlns:a14="http://schemas.microsoft.com/office/drawing/2010/main">
+                <a:effectLst>
+                  <a:outerShdw dist="35921" dir="2700000" algn="ctr" rotWithShape="0">
+                    <a:schemeClr val="bg2"/>
+                  </a:outerShdw>
+                </a:effectLst>
+              </a14:hiddenEffects>
+            </a:ext>
+          </a:extLst>
+        </p:spPr>
+        <p:txBody>
+          <a:bodyPr vert="horz" wrap="none" lIns="91440" tIns="45720" rIns="91440" bIns="45720" numCol="1" anchor="ctr" anchorCtr="0" compatLnSpc="1">
+            <a:prstTxWarp prst="textNoShape">
+              <a:avLst/>
+            </a:prstTxWarp>
+            <a:spAutoFit/>
+          </a:bodyPr>
           <a:lstStyle/>
           <a:p>
-            <a:r>
-              <a:rPr lang="en-US" dirty="0"/>
-              <a:t>The </a:t>
-            </a:r>
-            <a:r>
-              <a:rPr lang="en-US" b="1" dirty="0"/>
-              <a:t>Digital Health Card System</a:t>
-            </a:r>
-            <a:r>
-              <a:rPr lang="en-US" dirty="0"/>
-              <a:t> is designed to provide patients with secure digital access to their medical records, eliminating the need to carry physical reports. The system ensures centralized storage, controlled access, and role-based permissions for healthcare stakeholders.</a:t>
-            </a:r>
-          </a:p>
-          <a:p>
-            <a:r>
-              <a:rPr lang="en-US" dirty="0"/>
-              <a:t>The system consists of </a:t>
-            </a:r>
-            <a:r>
-              <a:rPr lang="en-US" b="1" dirty="0"/>
-              <a:t>five main entities</a:t>
-            </a:r>
-            <a:r>
-              <a:rPr lang="en-US" dirty="0"/>
-              <a:t>:</a:t>
-            </a:r>
-            <a:br>
-              <a:rPr lang="en-US" dirty="0"/>
-            </a:br>
-            <a:r>
-              <a:rPr lang="en-US" b="1" dirty="0"/>
-              <a:t>Admin, Patient, Doctor, Nominee, and Lab Technician</a:t>
-            </a:r>
-            <a:r>
-              <a:rPr lang="en-US" dirty="0"/>
-              <a:t>.</a:t>
-            </a:r>
-          </a:p>
-          <a:p>
-            <a:endParaRPr lang="en-IN" dirty="0"/>
+            <a:pPr marL="0" marR="0" lvl="0" indent="0" algn="l" defTabSz="914400" rtl="0" eaLnBrk="0" fontAlgn="base" latinLnBrk="0" hangingPunct="0">
+              <a:lnSpc>
+                <a:spcPct val="100000"/>
+              </a:lnSpc>
+              <a:spcBef>
+                <a:spcPct val="0"/>
+              </a:spcBef>
+              <a:spcAft>
+                <a:spcPct val="0"/>
+              </a:spcAft>
+              <a:buClrTx/>
+              <a:buSzTx/>
+              <a:buFontTx/>
+              <a:buChar char="•"/>
+              <a:tabLst/>
+            </a:pPr>
+            <a:r>
+              <a:rPr kumimoji="0" lang="en-US" sz="2000" b="0" i="0" u="none" strike="noStrike" cap="none" normalizeH="0" baseline="0" dirty="0" smtClean="0">
+                <a:ln>
+                  <a:noFill/>
+                </a:ln>
+                <a:solidFill>
+                  <a:schemeClr val="tx1"/>
+                </a:solidFill>
+                <a:effectLst/>
+                <a:latin typeface="Times New Roman" panose="02020603050405020304" pitchFamily="18" charset="0"/>
+                <a:cs typeface="Times New Roman" panose="02020603050405020304" pitchFamily="18" charset="0"/>
+              </a:rPr>
+              <a:t>Requires </a:t>
+            </a:r>
+            <a:r>
+              <a:rPr kumimoji="0" lang="en-US" sz="2000" b="1" i="0" u="none" strike="noStrike" cap="none" normalizeH="0" baseline="0" dirty="0" err="1" smtClean="0">
+                <a:ln>
+                  <a:noFill/>
+                </a:ln>
+                <a:solidFill>
+                  <a:schemeClr val="tx1"/>
+                </a:solidFill>
+                <a:effectLst/>
+                <a:latin typeface="Times New Roman" panose="02020603050405020304" pitchFamily="18" charset="0"/>
+                <a:cs typeface="Times New Roman" panose="02020603050405020304" pitchFamily="18" charset="0"/>
+              </a:rPr>
+              <a:t>Aadhaar</a:t>
+            </a:r>
+            <a:r>
+              <a:rPr kumimoji="0" lang="en-US" sz="2000" b="1" i="0" u="none" strike="noStrike" cap="none" normalizeH="0" baseline="0" dirty="0" smtClean="0">
+                <a:ln>
+                  <a:noFill/>
+                </a:ln>
+                <a:solidFill>
+                  <a:schemeClr val="tx1"/>
+                </a:solidFill>
+                <a:effectLst/>
+                <a:latin typeface="Times New Roman" panose="02020603050405020304" pitchFamily="18" charset="0"/>
+                <a:cs typeface="Times New Roman" panose="02020603050405020304" pitchFamily="18" charset="0"/>
+              </a:rPr>
+              <a:t> card and linked mobile number</a:t>
+            </a:r>
+            <a:r>
+              <a:rPr kumimoji="0" lang="en-US" sz="2000" b="0" i="0" u="none" strike="noStrike" cap="none" normalizeH="0" baseline="0" dirty="0" smtClean="0">
+                <a:ln>
+                  <a:noFill/>
+                </a:ln>
+                <a:solidFill>
+                  <a:schemeClr val="tx1"/>
+                </a:solidFill>
+                <a:effectLst/>
+                <a:latin typeface="Times New Roman" panose="02020603050405020304" pitchFamily="18" charset="0"/>
+                <a:cs typeface="Times New Roman" panose="02020603050405020304" pitchFamily="18" charset="0"/>
+              </a:rPr>
+              <a:t> for authentication.</a:t>
+            </a:r>
+          </a:p>
+          <a:p>
+            <a:pPr marL="0" marR="0" lvl="0" indent="0" algn="l" defTabSz="914400" rtl="0" eaLnBrk="0" fontAlgn="base" latinLnBrk="0" hangingPunct="0">
+              <a:lnSpc>
+                <a:spcPct val="100000"/>
+              </a:lnSpc>
+              <a:spcBef>
+                <a:spcPct val="0"/>
+              </a:spcBef>
+              <a:spcAft>
+                <a:spcPct val="0"/>
+              </a:spcAft>
+              <a:buClrTx/>
+              <a:buSzTx/>
+              <a:buFontTx/>
+              <a:buChar char="•"/>
+              <a:tabLst/>
+            </a:pPr>
+            <a:r>
+              <a:rPr kumimoji="0" lang="en-US" sz="2000" b="0" i="0" u="none" strike="noStrike" cap="none" normalizeH="0" baseline="0" dirty="0" smtClean="0">
+                <a:ln>
+                  <a:noFill/>
+                </a:ln>
+                <a:solidFill>
+                  <a:schemeClr val="tx1"/>
+                </a:solidFill>
+                <a:effectLst/>
+                <a:latin typeface="Times New Roman" panose="02020603050405020304" pitchFamily="18" charset="0"/>
+                <a:cs typeface="Times New Roman" panose="02020603050405020304" pitchFamily="18" charset="0"/>
+              </a:rPr>
+              <a:t>Needs </a:t>
+            </a:r>
+            <a:r>
+              <a:rPr kumimoji="0" lang="en-US" sz="2000" b="1" i="0" u="none" strike="noStrike" cap="none" normalizeH="0" baseline="0" dirty="0" smtClean="0">
+                <a:ln>
+                  <a:noFill/>
+                </a:ln>
+                <a:solidFill>
+                  <a:schemeClr val="tx1"/>
+                </a:solidFill>
+                <a:effectLst/>
+                <a:latin typeface="Times New Roman" panose="02020603050405020304" pitchFamily="18" charset="0"/>
+                <a:cs typeface="Times New Roman" panose="02020603050405020304" pitchFamily="18" charset="0"/>
+              </a:rPr>
+              <a:t>continuous internet connection</a:t>
+            </a:r>
+            <a:r>
+              <a:rPr kumimoji="0" lang="en-US" sz="2000" b="0" i="0" u="none" strike="noStrike" cap="none" normalizeH="0" baseline="0" dirty="0" smtClean="0">
+                <a:ln>
+                  <a:noFill/>
+                </a:ln>
+                <a:solidFill>
+                  <a:schemeClr val="tx1"/>
+                </a:solidFill>
+                <a:effectLst/>
+                <a:latin typeface="Times New Roman" panose="02020603050405020304" pitchFamily="18" charset="0"/>
+                <a:cs typeface="Times New Roman" panose="02020603050405020304" pitchFamily="18" charset="0"/>
+              </a:rPr>
+              <a:t> to work properly.</a:t>
+            </a:r>
+          </a:p>
+          <a:p>
+            <a:pPr marL="0" marR="0" lvl="0" indent="0" algn="l" defTabSz="914400" rtl="0" eaLnBrk="0" fontAlgn="base" latinLnBrk="0" hangingPunct="0">
+              <a:lnSpc>
+                <a:spcPct val="100000"/>
+              </a:lnSpc>
+              <a:spcBef>
+                <a:spcPct val="0"/>
+              </a:spcBef>
+              <a:spcAft>
+                <a:spcPct val="0"/>
+              </a:spcAft>
+              <a:buClrTx/>
+              <a:buSzTx/>
+              <a:buFontTx/>
+              <a:buChar char="•"/>
+              <a:tabLst/>
+            </a:pPr>
+            <a:r>
+              <a:rPr kumimoji="0" lang="en-US" sz="2000" b="0" i="0" u="none" strike="noStrike" cap="none" normalizeH="0" baseline="0" dirty="0" smtClean="0">
+                <a:ln>
+                  <a:noFill/>
+                </a:ln>
+                <a:solidFill>
+                  <a:schemeClr val="tx1"/>
+                </a:solidFill>
+                <a:effectLst/>
+                <a:latin typeface="Times New Roman" panose="02020603050405020304" pitchFamily="18" charset="0"/>
+                <a:cs typeface="Times New Roman" panose="02020603050405020304" pitchFamily="18" charset="0"/>
+              </a:rPr>
+              <a:t>Uses </a:t>
+            </a:r>
+            <a:r>
+              <a:rPr kumimoji="0" lang="en-US" sz="2000" b="1" i="0" u="none" strike="noStrike" cap="none" normalizeH="0" baseline="0" dirty="0" smtClean="0">
+                <a:ln>
+                  <a:noFill/>
+                </a:ln>
+                <a:solidFill>
+                  <a:schemeClr val="tx1"/>
+                </a:solidFill>
+                <a:effectLst/>
+                <a:latin typeface="Times New Roman" panose="02020603050405020304" pitchFamily="18" charset="0"/>
+                <a:cs typeface="Times New Roman" panose="02020603050405020304" pitchFamily="18" charset="0"/>
+              </a:rPr>
+              <a:t>hardcoded admin credentials</a:t>
+            </a:r>
+            <a:r>
+              <a:rPr kumimoji="0" lang="en-US" sz="2000" b="0" i="0" u="none" strike="noStrike" cap="none" normalizeH="0" baseline="0" dirty="0" smtClean="0">
+                <a:ln>
+                  <a:noFill/>
+                </a:ln>
+                <a:solidFill>
+                  <a:schemeClr val="tx1"/>
+                </a:solidFill>
+                <a:effectLst/>
+                <a:latin typeface="Times New Roman" panose="02020603050405020304" pitchFamily="18" charset="0"/>
+                <a:cs typeface="Times New Roman" panose="02020603050405020304" pitchFamily="18" charset="0"/>
+              </a:rPr>
+              <a:t>, which limits scalability.</a:t>
+            </a:r>
+          </a:p>
+          <a:p>
+            <a:pPr marL="0" marR="0" lvl="0" indent="0" algn="l" defTabSz="914400" rtl="0" eaLnBrk="0" fontAlgn="base" latinLnBrk="0" hangingPunct="0">
+              <a:lnSpc>
+                <a:spcPct val="100000"/>
+              </a:lnSpc>
+              <a:spcBef>
+                <a:spcPct val="0"/>
+              </a:spcBef>
+              <a:spcAft>
+                <a:spcPct val="0"/>
+              </a:spcAft>
+              <a:buClrTx/>
+              <a:buSzTx/>
+              <a:buFontTx/>
+              <a:buChar char="•"/>
+              <a:tabLst/>
+            </a:pPr>
+            <a:r>
+              <a:rPr kumimoji="0" lang="en-US" sz="2000" b="0" i="0" u="none" strike="noStrike" cap="none" normalizeH="0" baseline="0" dirty="0" smtClean="0">
+                <a:ln>
+                  <a:noFill/>
+                </a:ln>
+                <a:solidFill>
+                  <a:schemeClr val="tx1"/>
+                </a:solidFill>
+                <a:effectLst/>
+                <a:latin typeface="Times New Roman" panose="02020603050405020304" pitchFamily="18" charset="0"/>
+                <a:cs typeface="Times New Roman" panose="02020603050405020304" pitchFamily="18" charset="0"/>
+              </a:rPr>
+              <a:t>Emergency access depends on </a:t>
+            </a:r>
+            <a:r>
+              <a:rPr kumimoji="0" lang="en-US" sz="2000" b="1" i="0" u="none" strike="noStrike" cap="none" normalizeH="0" baseline="0" dirty="0" smtClean="0">
+                <a:ln>
+                  <a:noFill/>
+                </a:ln>
+                <a:solidFill>
+                  <a:schemeClr val="tx1"/>
+                </a:solidFill>
+                <a:effectLst/>
+                <a:latin typeface="Times New Roman" panose="02020603050405020304" pitchFamily="18" charset="0"/>
+                <a:cs typeface="Times New Roman" panose="02020603050405020304" pitchFamily="18" charset="0"/>
+              </a:rPr>
+              <a:t>admin/nominee approval</a:t>
+            </a:r>
+            <a:r>
+              <a:rPr kumimoji="0" lang="en-US" sz="2000" b="0" i="0" u="none" strike="noStrike" cap="none" normalizeH="0" baseline="0" dirty="0" smtClean="0">
+                <a:ln>
+                  <a:noFill/>
+                </a:ln>
+                <a:solidFill>
+                  <a:schemeClr val="tx1"/>
+                </a:solidFill>
+                <a:effectLst/>
+                <a:latin typeface="Times New Roman" panose="02020603050405020304" pitchFamily="18" charset="0"/>
+                <a:cs typeface="Times New Roman" panose="02020603050405020304" pitchFamily="18" charset="0"/>
+              </a:rPr>
+              <a:t>, which may cause delay.</a:t>
+            </a:r>
+          </a:p>
+          <a:p>
+            <a:pPr marL="0" marR="0" lvl="0" indent="0" algn="l" defTabSz="914400" rtl="0" eaLnBrk="0" fontAlgn="base" latinLnBrk="0" hangingPunct="0">
+              <a:lnSpc>
+                <a:spcPct val="100000"/>
+              </a:lnSpc>
+              <a:spcBef>
+                <a:spcPct val="0"/>
+              </a:spcBef>
+              <a:spcAft>
+                <a:spcPct val="0"/>
+              </a:spcAft>
+              <a:buClrTx/>
+              <a:buSzTx/>
+              <a:buFontTx/>
+              <a:buChar char="•"/>
+              <a:tabLst/>
+            </a:pPr>
+            <a:r>
+              <a:rPr kumimoji="0" lang="en-US" sz="2000" b="0" i="0" u="none" strike="noStrike" cap="none" normalizeH="0" baseline="0" dirty="0" smtClean="0">
+                <a:ln>
+                  <a:noFill/>
+                </a:ln>
+                <a:solidFill>
+                  <a:schemeClr val="tx1"/>
+                </a:solidFill>
+                <a:effectLst/>
+                <a:latin typeface="Times New Roman" panose="02020603050405020304" pitchFamily="18" charset="0"/>
+                <a:cs typeface="Times New Roman" panose="02020603050405020304" pitchFamily="18" charset="0"/>
+              </a:rPr>
+              <a:t>No </a:t>
+            </a:r>
+            <a:r>
+              <a:rPr kumimoji="0" lang="en-US" sz="2000" b="1" i="0" u="none" strike="noStrike" cap="none" normalizeH="0" baseline="0" dirty="0" smtClean="0">
+                <a:ln>
+                  <a:noFill/>
+                </a:ln>
+                <a:solidFill>
+                  <a:schemeClr val="tx1"/>
+                </a:solidFill>
+                <a:effectLst/>
+                <a:latin typeface="Times New Roman" panose="02020603050405020304" pitchFamily="18" charset="0"/>
+                <a:cs typeface="Times New Roman" panose="02020603050405020304" pitchFamily="18" charset="0"/>
+              </a:rPr>
+              <a:t>offline access</a:t>
+            </a:r>
+            <a:r>
+              <a:rPr kumimoji="0" lang="en-US" sz="2000" b="0" i="0" u="none" strike="noStrike" cap="none" normalizeH="0" baseline="0" dirty="0" smtClean="0">
+                <a:ln>
+                  <a:noFill/>
+                </a:ln>
+                <a:solidFill>
+                  <a:schemeClr val="tx1"/>
+                </a:solidFill>
+                <a:effectLst/>
+                <a:latin typeface="Times New Roman" panose="02020603050405020304" pitchFamily="18" charset="0"/>
+                <a:cs typeface="Times New Roman" panose="02020603050405020304" pitchFamily="18" charset="0"/>
+              </a:rPr>
+              <a:t> to medical records.</a:t>
+            </a:r>
+          </a:p>
+          <a:p>
+            <a:pPr marL="0" marR="0" lvl="0" indent="0" algn="l" defTabSz="914400" rtl="0" eaLnBrk="0" fontAlgn="base" latinLnBrk="0" hangingPunct="0">
+              <a:lnSpc>
+                <a:spcPct val="100000"/>
+              </a:lnSpc>
+              <a:spcBef>
+                <a:spcPct val="0"/>
+              </a:spcBef>
+              <a:spcAft>
+                <a:spcPct val="0"/>
+              </a:spcAft>
+              <a:buClrTx/>
+              <a:buSzTx/>
+              <a:buFontTx/>
+              <a:buChar char="•"/>
+              <a:tabLst/>
+            </a:pPr>
+            <a:r>
+              <a:rPr kumimoji="0" lang="en-US" sz="2000" b="0" i="0" u="none" strike="noStrike" cap="none" normalizeH="0" baseline="0" dirty="0" smtClean="0">
+                <a:ln>
+                  <a:noFill/>
+                </a:ln>
+                <a:solidFill>
+                  <a:schemeClr val="tx1"/>
+                </a:solidFill>
+                <a:effectLst/>
+                <a:latin typeface="Times New Roman" panose="02020603050405020304" pitchFamily="18" charset="0"/>
+                <a:cs typeface="Times New Roman" panose="02020603050405020304" pitchFamily="18" charset="0"/>
+              </a:rPr>
+              <a:t>Users with </a:t>
+            </a:r>
+            <a:r>
+              <a:rPr kumimoji="0" lang="en-US" sz="2000" b="1" i="0" u="none" strike="noStrike" cap="none" normalizeH="0" baseline="0" dirty="0" smtClean="0">
+                <a:ln>
+                  <a:noFill/>
+                </a:ln>
+                <a:solidFill>
+                  <a:schemeClr val="tx1"/>
+                </a:solidFill>
+                <a:effectLst/>
+                <a:latin typeface="Times New Roman" panose="02020603050405020304" pitchFamily="18" charset="0"/>
+                <a:cs typeface="Times New Roman" panose="02020603050405020304" pitchFamily="18" charset="0"/>
+              </a:rPr>
+              <a:t>low technical knowledge</a:t>
+            </a:r>
+            <a:r>
+              <a:rPr kumimoji="0" lang="en-US" sz="2000" b="0" i="0" u="none" strike="noStrike" cap="none" normalizeH="0" baseline="0" dirty="0" smtClean="0">
+                <a:ln>
+                  <a:noFill/>
+                </a:ln>
+                <a:solidFill>
+                  <a:schemeClr val="tx1"/>
+                </a:solidFill>
+                <a:effectLst/>
+                <a:latin typeface="Times New Roman" panose="02020603050405020304" pitchFamily="18" charset="0"/>
+                <a:cs typeface="Times New Roman" panose="02020603050405020304" pitchFamily="18" charset="0"/>
+              </a:rPr>
+              <a:t> may find it difficult to use</a:t>
+            </a:r>
           </a:p>
         </p:txBody>
       </p:sp>
     </p:spTree>
     <p:extLst>
       <p:ext uri="{BB962C8B-B14F-4D97-AF65-F5344CB8AC3E}">
-        <p14:creationId xmlns:p14="http://schemas.microsoft.com/office/powerpoint/2010/main" val="2276017397"/>
+        <p14:creationId xmlns:p14="http://schemas.microsoft.com/office/powerpoint/2010/main" val="1407935658"/>
       </p:ext>
     </p:extLst>
   </p:cSld>

--- a/Digital Health Card.pptx
+++ b/Digital Health Card.pptx
@@ -20,11 +20,15 @@
     <p:sldId id="273" r:id="rId14"/>
     <p:sldId id="274" r:id="rId15"/>
     <p:sldId id="275" r:id="rId16"/>
-    <p:sldId id="265" r:id="rId17"/>
-    <p:sldId id="271" r:id="rId18"/>
-    <p:sldId id="269" r:id="rId19"/>
-    <p:sldId id="270" r:id="rId20"/>
-    <p:sldId id="278" r:id="rId21"/>
+    <p:sldId id="279" r:id="rId17"/>
+    <p:sldId id="280" r:id="rId18"/>
+    <p:sldId id="281" r:id="rId19"/>
+    <p:sldId id="282" r:id="rId20"/>
+    <p:sldId id="283" r:id="rId21"/>
+    <p:sldId id="271" r:id="rId22"/>
+    <p:sldId id="269" r:id="rId23"/>
+    <p:sldId id="270" r:id="rId24"/>
+    <p:sldId id="278" r:id="rId25"/>
   </p:sldIdLst>
   <p:sldSz cx="12192000" cy="6858000"/>
   <p:notesSz cx="6858000" cy="9144000"/>
@@ -633,7 +637,7 @@
           <a:p>
             <a:fld id="{120C8855-6882-4AD7-B13D-6553AEF0D6D0}" type="datetimeFigureOut">
               <a:rPr lang="en-IN" smtClean="0"/>
-              <a:t>30-01-2026</a:t>
+              <a:t>31-01-2026</a:t>
             </a:fld>
             <a:endParaRPr lang="en-IN"/>
           </a:p>
@@ -929,7 +933,7 @@
           <a:p>
             <a:fld id="{120C8855-6882-4AD7-B13D-6553AEF0D6D0}" type="datetimeFigureOut">
               <a:rPr lang="en-IN" smtClean="0"/>
-              <a:t>30-01-2026</a:t>
+              <a:t>31-01-2026</a:t>
             </a:fld>
             <a:endParaRPr lang="en-IN"/>
           </a:p>
@@ -1177,7 +1181,7 @@
           <a:p>
             <a:fld id="{120C8855-6882-4AD7-B13D-6553AEF0D6D0}" type="datetimeFigureOut">
               <a:rPr lang="en-IN" smtClean="0"/>
-              <a:t>30-01-2026</a:t>
+              <a:t>31-01-2026</a:t>
             </a:fld>
             <a:endParaRPr lang="en-IN"/>
           </a:p>
@@ -1717,7 +1721,7 @@
           <a:p>
             <a:fld id="{120C8855-6882-4AD7-B13D-6553AEF0D6D0}" type="datetimeFigureOut">
               <a:rPr lang="en-IN" smtClean="0"/>
-              <a:t>30-01-2026</a:t>
+              <a:t>31-01-2026</a:t>
             </a:fld>
             <a:endParaRPr lang="en-IN"/>
           </a:p>
@@ -1965,7 +1969,7 @@
           <a:p>
             <a:fld id="{120C8855-6882-4AD7-B13D-6553AEF0D6D0}" type="datetimeFigureOut">
               <a:rPr lang="en-IN" smtClean="0"/>
-              <a:t>30-01-2026</a:t>
+              <a:t>31-01-2026</a:t>
             </a:fld>
             <a:endParaRPr lang="en-IN"/>
           </a:p>
@@ -2497,7 +2501,7 @@
           <a:p>
             <a:fld id="{120C8855-6882-4AD7-B13D-6553AEF0D6D0}" type="datetimeFigureOut">
               <a:rPr lang="en-IN" smtClean="0"/>
-              <a:t>30-01-2026</a:t>
+              <a:t>31-01-2026</a:t>
             </a:fld>
             <a:endParaRPr lang="en-IN"/>
           </a:p>
@@ -2794,7 +2798,7 @@
           <a:p>
             <a:fld id="{120C8855-6882-4AD7-B13D-6553AEF0D6D0}" type="datetimeFigureOut">
               <a:rPr lang="en-IN" smtClean="0"/>
-              <a:t>30-01-2026</a:t>
+              <a:t>31-01-2026</a:t>
             </a:fld>
             <a:endParaRPr lang="en-IN"/>
           </a:p>
@@ -2968,7 +2972,7 @@
           <a:p>
             <a:fld id="{120C8855-6882-4AD7-B13D-6553AEF0D6D0}" type="datetimeFigureOut">
               <a:rPr lang="en-IN" smtClean="0"/>
-              <a:t>30-01-2026</a:t>
+              <a:t>31-01-2026</a:t>
             </a:fld>
             <a:endParaRPr lang="en-IN"/>
           </a:p>
@@ -3148,7 +3152,7 @@
           <a:p>
             <a:fld id="{120C8855-6882-4AD7-B13D-6553AEF0D6D0}" type="datetimeFigureOut">
               <a:rPr lang="en-IN" smtClean="0"/>
-              <a:t>30-01-2026</a:t>
+              <a:t>31-01-2026</a:t>
             </a:fld>
             <a:endParaRPr lang="en-IN"/>
           </a:p>
@@ -3318,7 +3322,7 @@
           <a:p>
             <a:fld id="{120C8855-6882-4AD7-B13D-6553AEF0D6D0}" type="datetimeFigureOut">
               <a:rPr lang="en-IN" smtClean="0"/>
-              <a:t>30-01-2026</a:t>
+              <a:t>31-01-2026</a:t>
             </a:fld>
             <a:endParaRPr lang="en-IN"/>
           </a:p>
@@ -3569,7 +3573,7 @@
           <a:p>
             <a:fld id="{120C8855-6882-4AD7-B13D-6553AEF0D6D0}" type="datetimeFigureOut">
               <a:rPr lang="en-IN" smtClean="0"/>
-              <a:t>30-01-2026</a:t>
+              <a:t>31-01-2026</a:t>
             </a:fld>
             <a:endParaRPr lang="en-IN"/>
           </a:p>
@@ -3866,7 +3870,7 @@
           <a:p>
             <a:fld id="{120C8855-6882-4AD7-B13D-6553AEF0D6D0}" type="datetimeFigureOut">
               <a:rPr lang="en-IN" smtClean="0"/>
-              <a:t>30-01-2026</a:t>
+              <a:t>31-01-2026</a:t>
             </a:fld>
             <a:endParaRPr lang="en-IN"/>
           </a:p>
@@ -4308,7 +4312,7 @@
           <a:p>
             <a:fld id="{120C8855-6882-4AD7-B13D-6553AEF0D6D0}" type="datetimeFigureOut">
               <a:rPr lang="en-IN" smtClean="0"/>
-              <a:t>30-01-2026</a:t>
+              <a:t>31-01-2026</a:t>
             </a:fld>
             <a:endParaRPr lang="en-IN"/>
           </a:p>
@@ -4426,7 +4430,7 @@
           <a:p>
             <a:fld id="{120C8855-6882-4AD7-B13D-6553AEF0D6D0}" type="datetimeFigureOut">
               <a:rPr lang="en-IN" smtClean="0"/>
-              <a:t>30-01-2026</a:t>
+              <a:t>31-01-2026</a:t>
             </a:fld>
             <a:endParaRPr lang="en-IN"/>
           </a:p>
@@ -4521,7 +4525,7 @@
           <a:p>
             <a:fld id="{120C8855-6882-4AD7-B13D-6553AEF0D6D0}" type="datetimeFigureOut">
               <a:rPr lang="en-IN" smtClean="0"/>
-              <a:t>30-01-2026</a:t>
+              <a:t>31-01-2026</a:t>
             </a:fld>
             <a:endParaRPr lang="en-IN"/>
           </a:p>
@@ -4804,7 +4808,7 @@
           <a:p>
             <a:fld id="{120C8855-6882-4AD7-B13D-6553AEF0D6D0}" type="datetimeFigureOut">
               <a:rPr lang="en-IN" smtClean="0"/>
-              <a:t>30-01-2026</a:t>
+              <a:t>31-01-2026</a:t>
             </a:fld>
             <a:endParaRPr lang="en-IN"/>
           </a:p>
@@ -5095,7 +5099,7 @@
           <a:p>
             <a:fld id="{120C8855-6882-4AD7-B13D-6553AEF0D6D0}" type="datetimeFigureOut">
               <a:rPr lang="en-IN" smtClean="0"/>
-              <a:t>30-01-2026</a:t>
+              <a:t>31-01-2026</a:t>
             </a:fld>
             <a:endParaRPr lang="en-IN"/>
           </a:p>
@@ -5625,7 +5629,7 @@
           <a:p>
             <a:fld id="{120C8855-6882-4AD7-B13D-6553AEF0D6D0}" type="datetimeFigureOut">
               <a:rPr lang="en-IN" smtClean="0"/>
-              <a:t>30-01-2026</a:t>
+              <a:t>31-01-2026</a:t>
             </a:fld>
             <a:endParaRPr lang="en-IN"/>
           </a:p>
@@ -7222,7 +7226,7 @@
       </p:sp>
       <p:pic>
         <p:nvPicPr>
-          <p:cNvPr id="3" name="Picture 2"/>
+          <p:cNvPr id="4" name="Picture 3"/>
           <p:cNvPicPr>
             <a:picLocks noChangeAspect="1"/>
           </p:cNvPicPr>
@@ -7236,8 +7240,8 @@
         </p:blipFill>
         <p:spPr>
           <a:xfrm>
-            <a:off x="8209994" y="0"/>
-            <a:ext cx="3982006" cy="6857999"/>
+            <a:off x="8190942" y="0"/>
+            <a:ext cx="4001058" cy="6858000"/>
           </a:xfrm>
           <a:prstGeom prst="rect">
             <a:avLst/>
@@ -7440,8 +7444,8 @@
         </p:nvSpPr>
         <p:spPr>
           <a:xfrm>
-            <a:off x="1940416" y="1263950"/>
-            <a:ext cx="6933127" cy="2862322"/>
+            <a:off x="1940417" y="1263950"/>
+            <a:ext cx="6585398" cy="3477875"/>
           </a:xfrm>
           <a:prstGeom prst="rect">
             <a:avLst/>
@@ -7509,6 +7513,147 @@
           </a:p>
         </p:txBody>
       </p:sp>
+      <p:sp>
+        <p:nvSpPr>
+          <p:cNvPr id="3" name="AutoShape 2" descr="https://chatgpt.com/backend-api/estuary/content?id=file_00000000f69471fa83d26132527ffe02&amp;ts=491620&amp;p=fs&amp;cid=1&amp;sig=53e5200ef6dfd87841cafb5c9ee4eef2876a5462ed897518a6e6d16e60bdb323&amp;v=0"/>
+          <p:cNvSpPr>
+            <a:spLocks noChangeAspect="1" noChangeArrowheads="1"/>
+          </p:cNvSpPr>
+          <p:nvPr/>
+        </p:nvSpPr>
+        <p:spPr bwMode="auto">
+          <a:xfrm>
+            <a:off x="155575" y="-144463"/>
+            <a:ext cx="304800" cy="304801"/>
+          </a:xfrm>
+          <a:prstGeom prst="rect">
+            <a:avLst/>
+          </a:prstGeom>
+          <a:noFill/>
+          <a:extLst>
+            <a:ext uri="{909E8E84-426E-40DD-AFC4-6F175D3DCCD1}">
+              <a14:hiddenFill xmlns:a14="http://schemas.microsoft.com/office/drawing/2010/main">
+                <a:solidFill>
+                  <a:srgbClr val="FFFFFF"/>
+                </a:solidFill>
+              </a14:hiddenFill>
+            </a:ext>
+          </a:extLst>
+        </p:spPr>
+        <p:txBody>
+          <a:bodyPr vert="horz" wrap="square" lIns="91440" tIns="45720" rIns="91440" bIns="45720" numCol="1" anchor="t" anchorCtr="0" compatLnSpc="1">
+            <a:prstTxWarp prst="textNoShape">
+              <a:avLst/>
+            </a:prstTxWarp>
+          </a:bodyPr>
+          <a:lstStyle/>
+          <a:p>
+            <a:endParaRPr lang="en-IN"/>
+          </a:p>
+        </p:txBody>
+      </p:sp>
+      <p:sp>
+        <p:nvSpPr>
+          <p:cNvPr id="4" name="AutoShape 4" descr="https://chatgpt.com/backend-api/estuary/content?id=file_00000000f69471fa83d26132527ffe02&amp;ts=491620&amp;p=fs&amp;cid=1&amp;sig=53e5200ef6dfd87841cafb5c9ee4eef2876a5462ed897518a6e6d16e60bdb323&amp;v=0"/>
+          <p:cNvSpPr>
+            <a:spLocks noChangeAspect="1" noChangeArrowheads="1"/>
+          </p:cNvSpPr>
+          <p:nvPr/>
+        </p:nvSpPr>
+        <p:spPr bwMode="auto">
+          <a:xfrm>
+            <a:off x="307975" y="7937"/>
+            <a:ext cx="304800" cy="304801"/>
+          </a:xfrm>
+          <a:prstGeom prst="rect">
+            <a:avLst/>
+          </a:prstGeom>
+          <a:noFill/>
+          <a:extLst>
+            <a:ext uri="{909E8E84-426E-40DD-AFC4-6F175D3DCCD1}">
+              <a14:hiddenFill xmlns:a14="http://schemas.microsoft.com/office/drawing/2010/main">
+                <a:solidFill>
+                  <a:srgbClr val="FFFFFF"/>
+                </a:solidFill>
+              </a14:hiddenFill>
+            </a:ext>
+          </a:extLst>
+        </p:spPr>
+        <p:txBody>
+          <a:bodyPr vert="horz" wrap="square" lIns="91440" tIns="45720" rIns="91440" bIns="45720" numCol="1" anchor="t" anchorCtr="0" compatLnSpc="1">
+            <a:prstTxWarp prst="textNoShape">
+              <a:avLst/>
+            </a:prstTxWarp>
+          </a:bodyPr>
+          <a:lstStyle/>
+          <a:p>
+            <a:endParaRPr lang="en-IN"/>
+          </a:p>
+        </p:txBody>
+      </p:sp>
+      <p:sp>
+        <p:nvSpPr>
+          <p:cNvPr id="5" name="AutoShape 6" descr="https://chatgpt.com/backend-api/estuary/content?id=file_00000000f69471fa83d26132527ffe02&amp;ts=491620&amp;p=fs&amp;cid=1&amp;sig=53e5200ef6dfd87841cafb5c9ee4eef2876a5462ed897518a6e6d16e60bdb323&amp;v=0"/>
+          <p:cNvSpPr>
+            <a:spLocks noChangeAspect="1" noChangeArrowheads="1"/>
+          </p:cNvSpPr>
+          <p:nvPr/>
+        </p:nvSpPr>
+        <p:spPr bwMode="auto">
+          <a:xfrm>
+            <a:off x="460375" y="160337"/>
+            <a:ext cx="304800" cy="304801"/>
+          </a:xfrm>
+          <a:prstGeom prst="rect">
+            <a:avLst/>
+          </a:prstGeom>
+          <a:noFill/>
+          <a:extLst>
+            <a:ext uri="{909E8E84-426E-40DD-AFC4-6F175D3DCCD1}">
+              <a14:hiddenFill xmlns:a14="http://schemas.microsoft.com/office/drawing/2010/main">
+                <a:solidFill>
+                  <a:srgbClr val="FFFFFF"/>
+                </a:solidFill>
+              </a14:hiddenFill>
+            </a:ext>
+          </a:extLst>
+        </p:spPr>
+        <p:txBody>
+          <a:bodyPr vert="horz" wrap="square" lIns="91440" tIns="45720" rIns="91440" bIns="45720" numCol="1" anchor="t" anchorCtr="0" compatLnSpc="1">
+            <a:prstTxWarp prst="textNoShape">
+              <a:avLst/>
+            </a:prstTxWarp>
+          </a:bodyPr>
+          <a:lstStyle/>
+          <a:p>
+            <a:endParaRPr lang="en-IN"/>
+          </a:p>
+        </p:txBody>
+      </p:sp>
+      <p:pic>
+        <p:nvPicPr>
+          <p:cNvPr id="6" name="Picture 5"/>
+          <p:cNvPicPr>
+            <a:picLocks noChangeAspect="1"/>
+          </p:cNvPicPr>
+          <p:nvPr/>
+        </p:nvPicPr>
+        <p:blipFill>
+          <a:blip r:embed="rId2"/>
+          <a:stretch>
+            <a:fillRect/>
+          </a:stretch>
+        </p:blipFill>
+        <p:spPr>
+          <a:xfrm>
+            <a:off x="8248100" y="0"/>
+            <a:ext cx="3943900" cy="6858000"/>
+          </a:xfrm>
+          <a:prstGeom prst="rect">
+            <a:avLst/>
+          </a:prstGeom>
+        </p:spPr>
+      </p:pic>
     </p:spTree>
     <p:extLst>
       <p:ext uri="{BB962C8B-B14F-4D97-AF65-F5344CB8AC3E}">
@@ -7546,43 +7691,13 @@
           <a:chExt cx="0" cy="0"/>
         </a:xfrm>
       </p:grpSpPr>
-      <p:sp>
-        <p:nvSpPr>
-          <p:cNvPr id="2" name="Title 1"/>
-          <p:cNvSpPr>
-            <a:spLocks noGrp="1"/>
-          </p:cNvSpPr>
-          <p:nvPr>
-            <p:ph type="title"/>
-          </p:nvPr>
-        </p:nvSpPr>
-        <p:spPr>
-          <a:xfrm>
-            <a:off x="1072187" y="-503348"/>
-            <a:ext cx="10018713" cy="1752599"/>
-          </a:xfrm>
-        </p:spPr>
-        <p:txBody>
-          <a:bodyPr/>
-          <a:lstStyle/>
-          <a:p>
-            <a:r>
-              <a:rPr lang="en-US" dirty="0" smtClean="0"/>
-              <a:t>Use Case Diagram</a:t>
-            </a:r>
-            <a:endParaRPr lang="en-IN" dirty="0"/>
-          </a:p>
-        </p:txBody>
-      </p:sp>
       <p:pic>
         <p:nvPicPr>
-          <p:cNvPr id="4" name="Content Placeholder 3"/>
+          <p:cNvPr id="2" name="Picture 1"/>
           <p:cNvPicPr>
-            <a:picLocks noGrp="1" noChangeAspect="1"/>
+            <a:picLocks noChangeAspect="1"/>
           </p:cNvPicPr>
-          <p:nvPr>
-            <p:ph idx="1"/>
-          </p:nvPr>
+          <p:nvPr/>
         </p:nvPicPr>
         <p:blipFill>
           <a:blip r:embed="rId2"/>
@@ -7592,18 +7707,47 @@
         </p:blipFill>
         <p:spPr>
           <a:xfrm>
-            <a:off x="478505" y="991673"/>
-            <a:ext cx="11206075" cy="5608749"/>
+            <a:off x="1378039" y="1558343"/>
+            <a:ext cx="8731876" cy="5125792"/>
           </a:xfrm>
           <a:prstGeom prst="rect">
             <a:avLst/>
           </a:prstGeom>
         </p:spPr>
       </p:pic>
+      <p:sp>
+        <p:nvSpPr>
+          <p:cNvPr id="3" name="Rectangle 2"/>
+          <p:cNvSpPr/>
+          <p:nvPr/>
+        </p:nvSpPr>
+        <p:spPr>
+          <a:xfrm>
+            <a:off x="4004415" y="423860"/>
+            <a:ext cx="4447051" cy="707886"/>
+          </a:xfrm>
+          <a:prstGeom prst="rect">
+            <a:avLst/>
+          </a:prstGeom>
+        </p:spPr>
+        <p:txBody>
+          <a:bodyPr wrap="none">
+            <a:spAutoFit/>
+          </a:bodyPr>
+          <a:lstStyle/>
+          <a:p>
+            <a:r>
+              <a:rPr lang="en-US" sz="4000" b="1" dirty="0" smtClean="0"/>
+              <a:t>Data Flow Diagram</a:t>
+            </a:r>
+            <a:endParaRPr lang="en-IN" sz="4000" b="1" dirty="0"/>
+          </a:p>
+        </p:txBody>
+      </p:sp>
     </p:spTree>
     <p:extLst>
       <p:ext uri="{BB962C8B-B14F-4D97-AF65-F5344CB8AC3E}">
-        <p14:creationId xmlns:p14="http://schemas.microsoft.com/office/powerpoint/2010/main" val="2384504113"/>
+        <p14:creationId xmlns:p14="http://schemas.microsoft.com/office/powerpoint/2010/main" val="1303279236"/>
       </p:ext>
     </p:extLst>
   </p:cSld>
@@ -7639,205 +7783,97 @@
       </p:grpSpPr>
       <p:sp>
         <p:nvSpPr>
-          <p:cNvPr id="2" name="TextBox 1"/>
-          <p:cNvSpPr txBox="1"/>
+          <p:cNvPr id="2" name="Rectangle 1"/>
+          <p:cNvSpPr/>
           <p:nvPr/>
         </p:nvSpPr>
         <p:spPr>
           <a:xfrm>
-            <a:off x="1828800" y="1661375"/>
-            <a:ext cx="7250806" cy="3693319"/>
+            <a:off x="3177635" y="333709"/>
+            <a:ext cx="5522281" cy="707886"/>
+          </a:xfrm>
+          <a:prstGeom prst="rect">
+            <a:avLst/>
+          </a:prstGeom>
+        </p:spPr>
+        <p:txBody>
+          <a:bodyPr wrap="none">
+            <a:spAutoFit/>
+          </a:bodyPr>
+          <a:lstStyle/>
+          <a:p>
+            <a:r>
+              <a:rPr lang="en-US" sz="4000" b="1" dirty="0" smtClean="0"/>
+              <a:t>Entity Relation Diagram</a:t>
+            </a:r>
+            <a:endParaRPr lang="en-IN" sz="4000" b="1" dirty="0"/>
+          </a:p>
+        </p:txBody>
+      </p:sp>
+      <p:pic>
+        <p:nvPicPr>
+          <p:cNvPr id="1026" name="Picture 1"/>
+          <p:cNvPicPr>
+            <a:picLocks noChangeAspect="1" noChangeArrowheads="1"/>
+          </p:cNvPicPr>
+          <p:nvPr/>
+        </p:nvPicPr>
+        <p:blipFill>
+          <a:blip r:embed="rId2" cstate="print">
+            <a:extLst>
+              <a:ext uri="{28A0092B-C50C-407E-A947-70E740481C1C}">
+                <a14:useLocalDpi xmlns:a14="http://schemas.microsoft.com/office/drawing/2010/main" val="0"/>
+              </a:ext>
+            </a:extLst>
+          </a:blip>
+          <a:srcRect/>
+          <a:stretch>
+            <a:fillRect/>
+          </a:stretch>
+        </p:blipFill>
+        <p:spPr bwMode="auto">
+          <a:xfrm>
+            <a:off x="785611" y="1403797"/>
+            <a:ext cx="10831133" cy="5306096"/>
           </a:xfrm>
           <a:prstGeom prst="rect">
             <a:avLst/>
           </a:prstGeom>
           <a:noFill/>
+          <a:ln>
+            <a:noFill/>
+          </a:ln>
+          <a:extLst>
+            <a:ext uri="{909E8E84-426E-40DD-AFC4-6F175D3DCCD1}">
+              <a14:hiddenFill xmlns:a14="http://schemas.microsoft.com/office/drawing/2010/main">
+                <a:solidFill>
+                  <a:srgbClr val="FFFFFF"/>
+                </a:solidFill>
+              </a14:hiddenFill>
+            </a:ext>
+            <a:ext uri="{91240B29-F687-4F45-9708-019B960494DF}">
+              <a14:hiddenLine xmlns:a14="http://schemas.microsoft.com/office/drawing/2010/main" w="9525">
+                <a:solidFill>
+                  <a:srgbClr val="000000"/>
+                </a:solidFill>
+                <a:miter lim="800000"/>
+                <a:headEnd/>
+                <a:tailEnd/>
+              </a14:hiddenLine>
+            </a:ext>
+          </a:extLst>
         </p:spPr>
-        <p:txBody>
-          <a:bodyPr wrap="square" rtlCol="0">
-            <a:spAutoFit/>
-          </a:bodyPr>
-          <a:lstStyle/>
-          <a:p>
-            <a:pPr marL="342900" indent="-342900">
-              <a:buFont typeface="Wingdings" pitchFamily="2" charset="2"/>
-              <a:buChar char="q"/>
-            </a:pPr>
-            <a:r>
-              <a:rPr lang="en-IN" b="1" dirty="0"/>
-              <a:t>Hardware Requirements</a:t>
-            </a:r>
-          </a:p>
-          <a:p>
-            <a:r>
-              <a:rPr lang="en-IN" dirty="0"/>
-              <a:t>          Processor: Intel i3 or above</a:t>
-            </a:r>
-          </a:p>
-          <a:p>
-            <a:r>
-              <a:rPr lang="en-IN" dirty="0"/>
-              <a:t>          RAM: Minimum 4 GB</a:t>
-            </a:r>
-          </a:p>
-          <a:p>
-            <a:r>
-              <a:rPr lang="en-IN" dirty="0"/>
-              <a:t>          Storage: 100GB HDD or SSD</a:t>
-            </a:r>
-          </a:p>
-          <a:p>
-            <a:endParaRPr lang="en-IN" dirty="0"/>
-          </a:p>
-          <a:p>
-            <a:pPr marL="342900" indent="-342900">
-              <a:buFont typeface="Wingdings" pitchFamily="2" charset="2"/>
-              <a:buChar char="q"/>
-            </a:pPr>
-            <a:r>
-              <a:rPr lang="en-IN" b="1" dirty="0"/>
-              <a:t>Software Requirements</a:t>
-            </a:r>
-          </a:p>
-          <a:p>
-            <a:r>
-              <a:rPr lang="en-IN" b="1" dirty="0"/>
-              <a:t>          </a:t>
-            </a:r>
-            <a:r>
-              <a:rPr lang="en-IN" dirty="0"/>
-              <a:t>Operating System: Windows 10 or Later</a:t>
-            </a:r>
-          </a:p>
-          <a:p>
-            <a:r>
-              <a:rPr lang="en-IN" sz="1600" dirty="0"/>
-              <a:t>             </a:t>
-            </a:r>
-            <a:r>
-              <a:rPr lang="en-IN" dirty="0"/>
-              <a:t>Frontend: HTML, CSS, </a:t>
-            </a:r>
-            <a:r>
-              <a:rPr lang="en-IN" dirty="0" err="1"/>
-              <a:t>Javascript</a:t>
-            </a:r>
-            <a:r>
-              <a:rPr lang="en-IN" dirty="0"/>
-              <a:t>,  React.js</a:t>
-            </a:r>
-          </a:p>
-          <a:p>
-            <a:r>
-              <a:rPr lang="en-IN" dirty="0"/>
-              <a:t>           Backend: ASP.NET </a:t>
-            </a:r>
-            <a:r>
-              <a:rPr lang="en-IN" smtClean="0"/>
-              <a:t>Core 8.0 Web </a:t>
-            </a:r>
-            <a:r>
-              <a:rPr lang="en-IN" dirty="0" smtClean="0"/>
-              <a:t>App</a:t>
-            </a:r>
-            <a:endParaRPr lang="en-IN" dirty="0"/>
-          </a:p>
-          <a:p>
-            <a:r>
-              <a:rPr lang="en-IN" dirty="0"/>
-              <a:t>           Database: </a:t>
-            </a:r>
-            <a:r>
-              <a:rPr lang="en-IN" dirty="0" smtClean="0"/>
-              <a:t>MYSQL</a:t>
-            </a:r>
-            <a:endParaRPr lang="en-IN" dirty="0"/>
-          </a:p>
-          <a:p>
-            <a:r>
-              <a:rPr lang="en-IN" dirty="0"/>
-              <a:t>           Server: </a:t>
-            </a:r>
-            <a:r>
-              <a:rPr lang="en-IN" dirty="0" smtClean="0"/>
-              <a:t>http</a:t>
-            </a:r>
-            <a:endParaRPr lang="en-IN" dirty="0"/>
-          </a:p>
-          <a:p>
-            <a:r>
-              <a:rPr lang="en-IN" dirty="0"/>
-              <a:t>           IDE: Visual Studio, VS Code</a:t>
-            </a:r>
-          </a:p>
-          <a:p>
-            <a:endParaRPr lang="en-IN" dirty="0"/>
-          </a:p>
-        </p:txBody>
-      </p:sp>
-      <p:sp>
-        <p:nvSpPr>
-          <p:cNvPr id="3" name="Rectangle 2"/>
-          <p:cNvSpPr/>
-          <p:nvPr/>
-        </p:nvSpPr>
-        <p:spPr>
-          <a:xfrm>
-            <a:off x="1590057" y="436739"/>
-            <a:ext cx="8290668" cy="707886"/>
-          </a:xfrm>
-          <a:prstGeom prst="rect">
-            <a:avLst/>
-          </a:prstGeom>
-        </p:spPr>
-        <p:txBody>
-          <a:bodyPr wrap="none">
-            <a:spAutoFit/>
-          </a:bodyPr>
-          <a:lstStyle/>
-          <a:p>
-            <a:pPr algn="ctr"/>
-            <a:r>
-              <a:rPr lang="en-IN" sz="4000" b="1" dirty="0"/>
-              <a:t>Software</a:t>
-            </a:r>
-            <a:r>
-              <a:rPr lang="en-IN" dirty="0"/>
-              <a:t> </a:t>
-            </a:r>
-            <a:r>
-              <a:rPr lang="en-IN" sz="4000" b="1" dirty="0"/>
-              <a:t>Requirements</a:t>
-            </a:r>
-            <a:r>
-              <a:rPr lang="en-IN" dirty="0"/>
-              <a:t> </a:t>
-            </a:r>
-            <a:r>
-              <a:rPr lang="en-IN" sz="4000" b="1" dirty="0"/>
-              <a:t>Specification</a:t>
-            </a:r>
-            <a:endParaRPr lang="en-IN" sz="4000" b="1" dirty="0"/>
-          </a:p>
-        </p:txBody>
-      </p:sp>
+      </p:pic>
     </p:spTree>
     <p:extLst>
       <p:ext uri="{BB962C8B-B14F-4D97-AF65-F5344CB8AC3E}">
-        <p14:creationId xmlns:p14="http://schemas.microsoft.com/office/powerpoint/2010/main" val="2497168187"/>
+        <p14:creationId xmlns:p14="http://schemas.microsoft.com/office/powerpoint/2010/main" val="3334203676"/>
       </p:ext>
     </p:extLst>
   </p:cSld>
   <p:clrMapOvr>
     <a:masterClrMapping/>
   </p:clrMapOvr>
-  <p:timing>
-    <p:tnLst>
-      <p:par>
-        <p:cTn id="1" dur="indefinite" restart="never" nodeType="tmRoot"/>
-      </p:par>
-    </p:tnLst>
-  </p:timing>
 </p:sld>
 </file>
 
@@ -7860,103 +7896,97 @@
       </p:grpSpPr>
       <p:sp>
         <p:nvSpPr>
-          <p:cNvPr id="2" name="Title 1"/>
-          <p:cNvSpPr>
-            <a:spLocks noGrp="1"/>
-          </p:cNvSpPr>
-          <p:nvPr>
-            <p:ph type="title"/>
-          </p:nvPr>
-        </p:nvSpPr>
-        <p:spPr/>
-        <p:txBody>
-          <a:bodyPr/>
-          <a:lstStyle/>
-          <a:p>
-            <a:r>
-              <a:rPr lang="en-US" dirty="0" smtClean="0"/>
-              <a:t>Conclusion</a:t>
-            </a:r>
-            <a:endParaRPr lang="en-IN" dirty="0"/>
-          </a:p>
-        </p:txBody>
-      </p:sp>
-      <p:sp>
-        <p:nvSpPr>
-          <p:cNvPr id="3" name="Content Placeholder 2"/>
-          <p:cNvSpPr>
-            <a:spLocks noGrp="1"/>
-          </p:cNvSpPr>
-          <p:nvPr>
-            <p:ph idx="1"/>
-          </p:nvPr>
-        </p:nvSpPr>
-        <p:spPr/>
-        <p:txBody>
-          <a:bodyPr>
-            <a:noAutofit/>
+          <p:cNvPr id="2" name="Rectangle 1"/>
+          <p:cNvSpPr/>
+          <p:nvPr/>
+        </p:nvSpPr>
+        <p:spPr>
+          <a:xfrm>
+            <a:off x="3177635" y="333709"/>
+            <a:ext cx="4170501" cy="707886"/>
+          </a:xfrm>
+          <a:prstGeom prst="rect">
+            <a:avLst/>
+          </a:prstGeom>
+        </p:spPr>
+        <p:txBody>
+          <a:bodyPr wrap="none">
+            <a:spAutoFit/>
           </a:bodyPr>
           <a:lstStyle/>
           <a:p>
             <a:r>
-              <a:rPr lang="en-US" sz="2000" dirty="0">
-                <a:latin typeface="Times New Roman" panose="02020603050405020304" pitchFamily="18" charset="0"/>
-                <a:cs typeface="Times New Roman" panose="02020603050405020304" pitchFamily="18" charset="0"/>
-              </a:rPr>
-              <a:t>The </a:t>
-            </a:r>
-            <a:r>
-              <a:rPr lang="en-US" sz="2000" b="1" dirty="0">
-                <a:latin typeface="Times New Roman" panose="02020603050405020304" pitchFamily="18" charset="0"/>
-                <a:cs typeface="Times New Roman" panose="02020603050405020304" pitchFamily="18" charset="0"/>
-              </a:rPr>
-              <a:t>Digital Health Card System</a:t>
-            </a:r>
-            <a:r>
-              <a:rPr lang="en-US" sz="2000" dirty="0">
-                <a:latin typeface="Times New Roman" panose="02020603050405020304" pitchFamily="18" charset="0"/>
-                <a:cs typeface="Times New Roman" panose="02020603050405020304" pitchFamily="18" charset="0"/>
-              </a:rPr>
-              <a:t> successfully provides a secure and efficient platform for managing patient medical records digitally. By eliminating the need for physical reports and introducing </a:t>
-            </a:r>
-            <a:r>
-              <a:rPr lang="en-US" sz="2000" dirty="0" err="1">
-                <a:latin typeface="Times New Roman" panose="02020603050405020304" pitchFamily="18" charset="0"/>
-                <a:cs typeface="Times New Roman" panose="02020603050405020304" pitchFamily="18" charset="0"/>
-              </a:rPr>
-              <a:t>Aadhaar</a:t>
-            </a:r>
-            <a:r>
-              <a:rPr lang="en-US" sz="2000" dirty="0">
-                <a:latin typeface="Times New Roman" panose="02020603050405020304" pitchFamily="18" charset="0"/>
-                <a:cs typeface="Times New Roman" panose="02020603050405020304" pitchFamily="18" charset="0"/>
-              </a:rPr>
-              <a:t>-based authentication, the system ensures easy access and improved reliability of medical data. Role-based access control and admin verification enhance system security, while digital report uploads by doctors and lab technicians ensure accurate and up-to-date medical information. The emergency access feature further strengthens the system by enabling timely treatment during critical situations. Overall, the system contributes to a more organized, accessible, and patient-centric healthcare management approach and has the potential for future expansion with advanced technologies and real-world integrations.</a:t>
-            </a:r>
-            <a:endParaRPr lang="en-IN" sz="2000" dirty="0">
-              <a:latin typeface="Times New Roman" panose="02020603050405020304" pitchFamily="18" charset="0"/>
-              <a:cs typeface="Times New Roman" panose="02020603050405020304" pitchFamily="18" charset="0"/>
-            </a:endParaRPr>
-          </a:p>
-        </p:txBody>
-      </p:sp>
+              <a:rPr lang="en-US" sz="4000" b="1" dirty="0" smtClean="0"/>
+              <a:t>Use Case Diagram</a:t>
+            </a:r>
+            <a:endParaRPr lang="en-IN" sz="4000" b="1" dirty="0"/>
+          </a:p>
+        </p:txBody>
+      </p:sp>
+      <p:pic>
+        <p:nvPicPr>
+          <p:cNvPr id="2050" name="Picture 1"/>
+          <p:cNvPicPr>
+            <a:picLocks noChangeAspect="1" noChangeArrowheads="1"/>
+          </p:cNvPicPr>
+          <p:nvPr/>
+        </p:nvPicPr>
+        <p:blipFill>
+          <a:blip r:embed="rId2">
+            <a:extLst>
+              <a:ext uri="{28A0092B-C50C-407E-A947-70E740481C1C}">
+                <a14:useLocalDpi xmlns:a14="http://schemas.microsoft.com/office/drawing/2010/main" val="0"/>
+              </a:ext>
+            </a:extLst>
+          </a:blip>
+          <a:srcRect/>
+          <a:stretch>
+            <a:fillRect/>
+          </a:stretch>
+        </p:blipFill>
+        <p:spPr bwMode="auto">
+          <a:xfrm>
+            <a:off x="1326524" y="1447196"/>
+            <a:ext cx="9259909" cy="5249818"/>
+          </a:xfrm>
+          <a:prstGeom prst="rect">
+            <a:avLst/>
+          </a:prstGeom>
+          <a:noFill/>
+          <a:ln>
+            <a:noFill/>
+          </a:ln>
+          <a:extLst>
+            <a:ext uri="{909E8E84-426E-40DD-AFC4-6F175D3DCCD1}">
+              <a14:hiddenFill xmlns:a14="http://schemas.microsoft.com/office/drawing/2010/main">
+                <a:solidFill>
+                  <a:srgbClr val="FFFFFF"/>
+                </a:solidFill>
+              </a14:hiddenFill>
+            </a:ext>
+            <a:ext uri="{91240B29-F687-4F45-9708-019B960494DF}">
+              <a14:hiddenLine xmlns:a14="http://schemas.microsoft.com/office/drawing/2010/main" w="9525">
+                <a:solidFill>
+                  <a:srgbClr val="000000"/>
+                </a:solidFill>
+                <a:miter lim="800000"/>
+                <a:headEnd/>
+                <a:tailEnd/>
+              </a14:hiddenLine>
+            </a:ext>
+          </a:extLst>
+        </p:spPr>
+      </p:pic>
     </p:spTree>
     <p:extLst>
       <p:ext uri="{BB962C8B-B14F-4D97-AF65-F5344CB8AC3E}">
-        <p14:creationId xmlns:p14="http://schemas.microsoft.com/office/powerpoint/2010/main" val="3330818025"/>
+        <p14:creationId xmlns:p14="http://schemas.microsoft.com/office/powerpoint/2010/main" val="1447519128"/>
       </p:ext>
     </p:extLst>
   </p:cSld>
   <p:clrMapOvr>
     <a:masterClrMapping/>
   </p:clrMapOvr>
-  <p:timing>
-    <p:tnLst>
-      <p:par>
-        <p:cTn id="1" dur="indefinite" restart="never" nodeType="tmRoot"/>
-      </p:par>
-    </p:tnLst>
-  </p:timing>
 </p:sld>
 </file>
 
@@ -7977,43 +8007,31 @@
           <a:chExt cx="0" cy="0"/>
         </a:xfrm>
       </p:grpSpPr>
-      <p:sp>
-        <p:nvSpPr>
-          <p:cNvPr id="2" name="Title 1"/>
-          <p:cNvSpPr>
-            <a:spLocks noGrp="1"/>
-          </p:cNvSpPr>
-          <p:nvPr>
-            <p:ph type="title"/>
-          </p:nvPr>
-        </p:nvSpPr>
-        <p:spPr/>
-        <p:txBody>
-          <a:bodyPr/>
-          <a:lstStyle/>
-          <a:p>
-            <a:r>
-              <a:rPr lang="en-US" dirty="0" smtClean="0"/>
-              <a:t>Future Scope</a:t>
-            </a:r>
-            <a:endParaRPr lang="en-IN" dirty="0"/>
-          </a:p>
-        </p:txBody>
-      </p:sp>
-      <p:sp>
-        <p:nvSpPr>
-          <p:cNvPr id="5" name="Rectangle 2"/>
-          <p:cNvSpPr>
-            <a:spLocks noGrp="1" noChangeArrowheads="1"/>
-          </p:cNvSpPr>
-          <p:nvPr>
-            <p:ph idx="1"/>
-          </p:nvPr>
-        </p:nvSpPr>
+      <p:pic>
+        <p:nvPicPr>
+          <p:cNvPr id="3074" name="Picture 1"/>
+          <p:cNvPicPr>
+            <a:picLocks noChangeAspect="1" noChangeArrowheads="1"/>
+          </p:cNvPicPr>
+          <p:nvPr/>
+        </p:nvPicPr>
+        <p:blipFill>
+          <a:blip r:embed="rId2">
+            <a:extLst>
+              <a:ext uri="{28A0092B-C50C-407E-A947-70E740481C1C}">
+                <a14:useLocalDpi xmlns:a14="http://schemas.microsoft.com/office/drawing/2010/main" val="0"/>
+              </a:ext>
+            </a:extLst>
+          </a:blip>
+          <a:srcRect/>
+          <a:stretch>
+            <a:fillRect/>
+          </a:stretch>
+        </p:blipFill>
         <p:spPr bwMode="auto">
           <a:xfrm>
-            <a:off x="1484310" y="2951827"/>
-            <a:ext cx="6375143" cy="2554545"/>
+            <a:off x="1107584" y="1468192"/>
+            <a:ext cx="10393250" cy="4958365"/>
           </a:xfrm>
           <a:prstGeom prst="rect">
             <a:avLst/>
@@ -8022,389 +8040,66 @@
           <a:ln>
             <a:noFill/>
           </a:ln>
-          <a:effectLst/>
           <a:extLst>
             <a:ext uri="{909E8E84-426E-40DD-AFC4-6F175D3DCCD1}">
               <a14:hiddenFill xmlns:a14="http://schemas.microsoft.com/office/drawing/2010/main">
                 <a:solidFill>
-                  <a:schemeClr val="accent1"/>
+                  <a:srgbClr val="FFFFFF"/>
                 </a:solidFill>
               </a14:hiddenFill>
             </a:ext>
             <a:ext uri="{91240B29-F687-4F45-9708-019B960494DF}">
               <a14:hiddenLine xmlns:a14="http://schemas.microsoft.com/office/drawing/2010/main" w="9525">
                 <a:solidFill>
-                  <a:schemeClr val="tx1"/>
+                  <a:srgbClr val="000000"/>
                 </a:solidFill>
                 <a:miter lim="800000"/>
                 <a:headEnd/>
                 <a:tailEnd/>
               </a14:hiddenLine>
             </a:ext>
-            <a:ext uri="{AF507438-7753-43E0-B8FC-AC1667EBCBE1}">
-              <a14:hiddenEffects xmlns:a14="http://schemas.microsoft.com/office/drawing/2010/main">
-                <a:effectLst>
-                  <a:outerShdw dist="35921" dir="2700000" algn="ctr" rotWithShape="0">
-                    <a:schemeClr val="bg2"/>
-                  </a:outerShdw>
-                </a:effectLst>
-              </a14:hiddenEffects>
-            </a:ext>
           </a:extLst>
         </p:spPr>
-        <p:txBody>
-          <a:bodyPr vert="horz" wrap="none" lIns="91440" tIns="45720" rIns="91440" bIns="45720" numCol="1" anchor="ctr" anchorCtr="0" compatLnSpc="1">
-            <a:prstTxWarp prst="textNoShape">
-              <a:avLst/>
-            </a:prstTxWarp>
+      </p:pic>
+      <p:sp>
+        <p:nvSpPr>
+          <p:cNvPr id="2" name="Rectangle 1"/>
+          <p:cNvSpPr/>
+          <p:nvPr/>
+        </p:nvSpPr>
+        <p:spPr>
+          <a:xfrm>
+            <a:off x="3956484" y="282193"/>
+            <a:ext cx="3329758" cy="707886"/>
+          </a:xfrm>
+          <a:prstGeom prst="rect">
+            <a:avLst/>
+          </a:prstGeom>
+        </p:spPr>
+        <p:txBody>
+          <a:bodyPr wrap="none">
             <a:spAutoFit/>
           </a:bodyPr>
           <a:lstStyle/>
           <a:p>
-            <a:pPr marL="0" marR="0" lvl="0" indent="0" algn="l" defTabSz="914400" rtl="0" eaLnBrk="0" fontAlgn="base" latinLnBrk="0" hangingPunct="0">
-              <a:lnSpc>
-                <a:spcPct val="100000"/>
-              </a:lnSpc>
-              <a:spcBef>
-                <a:spcPct val="0"/>
-              </a:spcBef>
-              <a:spcAft>
-                <a:spcPct val="0"/>
-              </a:spcAft>
-              <a:buClrTx/>
-              <a:buSzTx/>
-              <a:buFontTx/>
-              <a:buChar char="•"/>
-              <a:tabLst/>
-            </a:pPr>
-            <a:r>
-              <a:rPr kumimoji="0" lang="en-US" sz="2000" b="0" i="0" u="none" strike="noStrike" cap="none" normalizeH="0" baseline="0" dirty="0" smtClean="0">
-                <a:ln>
-                  <a:noFill/>
-                </a:ln>
-                <a:solidFill>
-                  <a:schemeClr val="tx1"/>
-                </a:solidFill>
-                <a:effectLst/>
-                <a:latin typeface="Times New Roman" panose="02020603050405020304" pitchFamily="18" charset="0"/>
-                <a:cs typeface="Times New Roman" panose="02020603050405020304" pitchFamily="18" charset="0"/>
-              </a:rPr>
-              <a:t>Integration with </a:t>
-            </a:r>
-            <a:r>
-              <a:rPr kumimoji="0" lang="en-US" sz="2000" b="1" i="0" u="none" strike="noStrike" cap="none" normalizeH="0" baseline="0" dirty="0" smtClean="0">
-                <a:ln>
-                  <a:noFill/>
-                </a:ln>
-                <a:solidFill>
-                  <a:schemeClr val="tx1"/>
-                </a:solidFill>
-                <a:effectLst/>
-                <a:latin typeface="Times New Roman" panose="02020603050405020304" pitchFamily="18" charset="0"/>
-                <a:cs typeface="Times New Roman" panose="02020603050405020304" pitchFamily="18" charset="0"/>
-              </a:rPr>
-              <a:t>real </a:t>
-            </a:r>
-            <a:r>
-              <a:rPr kumimoji="0" lang="en-US" sz="2000" b="1" i="0" u="none" strike="noStrike" cap="none" normalizeH="0" baseline="0" dirty="0" err="1" smtClean="0">
-                <a:ln>
-                  <a:noFill/>
-                </a:ln>
-                <a:solidFill>
-                  <a:schemeClr val="tx1"/>
-                </a:solidFill>
-                <a:effectLst/>
-                <a:latin typeface="Times New Roman" panose="02020603050405020304" pitchFamily="18" charset="0"/>
-                <a:cs typeface="Times New Roman" panose="02020603050405020304" pitchFamily="18" charset="0"/>
-              </a:rPr>
-              <a:t>Aadhaar</a:t>
-            </a:r>
-            <a:r>
-              <a:rPr kumimoji="0" lang="en-US" sz="2000" b="1" i="0" u="none" strike="noStrike" cap="none" normalizeH="0" baseline="0" dirty="0" smtClean="0">
-                <a:ln>
-                  <a:noFill/>
-                </a:ln>
-                <a:solidFill>
-                  <a:schemeClr val="tx1"/>
-                </a:solidFill>
-                <a:effectLst/>
-                <a:latin typeface="Times New Roman" panose="02020603050405020304" pitchFamily="18" charset="0"/>
-                <a:cs typeface="Times New Roman" panose="02020603050405020304" pitchFamily="18" charset="0"/>
-              </a:rPr>
-              <a:t> APIs</a:t>
-            </a:r>
-            <a:r>
-              <a:rPr kumimoji="0" lang="en-US" sz="2000" b="0" i="0" u="none" strike="noStrike" cap="none" normalizeH="0" baseline="0" dirty="0" smtClean="0">
-                <a:ln>
-                  <a:noFill/>
-                </a:ln>
-                <a:solidFill>
-                  <a:schemeClr val="tx1"/>
-                </a:solidFill>
-                <a:effectLst/>
-                <a:latin typeface="Times New Roman" panose="02020603050405020304" pitchFamily="18" charset="0"/>
-                <a:cs typeface="Times New Roman" panose="02020603050405020304" pitchFamily="18" charset="0"/>
-              </a:rPr>
-              <a:t> for live verification</a:t>
-            </a:r>
-          </a:p>
-          <a:p>
-            <a:pPr marL="0" marR="0" lvl="0" indent="0" algn="l" defTabSz="914400" rtl="0" eaLnBrk="0" fontAlgn="base" latinLnBrk="0" hangingPunct="0">
-              <a:lnSpc>
-                <a:spcPct val="100000"/>
-              </a:lnSpc>
-              <a:spcBef>
-                <a:spcPct val="0"/>
-              </a:spcBef>
-              <a:spcAft>
-                <a:spcPct val="0"/>
-              </a:spcAft>
-              <a:buClrTx/>
-              <a:buSzTx/>
-              <a:buFontTx/>
-              <a:buChar char="•"/>
-              <a:tabLst/>
-            </a:pPr>
-            <a:r>
-              <a:rPr kumimoji="0" lang="en-US" sz="2000" b="0" i="0" u="none" strike="noStrike" cap="none" normalizeH="0" baseline="0" dirty="0" smtClean="0">
-                <a:ln>
-                  <a:noFill/>
-                </a:ln>
-                <a:solidFill>
-                  <a:schemeClr val="tx1"/>
-                </a:solidFill>
-                <a:effectLst/>
-                <a:latin typeface="Times New Roman" panose="02020603050405020304" pitchFamily="18" charset="0"/>
-                <a:cs typeface="Times New Roman" panose="02020603050405020304" pitchFamily="18" charset="0"/>
-              </a:rPr>
-              <a:t>Mobile application version of the system</a:t>
-            </a:r>
-          </a:p>
-          <a:p>
-            <a:pPr marL="0" marR="0" lvl="0" indent="0" algn="l" defTabSz="914400" rtl="0" eaLnBrk="0" fontAlgn="base" latinLnBrk="0" hangingPunct="0">
-              <a:lnSpc>
-                <a:spcPct val="100000"/>
-              </a:lnSpc>
-              <a:spcBef>
-                <a:spcPct val="0"/>
-              </a:spcBef>
-              <a:spcAft>
-                <a:spcPct val="0"/>
-              </a:spcAft>
-              <a:buClrTx/>
-              <a:buSzTx/>
-              <a:buFontTx/>
-              <a:buChar char="•"/>
-              <a:tabLst/>
-            </a:pPr>
-            <a:r>
-              <a:rPr kumimoji="0" lang="en-US" sz="2000" b="0" i="0" u="none" strike="noStrike" cap="none" normalizeH="0" baseline="0" dirty="0" smtClean="0">
-                <a:ln>
-                  <a:noFill/>
-                </a:ln>
-                <a:solidFill>
-                  <a:schemeClr val="tx1"/>
-                </a:solidFill>
-                <a:effectLst/>
-                <a:latin typeface="Times New Roman" panose="02020603050405020304" pitchFamily="18" charset="0"/>
-                <a:cs typeface="Times New Roman" panose="02020603050405020304" pitchFamily="18" charset="0"/>
-              </a:rPr>
-              <a:t>Biometric authentication for enhanced security</a:t>
-            </a:r>
-          </a:p>
-          <a:p>
-            <a:pPr marL="0" marR="0" lvl="0" indent="0" algn="l" defTabSz="914400" rtl="0" eaLnBrk="0" fontAlgn="base" latinLnBrk="0" hangingPunct="0">
-              <a:lnSpc>
-                <a:spcPct val="100000"/>
-              </a:lnSpc>
-              <a:spcBef>
-                <a:spcPct val="0"/>
-              </a:spcBef>
-              <a:spcAft>
-                <a:spcPct val="0"/>
-              </a:spcAft>
-              <a:buClrTx/>
-              <a:buSzTx/>
-              <a:buFontTx/>
-              <a:buChar char="•"/>
-              <a:tabLst/>
-            </a:pPr>
-            <a:r>
-              <a:rPr kumimoji="0" lang="en-US" sz="2000" b="0" i="0" u="none" strike="noStrike" cap="none" normalizeH="0" baseline="0" dirty="0" smtClean="0">
-                <a:ln>
-                  <a:noFill/>
-                </a:ln>
-                <a:solidFill>
-                  <a:schemeClr val="tx1"/>
-                </a:solidFill>
-                <a:effectLst/>
-                <a:latin typeface="Times New Roman" panose="02020603050405020304" pitchFamily="18" charset="0"/>
-                <a:cs typeface="Times New Roman" panose="02020603050405020304" pitchFamily="18" charset="0"/>
-              </a:rPr>
-              <a:t>AI-based health analysis and report predictions</a:t>
-            </a:r>
-          </a:p>
-          <a:p>
-            <a:pPr marL="0" marR="0" lvl="0" indent="0" algn="l" defTabSz="914400" rtl="0" eaLnBrk="0" fontAlgn="base" latinLnBrk="0" hangingPunct="0">
-              <a:lnSpc>
-                <a:spcPct val="100000"/>
-              </a:lnSpc>
-              <a:spcBef>
-                <a:spcPct val="0"/>
-              </a:spcBef>
-              <a:spcAft>
-                <a:spcPct val="0"/>
-              </a:spcAft>
-              <a:buClrTx/>
-              <a:buSzTx/>
-              <a:buFontTx/>
-              <a:buChar char="•"/>
-              <a:tabLst/>
-            </a:pPr>
-            <a:r>
-              <a:rPr kumimoji="0" lang="en-US" sz="2000" b="0" i="0" u="none" strike="noStrike" cap="none" normalizeH="0" baseline="0" dirty="0" smtClean="0">
-                <a:ln>
-                  <a:noFill/>
-                </a:ln>
-                <a:solidFill>
-                  <a:schemeClr val="tx1"/>
-                </a:solidFill>
-                <a:effectLst/>
-                <a:latin typeface="Times New Roman" panose="02020603050405020304" pitchFamily="18" charset="0"/>
-                <a:cs typeface="Times New Roman" panose="02020603050405020304" pitchFamily="18" charset="0"/>
-              </a:rPr>
-              <a:t>Integration with hospitals and pharmacies</a:t>
-            </a:r>
-          </a:p>
-          <a:p>
-            <a:pPr marL="0" marR="0" lvl="0" indent="0" algn="l" defTabSz="914400" rtl="0" eaLnBrk="0" fontAlgn="base" latinLnBrk="0" hangingPunct="0">
-              <a:lnSpc>
-                <a:spcPct val="100000"/>
-              </a:lnSpc>
-              <a:spcBef>
-                <a:spcPct val="0"/>
-              </a:spcBef>
-              <a:spcAft>
-                <a:spcPct val="0"/>
-              </a:spcAft>
-              <a:buClrTx/>
-              <a:buSzTx/>
-              <a:buFontTx/>
-              <a:buChar char="•"/>
-              <a:tabLst/>
-            </a:pPr>
-            <a:r>
-              <a:rPr kumimoji="0" lang="en-US" sz="2000" b="0" i="0" u="none" strike="noStrike" cap="none" normalizeH="0" baseline="0" dirty="0" err="1" smtClean="0">
-                <a:ln>
-                  <a:noFill/>
-                </a:ln>
-                <a:solidFill>
-                  <a:schemeClr val="tx1"/>
-                </a:solidFill>
-                <a:effectLst/>
-                <a:latin typeface="Times New Roman" panose="02020603050405020304" pitchFamily="18" charset="0"/>
-                <a:cs typeface="Times New Roman" panose="02020603050405020304" pitchFamily="18" charset="0"/>
-              </a:rPr>
-              <a:t>Blockchain</a:t>
-            </a:r>
-            <a:r>
-              <a:rPr kumimoji="0" lang="en-US" sz="2000" b="0" i="0" u="none" strike="noStrike" cap="none" normalizeH="0" baseline="0" dirty="0" smtClean="0">
-                <a:ln>
-                  <a:noFill/>
-                </a:ln>
-                <a:solidFill>
-                  <a:schemeClr val="tx1"/>
-                </a:solidFill>
-                <a:effectLst/>
-                <a:latin typeface="Times New Roman" panose="02020603050405020304" pitchFamily="18" charset="0"/>
-                <a:cs typeface="Times New Roman" panose="02020603050405020304" pitchFamily="18" charset="0"/>
-              </a:rPr>
-              <a:t>-based storage for tamper-proof medical records</a:t>
-            </a:r>
-          </a:p>
-          <a:p>
-            <a:pPr marL="0" marR="0" lvl="0" indent="0" algn="l" defTabSz="914400" rtl="0" eaLnBrk="0" fontAlgn="base" latinLnBrk="0" hangingPunct="0">
-              <a:lnSpc>
-                <a:spcPct val="100000"/>
-              </a:lnSpc>
-              <a:spcBef>
-                <a:spcPct val="0"/>
-              </a:spcBef>
-              <a:spcAft>
-                <a:spcPct val="0"/>
-              </a:spcAft>
-              <a:buClrTx/>
-              <a:buSzTx/>
-              <a:buFontTx/>
-              <a:buChar char="•"/>
-              <a:tabLst/>
-            </a:pPr>
-            <a:r>
-              <a:rPr kumimoji="0" lang="en-US" sz="2000" b="0" i="0" u="none" strike="noStrike" cap="none" normalizeH="0" baseline="0" dirty="0" smtClean="0">
-                <a:ln>
-                  <a:noFill/>
-                </a:ln>
-                <a:solidFill>
-                  <a:schemeClr val="tx1"/>
-                </a:solidFill>
-                <a:effectLst/>
-                <a:latin typeface="Times New Roman" panose="02020603050405020304" pitchFamily="18" charset="0"/>
-                <a:cs typeface="Times New Roman" panose="02020603050405020304" pitchFamily="18" charset="0"/>
-              </a:rPr>
-              <a:t>Appointment scheduling and notification system</a:t>
-            </a:r>
-          </a:p>
-          <a:p>
-            <a:pPr marL="0" marR="0" lvl="0" indent="0" algn="l" defTabSz="914400" rtl="0" eaLnBrk="0" fontAlgn="base" latinLnBrk="0" hangingPunct="0">
-              <a:lnSpc>
-                <a:spcPct val="100000"/>
-              </a:lnSpc>
-              <a:spcBef>
-                <a:spcPct val="0"/>
-              </a:spcBef>
-              <a:spcAft>
-                <a:spcPct val="0"/>
-              </a:spcAft>
-              <a:buClrTx/>
-              <a:buSzTx/>
-              <a:buFontTx/>
-              <a:buChar char="•"/>
-              <a:tabLst/>
-            </a:pPr>
-            <a:r>
-              <a:rPr kumimoji="0" lang="en-US" sz="2000" b="0" i="0" u="none" strike="noStrike" cap="none" normalizeH="0" baseline="0" dirty="0" smtClean="0">
-                <a:ln>
-                  <a:noFill/>
-                </a:ln>
-                <a:solidFill>
-                  <a:schemeClr val="tx1"/>
-                </a:solidFill>
-                <a:effectLst/>
-                <a:latin typeface="Times New Roman" panose="02020603050405020304" pitchFamily="18" charset="0"/>
-                <a:cs typeface="Times New Roman" panose="02020603050405020304" pitchFamily="18" charset="0"/>
-              </a:rPr>
-              <a:t>Multi-language support for wider accessibility</a:t>
-            </a:r>
+            <a:r>
+              <a:rPr lang="en-US" sz="4000" b="1" dirty="0" smtClean="0"/>
+              <a:t>Class Diagram</a:t>
+            </a:r>
+            <a:endParaRPr lang="en-IN" sz="4000" b="1" dirty="0"/>
           </a:p>
         </p:txBody>
       </p:sp>
     </p:spTree>
     <p:extLst>
       <p:ext uri="{BB962C8B-B14F-4D97-AF65-F5344CB8AC3E}">
-        <p14:creationId xmlns:p14="http://schemas.microsoft.com/office/powerpoint/2010/main" val="3980805660"/>
+        <p14:creationId xmlns:p14="http://schemas.microsoft.com/office/powerpoint/2010/main" val="3837932852"/>
       </p:ext>
     </p:extLst>
   </p:cSld>
   <p:clrMapOvr>
     <a:masterClrMapping/>
   </p:clrMapOvr>
-  <p:timing>
-    <p:tnLst>
-      <p:par>
-        <p:cTn id="1" dur="indefinite" restart="never" nodeType="tmRoot"/>
-      </p:par>
-    </p:tnLst>
-  </p:timing>
 </p:sld>
 </file>
 
@@ -8530,6 +8225,931 @@
           <a:chExt cx="0" cy="0"/>
         </a:xfrm>
       </p:grpSpPr>
+      <p:pic>
+        <p:nvPicPr>
+          <p:cNvPr id="4098" name="Picture 1"/>
+          <p:cNvPicPr>
+            <a:picLocks noChangeAspect="1" noChangeArrowheads="1"/>
+          </p:cNvPicPr>
+          <p:nvPr/>
+        </p:nvPicPr>
+        <p:blipFill>
+          <a:blip r:embed="rId2">
+            <a:extLst>
+              <a:ext uri="{28A0092B-C50C-407E-A947-70E740481C1C}">
+                <a14:useLocalDpi xmlns:a14="http://schemas.microsoft.com/office/drawing/2010/main" val="0"/>
+              </a:ext>
+            </a:extLst>
+          </a:blip>
+          <a:srcRect/>
+          <a:stretch>
+            <a:fillRect/>
+          </a:stretch>
+        </p:blipFill>
+        <p:spPr bwMode="auto">
+          <a:xfrm>
+            <a:off x="734094" y="1532587"/>
+            <a:ext cx="10818253" cy="5048518"/>
+          </a:xfrm>
+          <a:prstGeom prst="rect">
+            <a:avLst/>
+          </a:prstGeom>
+          <a:noFill/>
+          <a:ln>
+            <a:noFill/>
+          </a:ln>
+          <a:extLst>
+            <a:ext uri="{909E8E84-426E-40DD-AFC4-6F175D3DCCD1}">
+              <a14:hiddenFill xmlns:a14="http://schemas.microsoft.com/office/drawing/2010/main">
+                <a:solidFill>
+                  <a:srgbClr val="FFFFFF"/>
+                </a:solidFill>
+              </a14:hiddenFill>
+            </a:ext>
+            <a:ext uri="{91240B29-F687-4F45-9708-019B960494DF}">
+              <a14:hiddenLine xmlns:a14="http://schemas.microsoft.com/office/drawing/2010/main" w="9525">
+                <a:solidFill>
+                  <a:srgbClr val="000000"/>
+                </a:solidFill>
+                <a:miter lim="800000"/>
+                <a:headEnd/>
+                <a:tailEnd/>
+              </a14:hiddenLine>
+            </a:ext>
+          </a:extLst>
+        </p:spPr>
+      </p:pic>
+      <p:sp>
+        <p:nvSpPr>
+          <p:cNvPr id="2" name="Rectangle 1"/>
+          <p:cNvSpPr/>
+          <p:nvPr/>
+        </p:nvSpPr>
+        <p:spPr>
+          <a:xfrm>
+            <a:off x="3964580" y="359467"/>
+            <a:ext cx="4357283" cy="707886"/>
+          </a:xfrm>
+          <a:prstGeom prst="rect">
+            <a:avLst/>
+          </a:prstGeom>
+        </p:spPr>
+        <p:txBody>
+          <a:bodyPr wrap="none">
+            <a:spAutoFit/>
+          </a:bodyPr>
+          <a:lstStyle/>
+          <a:p>
+            <a:r>
+              <a:rPr lang="en-US" sz="4000" b="1" dirty="0" smtClean="0"/>
+              <a:t>Sequence Diagram</a:t>
+            </a:r>
+            <a:endParaRPr lang="en-IN" sz="4000" b="1" dirty="0"/>
+          </a:p>
+        </p:txBody>
+      </p:sp>
+    </p:spTree>
+    <p:extLst>
+      <p:ext uri="{BB962C8B-B14F-4D97-AF65-F5344CB8AC3E}">
+        <p14:creationId xmlns:p14="http://schemas.microsoft.com/office/powerpoint/2010/main" val="3067317870"/>
+      </p:ext>
+    </p:extLst>
+  </p:cSld>
+  <p:clrMapOvr>
+    <a:masterClrMapping/>
+  </p:clrMapOvr>
+</p:sld>
+</file>
+
+<file path=ppt/slides/slide21.xml><?xml version="1.0" encoding="utf-8"?>
+<p:sld xmlns:a="http://schemas.openxmlformats.org/drawingml/2006/main" xmlns:r="http://schemas.openxmlformats.org/officeDocument/2006/relationships" xmlns:p="http://schemas.openxmlformats.org/presentationml/2006/main">
+  <p:cSld>
+    <p:spTree>
+      <p:nvGrpSpPr>
+        <p:cNvPr id="1" name=""/>
+        <p:cNvGrpSpPr/>
+        <p:nvPr/>
+      </p:nvGrpSpPr>
+      <p:grpSpPr>
+        <a:xfrm>
+          <a:off x="0" y="0"/>
+          <a:ext cx="0" cy="0"/>
+          <a:chOff x="0" y="0"/>
+          <a:chExt cx="0" cy="0"/>
+        </a:xfrm>
+      </p:grpSpPr>
+      <p:sp>
+        <p:nvSpPr>
+          <p:cNvPr id="2" name="TextBox 1"/>
+          <p:cNvSpPr txBox="1"/>
+          <p:nvPr/>
+        </p:nvSpPr>
+        <p:spPr>
+          <a:xfrm>
+            <a:off x="1828800" y="1661375"/>
+            <a:ext cx="7250806" cy="3693319"/>
+          </a:xfrm>
+          <a:prstGeom prst="rect">
+            <a:avLst/>
+          </a:prstGeom>
+          <a:noFill/>
+        </p:spPr>
+        <p:txBody>
+          <a:bodyPr wrap="square" rtlCol="0">
+            <a:spAutoFit/>
+          </a:bodyPr>
+          <a:lstStyle/>
+          <a:p>
+            <a:pPr marL="342900" indent="-342900">
+              <a:buFont typeface="Wingdings" pitchFamily="2" charset="2"/>
+              <a:buChar char="q"/>
+            </a:pPr>
+            <a:r>
+              <a:rPr lang="en-IN" b="1" dirty="0"/>
+              <a:t>Hardware Requirements</a:t>
+            </a:r>
+          </a:p>
+          <a:p>
+            <a:r>
+              <a:rPr lang="en-IN" dirty="0"/>
+              <a:t>          Processor: Intel i3 or above</a:t>
+            </a:r>
+          </a:p>
+          <a:p>
+            <a:r>
+              <a:rPr lang="en-IN" dirty="0"/>
+              <a:t>          RAM: Minimum 4 GB</a:t>
+            </a:r>
+          </a:p>
+          <a:p>
+            <a:r>
+              <a:rPr lang="en-IN" dirty="0"/>
+              <a:t>          Storage: 100GB HDD or SSD</a:t>
+            </a:r>
+          </a:p>
+          <a:p>
+            <a:endParaRPr lang="en-IN" dirty="0"/>
+          </a:p>
+          <a:p>
+            <a:pPr marL="342900" indent="-342900">
+              <a:buFont typeface="Wingdings" pitchFamily="2" charset="2"/>
+              <a:buChar char="q"/>
+            </a:pPr>
+            <a:r>
+              <a:rPr lang="en-IN" b="1" dirty="0"/>
+              <a:t>Software Requirements</a:t>
+            </a:r>
+          </a:p>
+          <a:p>
+            <a:r>
+              <a:rPr lang="en-IN" b="1" dirty="0"/>
+              <a:t>          </a:t>
+            </a:r>
+            <a:r>
+              <a:rPr lang="en-IN" dirty="0"/>
+              <a:t>Operating System: Windows 10 or Later</a:t>
+            </a:r>
+          </a:p>
+          <a:p>
+            <a:r>
+              <a:rPr lang="en-IN" sz="1600" dirty="0"/>
+              <a:t>             </a:t>
+            </a:r>
+            <a:r>
+              <a:rPr lang="en-IN" dirty="0"/>
+              <a:t>Frontend: HTML, CSS, </a:t>
+            </a:r>
+            <a:r>
+              <a:rPr lang="en-IN" dirty="0" err="1"/>
+              <a:t>Javascript</a:t>
+            </a:r>
+            <a:r>
+              <a:rPr lang="en-IN" dirty="0"/>
+              <a:t>,  React.js</a:t>
+            </a:r>
+          </a:p>
+          <a:p>
+            <a:r>
+              <a:rPr lang="en-IN" dirty="0"/>
+              <a:t>           Backend: ASP.NET </a:t>
+            </a:r>
+            <a:r>
+              <a:rPr lang="en-IN" smtClean="0"/>
+              <a:t>Core 8.0 Web </a:t>
+            </a:r>
+            <a:r>
+              <a:rPr lang="en-IN" dirty="0" smtClean="0"/>
+              <a:t>App</a:t>
+            </a:r>
+            <a:endParaRPr lang="en-IN" dirty="0"/>
+          </a:p>
+          <a:p>
+            <a:r>
+              <a:rPr lang="en-IN" dirty="0"/>
+              <a:t>           Database: </a:t>
+            </a:r>
+            <a:r>
+              <a:rPr lang="en-IN" dirty="0" smtClean="0"/>
+              <a:t>MYSQL</a:t>
+            </a:r>
+            <a:endParaRPr lang="en-IN" dirty="0"/>
+          </a:p>
+          <a:p>
+            <a:r>
+              <a:rPr lang="en-IN" dirty="0"/>
+              <a:t>           Server: </a:t>
+            </a:r>
+            <a:r>
+              <a:rPr lang="en-IN" dirty="0" smtClean="0"/>
+              <a:t>http</a:t>
+            </a:r>
+            <a:endParaRPr lang="en-IN" dirty="0"/>
+          </a:p>
+          <a:p>
+            <a:r>
+              <a:rPr lang="en-IN" dirty="0"/>
+              <a:t>           IDE: Visual Studio, VS Code</a:t>
+            </a:r>
+          </a:p>
+          <a:p>
+            <a:endParaRPr lang="en-IN" dirty="0"/>
+          </a:p>
+        </p:txBody>
+      </p:sp>
+      <p:sp>
+        <p:nvSpPr>
+          <p:cNvPr id="3" name="Rectangle 2"/>
+          <p:cNvSpPr/>
+          <p:nvPr/>
+        </p:nvSpPr>
+        <p:spPr>
+          <a:xfrm>
+            <a:off x="1590057" y="436739"/>
+            <a:ext cx="8290668" cy="707886"/>
+          </a:xfrm>
+          <a:prstGeom prst="rect">
+            <a:avLst/>
+          </a:prstGeom>
+        </p:spPr>
+        <p:txBody>
+          <a:bodyPr wrap="none">
+            <a:spAutoFit/>
+          </a:bodyPr>
+          <a:lstStyle/>
+          <a:p>
+            <a:pPr algn="ctr"/>
+            <a:r>
+              <a:rPr lang="en-IN" sz="4000" b="1" dirty="0"/>
+              <a:t>Software</a:t>
+            </a:r>
+            <a:r>
+              <a:rPr lang="en-IN" dirty="0"/>
+              <a:t> </a:t>
+            </a:r>
+            <a:r>
+              <a:rPr lang="en-IN" sz="4000" b="1" dirty="0"/>
+              <a:t>Requirements</a:t>
+            </a:r>
+            <a:r>
+              <a:rPr lang="en-IN" dirty="0"/>
+              <a:t> </a:t>
+            </a:r>
+            <a:r>
+              <a:rPr lang="en-IN" sz="4000" b="1" dirty="0"/>
+              <a:t>Specification</a:t>
+            </a:r>
+          </a:p>
+        </p:txBody>
+      </p:sp>
+    </p:spTree>
+    <p:extLst>
+      <p:ext uri="{BB962C8B-B14F-4D97-AF65-F5344CB8AC3E}">
+        <p14:creationId xmlns:p14="http://schemas.microsoft.com/office/powerpoint/2010/main" val="2497168187"/>
+      </p:ext>
+    </p:extLst>
+  </p:cSld>
+  <p:clrMapOvr>
+    <a:masterClrMapping/>
+  </p:clrMapOvr>
+  <p:timing>
+    <p:tnLst>
+      <p:par>
+        <p:cTn id="1" dur="indefinite" restart="never" nodeType="tmRoot"/>
+      </p:par>
+    </p:tnLst>
+  </p:timing>
+</p:sld>
+</file>
+
+<file path=ppt/slides/slide22.xml><?xml version="1.0" encoding="utf-8"?>
+<p:sld xmlns:a="http://schemas.openxmlformats.org/drawingml/2006/main" xmlns:r="http://schemas.openxmlformats.org/officeDocument/2006/relationships" xmlns:p="http://schemas.openxmlformats.org/presentationml/2006/main">
+  <p:cSld>
+    <p:spTree>
+      <p:nvGrpSpPr>
+        <p:cNvPr id="1" name=""/>
+        <p:cNvGrpSpPr/>
+        <p:nvPr/>
+      </p:nvGrpSpPr>
+      <p:grpSpPr>
+        <a:xfrm>
+          <a:off x="0" y="0"/>
+          <a:ext cx="0" cy="0"/>
+          <a:chOff x="0" y="0"/>
+          <a:chExt cx="0" cy="0"/>
+        </a:xfrm>
+      </p:grpSpPr>
+      <p:sp>
+        <p:nvSpPr>
+          <p:cNvPr id="2" name="Title 1"/>
+          <p:cNvSpPr>
+            <a:spLocks noGrp="1"/>
+          </p:cNvSpPr>
+          <p:nvPr>
+            <p:ph type="title"/>
+          </p:nvPr>
+        </p:nvSpPr>
+        <p:spPr/>
+        <p:txBody>
+          <a:bodyPr/>
+          <a:lstStyle/>
+          <a:p>
+            <a:r>
+              <a:rPr lang="en-US" dirty="0" smtClean="0"/>
+              <a:t>Conclusion</a:t>
+            </a:r>
+            <a:endParaRPr lang="en-IN" dirty="0"/>
+          </a:p>
+        </p:txBody>
+      </p:sp>
+      <p:sp>
+        <p:nvSpPr>
+          <p:cNvPr id="3" name="Content Placeholder 2"/>
+          <p:cNvSpPr>
+            <a:spLocks noGrp="1"/>
+          </p:cNvSpPr>
+          <p:nvPr>
+            <p:ph idx="1"/>
+          </p:nvPr>
+        </p:nvSpPr>
+        <p:spPr/>
+        <p:txBody>
+          <a:bodyPr>
+            <a:noAutofit/>
+          </a:bodyPr>
+          <a:lstStyle/>
+          <a:p>
+            <a:r>
+              <a:rPr lang="en-US" sz="2000" dirty="0">
+                <a:latin typeface="Times New Roman" panose="02020603050405020304" pitchFamily="18" charset="0"/>
+                <a:cs typeface="Times New Roman" panose="02020603050405020304" pitchFamily="18" charset="0"/>
+              </a:rPr>
+              <a:t>The </a:t>
+            </a:r>
+            <a:r>
+              <a:rPr lang="en-US" sz="2000" b="1" dirty="0">
+                <a:latin typeface="Times New Roman" panose="02020603050405020304" pitchFamily="18" charset="0"/>
+                <a:cs typeface="Times New Roman" panose="02020603050405020304" pitchFamily="18" charset="0"/>
+              </a:rPr>
+              <a:t>Digital Health Card System</a:t>
+            </a:r>
+            <a:r>
+              <a:rPr lang="en-US" sz="2000" dirty="0">
+                <a:latin typeface="Times New Roman" panose="02020603050405020304" pitchFamily="18" charset="0"/>
+                <a:cs typeface="Times New Roman" panose="02020603050405020304" pitchFamily="18" charset="0"/>
+              </a:rPr>
+              <a:t> successfully provides a secure and efficient platform for managing patient medical records digitally. By eliminating the need for physical reports and introducing </a:t>
+            </a:r>
+            <a:r>
+              <a:rPr lang="en-US" sz="2000" dirty="0" err="1">
+                <a:latin typeface="Times New Roman" panose="02020603050405020304" pitchFamily="18" charset="0"/>
+                <a:cs typeface="Times New Roman" panose="02020603050405020304" pitchFamily="18" charset="0"/>
+              </a:rPr>
+              <a:t>Aadhaar</a:t>
+            </a:r>
+            <a:r>
+              <a:rPr lang="en-US" sz="2000" dirty="0">
+                <a:latin typeface="Times New Roman" panose="02020603050405020304" pitchFamily="18" charset="0"/>
+                <a:cs typeface="Times New Roman" panose="02020603050405020304" pitchFamily="18" charset="0"/>
+              </a:rPr>
+              <a:t>-based authentication, the system ensures easy access and improved reliability of medical data. Role-based access control and admin verification enhance system security, while digital report uploads by doctors and lab technicians ensure accurate and up-to-date medical information. The emergency access feature further strengthens the system by enabling timely treatment during critical situations. Overall, the system contributes to a more organized, accessible, and patient-centric healthcare management approach and has the potential for future expansion with advanced technologies and real-world integrations.</a:t>
+            </a:r>
+            <a:endParaRPr lang="en-IN" sz="2000" dirty="0">
+              <a:latin typeface="Times New Roman" panose="02020603050405020304" pitchFamily="18" charset="0"/>
+              <a:cs typeface="Times New Roman" panose="02020603050405020304" pitchFamily="18" charset="0"/>
+            </a:endParaRPr>
+          </a:p>
+        </p:txBody>
+      </p:sp>
+    </p:spTree>
+    <p:extLst>
+      <p:ext uri="{BB962C8B-B14F-4D97-AF65-F5344CB8AC3E}">
+        <p14:creationId xmlns:p14="http://schemas.microsoft.com/office/powerpoint/2010/main" val="3330818025"/>
+      </p:ext>
+    </p:extLst>
+  </p:cSld>
+  <p:clrMapOvr>
+    <a:masterClrMapping/>
+  </p:clrMapOvr>
+  <p:timing>
+    <p:tnLst>
+      <p:par>
+        <p:cTn id="1" dur="indefinite" restart="never" nodeType="tmRoot"/>
+      </p:par>
+    </p:tnLst>
+  </p:timing>
+</p:sld>
+</file>
+
+<file path=ppt/slides/slide23.xml><?xml version="1.0" encoding="utf-8"?>
+<p:sld xmlns:a="http://schemas.openxmlformats.org/drawingml/2006/main" xmlns:r="http://schemas.openxmlformats.org/officeDocument/2006/relationships" xmlns:p="http://schemas.openxmlformats.org/presentationml/2006/main">
+  <p:cSld>
+    <p:spTree>
+      <p:nvGrpSpPr>
+        <p:cNvPr id="1" name=""/>
+        <p:cNvGrpSpPr/>
+        <p:nvPr/>
+      </p:nvGrpSpPr>
+      <p:grpSpPr>
+        <a:xfrm>
+          <a:off x="0" y="0"/>
+          <a:ext cx="0" cy="0"/>
+          <a:chOff x="0" y="0"/>
+          <a:chExt cx="0" cy="0"/>
+        </a:xfrm>
+      </p:grpSpPr>
+      <p:sp>
+        <p:nvSpPr>
+          <p:cNvPr id="2" name="Title 1"/>
+          <p:cNvSpPr>
+            <a:spLocks noGrp="1"/>
+          </p:cNvSpPr>
+          <p:nvPr>
+            <p:ph type="title"/>
+          </p:nvPr>
+        </p:nvSpPr>
+        <p:spPr/>
+        <p:txBody>
+          <a:bodyPr/>
+          <a:lstStyle/>
+          <a:p>
+            <a:r>
+              <a:rPr lang="en-US" dirty="0" smtClean="0"/>
+              <a:t>Future Scope</a:t>
+            </a:r>
+            <a:endParaRPr lang="en-IN" dirty="0"/>
+          </a:p>
+        </p:txBody>
+      </p:sp>
+      <p:sp>
+        <p:nvSpPr>
+          <p:cNvPr id="5" name="Rectangle 2"/>
+          <p:cNvSpPr>
+            <a:spLocks noGrp="1" noChangeArrowheads="1"/>
+          </p:cNvSpPr>
+          <p:nvPr>
+            <p:ph idx="1"/>
+          </p:nvPr>
+        </p:nvSpPr>
+        <p:spPr bwMode="auto">
+          <a:xfrm>
+            <a:off x="1484310" y="2951827"/>
+            <a:ext cx="6375143" cy="2554545"/>
+          </a:xfrm>
+          <a:prstGeom prst="rect">
+            <a:avLst/>
+          </a:prstGeom>
+          <a:noFill/>
+          <a:ln>
+            <a:noFill/>
+          </a:ln>
+          <a:effectLst/>
+          <a:extLst>
+            <a:ext uri="{909E8E84-426E-40DD-AFC4-6F175D3DCCD1}">
+              <a14:hiddenFill xmlns:a14="http://schemas.microsoft.com/office/drawing/2010/main">
+                <a:solidFill>
+                  <a:schemeClr val="accent1"/>
+                </a:solidFill>
+              </a14:hiddenFill>
+            </a:ext>
+            <a:ext uri="{91240B29-F687-4F45-9708-019B960494DF}">
+              <a14:hiddenLine xmlns:a14="http://schemas.microsoft.com/office/drawing/2010/main" w="9525">
+                <a:solidFill>
+                  <a:schemeClr val="tx1"/>
+                </a:solidFill>
+                <a:miter lim="800000"/>
+                <a:headEnd/>
+                <a:tailEnd/>
+              </a14:hiddenLine>
+            </a:ext>
+            <a:ext uri="{AF507438-7753-43E0-B8FC-AC1667EBCBE1}">
+              <a14:hiddenEffects xmlns:a14="http://schemas.microsoft.com/office/drawing/2010/main">
+                <a:effectLst>
+                  <a:outerShdw dist="35921" dir="2700000" algn="ctr" rotWithShape="0">
+                    <a:schemeClr val="bg2"/>
+                  </a:outerShdw>
+                </a:effectLst>
+              </a14:hiddenEffects>
+            </a:ext>
+          </a:extLst>
+        </p:spPr>
+        <p:txBody>
+          <a:bodyPr vert="horz" wrap="none" lIns="91440" tIns="45720" rIns="91440" bIns="45720" numCol="1" anchor="ctr" anchorCtr="0" compatLnSpc="1">
+            <a:prstTxWarp prst="textNoShape">
+              <a:avLst/>
+            </a:prstTxWarp>
+            <a:spAutoFit/>
+          </a:bodyPr>
+          <a:lstStyle/>
+          <a:p>
+            <a:pPr marL="0" marR="0" lvl="0" indent="0" algn="l" defTabSz="914400" rtl="0" eaLnBrk="0" fontAlgn="base" latinLnBrk="0" hangingPunct="0">
+              <a:lnSpc>
+                <a:spcPct val="100000"/>
+              </a:lnSpc>
+              <a:spcBef>
+                <a:spcPct val="0"/>
+              </a:spcBef>
+              <a:spcAft>
+                <a:spcPct val="0"/>
+              </a:spcAft>
+              <a:buClrTx/>
+              <a:buSzTx/>
+              <a:buFontTx/>
+              <a:buChar char="•"/>
+              <a:tabLst/>
+            </a:pPr>
+            <a:r>
+              <a:rPr kumimoji="0" lang="en-US" sz="2000" b="0" i="0" u="none" strike="noStrike" cap="none" normalizeH="0" baseline="0" dirty="0" smtClean="0">
+                <a:ln>
+                  <a:noFill/>
+                </a:ln>
+                <a:solidFill>
+                  <a:schemeClr val="tx1"/>
+                </a:solidFill>
+                <a:effectLst/>
+                <a:latin typeface="Times New Roman" panose="02020603050405020304" pitchFamily="18" charset="0"/>
+                <a:cs typeface="Times New Roman" panose="02020603050405020304" pitchFamily="18" charset="0"/>
+              </a:rPr>
+              <a:t>Integration with </a:t>
+            </a:r>
+            <a:r>
+              <a:rPr kumimoji="0" lang="en-US" sz="2000" b="1" i="0" u="none" strike="noStrike" cap="none" normalizeH="0" baseline="0" dirty="0" smtClean="0">
+                <a:ln>
+                  <a:noFill/>
+                </a:ln>
+                <a:solidFill>
+                  <a:schemeClr val="tx1"/>
+                </a:solidFill>
+                <a:effectLst/>
+                <a:latin typeface="Times New Roman" panose="02020603050405020304" pitchFamily="18" charset="0"/>
+                <a:cs typeface="Times New Roman" panose="02020603050405020304" pitchFamily="18" charset="0"/>
+              </a:rPr>
+              <a:t>real </a:t>
+            </a:r>
+            <a:r>
+              <a:rPr kumimoji="0" lang="en-US" sz="2000" b="1" i="0" u="none" strike="noStrike" cap="none" normalizeH="0" baseline="0" dirty="0" err="1" smtClean="0">
+                <a:ln>
+                  <a:noFill/>
+                </a:ln>
+                <a:solidFill>
+                  <a:schemeClr val="tx1"/>
+                </a:solidFill>
+                <a:effectLst/>
+                <a:latin typeface="Times New Roman" panose="02020603050405020304" pitchFamily="18" charset="0"/>
+                <a:cs typeface="Times New Roman" panose="02020603050405020304" pitchFamily="18" charset="0"/>
+              </a:rPr>
+              <a:t>Aadhaar</a:t>
+            </a:r>
+            <a:r>
+              <a:rPr kumimoji="0" lang="en-US" sz="2000" b="1" i="0" u="none" strike="noStrike" cap="none" normalizeH="0" baseline="0" dirty="0" smtClean="0">
+                <a:ln>
+                  <a:noFill/>
+                </a:ln>
+                <a:solidFill>
+                  <a:schemeClr val="tx1"/>
+                </a:solidFill>
+                <a:effectLst/>
+                <a:latin typeface="Times New Roman" panose="02020603050405020304" pitchFamily="18" charset="0"/>
+                <a:cs typeface="Times New Roman" panose="02020603050405020304" pitchFamily="18" charset="0"/>
+              </a:rPr>
+              <a:t> APIs</a:t>
+            </a:r>
+            <a:r>
+              <a:rPr kumimoji="0" lang="en-US" sz="2000" b="0" i="0" u="none" strike="noStrike" cap="none" normalizeH="0" baseline="0" dirty="0" smtClean="0">
+                <a:ln>
+                  <a:noFill/>
+                </a:ln>
+                <a:solidFill>
+                  <a:schemeClr val="tx1"/>
+                </a:solidFill>
+                <a:effectLst/>
+                <a:latin typeface="Times New Roman" panose="02020603050405020304" pitchFamily="18" charset="0"/>
+                <a:cs typeface="Times New Roman" panose="02020603050405020304" pitchFamily="18" charset="0"/>
+              </a:rPr>
+              <a:t> for </a:t>
+            </a:r>
+            <a:r>
+              <a:rPr kumimoji="0" lang="en-US" sz="2000" b="0" i="0" u="none" strike="noStrike" cap="none" normalizeH="0" baseline="0" smtClean="0">
+                <a:ln>
+                  <a:noFill/>
+                </a:ln>
+                <a:solidFill>
+                  <a:schemeClr val="tx1"/>
+                </a:solidFill>
+                <a:effectLst/>
+                <a:latin typeface="Times New Roman" panose="02020603050405020304" pitchFamily="18" charset="0"/>
+                <a:cs typeface="Times New Roman" panose="02020603050405020304" pitchFamily="18" charset="0"/>
+              </a:rPr>
+              <a:t>live verification</a:t>
+            </a:r>
+            <a:endParaRPr kumimoji="0" lang="en-US" sz="2000" b="0" i="0" u="none" strike="noStrike" cap="none" normalizeH="0" baseline="0" dirty="0" smtClean="0">
+              <a:ln>
+                <a:noFill/>
+              </a:ln>
+              <a:solidFill>
+                <a:schemeClr val="tx1"/>
+              </a:solidFill>
+              <a:effectLst/>
+              <a:latin typeface="Times New Roman" panose="02020603050405020304" pitchFamily="18" charset="0"/>
+              <a:cs typeface="Times New Roman" panose="02020603050405020304" pitchFamily="18" charset="0"/>
+            </a:endParaRPr>
+          </a:p>
+          <a:p>
+            <a:pPr marL="0" marR="0" lvl="0" indent="0" algn="l" defTabSz="914400" rtl="0" eaLnBrk="0" fontAlgn="base" latinLnBrk="0" hangingPunct="0">
+              <a:lnSpc>
+                <a:spcPct val="100000"/>
+              </a:lnSpc>
+              <a:spcBef>
+                <a:spcPct val="0"/>
+              </a:spcBef>
+              <a:spcAft>
+                <a:spcPct val="0"/>
+              </a:spcAft>
+              <a:buClrTx/>
+              <a:buSzTx/>
+              <a:buFontTx/>
+              <a:buChar char="•"/>
+              <a:tabLst/>
+            </a:pPr>
+            <a:r>
+              <a:rPr kumimoji="0" lang="en-US" sz="2000" b="0" i="0" u="none" strike="noStrike" cap="none" normalizeH="0" baseline="0" dirty="0" smtClean="0">
+                <a:ln>
+                  <a:noFill/>
+                </a:ln>
+                <a:solidFill>
+                  <a:schemeClr val="tx1"/>
+                </a:solidFill>
+                <a:effectLst/>
+                <a:latin typeface="Times New Roman" panose="02020603050405020304" pitchFamily="18" charset="0"/>
+                <a:cs typeface="Times New Roman" panose="02020603050405020304" pitchFamily="18" charset="0"/>
+              </a:rPr>
+              <a:t>Mobile application version of the system</a:t>
+            </a:r>
+          </a:p>
+          <a:p>
+            <a:pPr marL="0" marR="0" lvl="0" indent="0" algn="l" defTabSz="914400" rtl="0" eaLnBrk="0" fontAlgn="base" latinLnBrk="0" hangingPunct="0">
+              <a:lnSpc>
+                <a:spcPct val="100000"/>
+              </a:lnSpc>
+              <a:spcBef>
+                <a:spcPct val="0"/>
+              </a:spcBef>
+              <a:spcAft>
+                <a:spcPct val="0"/>
+              </a:spcAft>
+              <a:buClrTx/>
+              <a:buSzTx/>
+              <a:buFontTx/>
+              <a:buChar char="•"/>
+              <a:tabLst/>
+            </a:pPr>
+            <a:r>
+              <a:rPr kumimoji="0" lang="en-US" sz="2000" b="0" i="0" u="none" strike="noStrike" cap="none" normalizeH="0" baseline="0" dirty="0" smtClean="0">
+                <a:ln>
+                  <a:noFill/>
+                </a:ln>
+                <a:solidFill>
+                  <a:schemeClr val="tx1"/>
+                </a:solidFill>
+                <a:effectLst/>
+                <a:latin typeface="Times New Roman" panose="02020603050405020304" pitchFamily="18" charset="0"/>
+                <a:cs typeface="Times New Roman" panose="02020603050405020304" pitchFamily="18" charset="0"/>
+              </a:rPr>
+              <a:t>Biometric authentication for enhanced security</a:t>
+            </a:r>
+          </a:p>
+          <a:p>
+            <a:pPr marL="0" marR="0" lvl="0" indent="0" algn="l" defTabSz="914400" rtl="0" eaLnBrk="0" fontAlgn="base" latinLnBrk="0" hangingPunct="0">
+              <a:lnSpc>
+                <a:spcPct val="100000"/>
+              </a:lnSpc>
+              <a:spcBef>
+                <a:spcPct val="0"/>
+              </a:spcBef>
+              <a:spcAft>
+                <a:spcPct val="0"/>
+              </a:spcAft>
+              <a:buClrTx/>
+              <a:buSzTx/>
+              <a:buFontTx/>
+              <a:buChar char="•"/>
+              <a:tabLst/>
+            </a:pPr>
+            <a:r>
+              <a:rPr kumimoji="0" lang="en-US" sz="2000" b="0" i="0" u="none" strike="noStrike" cap="none" normalizeH="0" baseline="0" dirty="0" smtClean="0">
+                <a:ln>
+                  <a:noFill/>
+                </a:ln>
+                <a:solidFill>
+                  <a:schemeClr val="tx1"/>
+                </a:solidFill>
+                <a:effectLst/>
+                <a:latin typeface="Times New Roman" panose="02020603050405020304" pitchFamily="18" charset="0"/>
+                <a:cs typeface="Times New Roman" panose="02020603050405020304" pitchFamily="18" charset="0"/>
+              </a:rPr>
+              <a:t>AI-based health analysis and report predictions</a:t>
+            </a:r>
+          </a:p>
+          <a:p>
+            <a:pPr marL="0" marR="0" lvl="0" indent="0" algn="l" defTabSz="914400" rtl="0" eaLnBrk="0" fontAlgn="base" latinLnBrk="0" hangingPunct="0">
+              <a:lnSpc>
+                <a:spcPct val="100000"/>
+              </a:lnSpc>
+              <a:spcBef>
+                <a:spcPct val="0"/>
+              </a:spcBef>
+              <a:spcAft>
+                <a:spcPct val="0"/>
+              </a:spcAft>
+              <a:buClrTx/>
+              <a:buSzTx/>
+              <a:buFontTx/>
+              <a:buChar char="•"/>
+              <a:tabLst/>
+            </a:pPr>
+            <a:r>
+              <a:rPr kumimoji="0" lang="en-US" sz="2000" b="0" i="0" u="none" strike="noStrike" cap="none" normalizeH="0" baseline="0" dirty="0" smtClean="0">
+                <a:ln>
+                  <a:noFill/>
+                </a:ln>
+                <a:solidFill>
+                  <a:schemeClr val="tx1"/>
+                </a:solidFill>
+                <a:effectLst/>
+                <a:latin typeface="Times New Roman" panose="02020603050405020304" pitchFamily="18" charset="0"/>
+                <a:cs typeface="Times New Roman" panose="02020603050405020304" pitchFamily="18" charset="0"/>
+              </a:rPr>
+              <a:t>Integration with hospitals and pharmacies</a:t>
+            </a:r>
+          </a:p>
+          <a:p>
+            <a:pPr marL="0" marR="0" lvl="0" indent="0" algn="l" defTabSz="914400" rtl="0" eaLnBrk="0" fontAlgn="base" latinLnBrk="0" hangingPunct="0">
+              <a:lnSpc>
+                <a:spcPct val="100000"/>
+              </a:lnSpc>
+              <a:spcBef>
+                <a:spcPct val="0"/>
+              </a:spcBef>
+              <a:spcAft>
+                <a:spcPct val="0"/>
+              </a:spcAft>
+              <a:buClrTx/>
+              <a:buSzTx/>
+              <a:buFontTx/>
+              <a:buChar char="•"/>
+              <a:tabLst/>
+            </a:pPr>
+            <a:r>
+              <a:rPr kumimoji="0" lang="en-US" sz="2000" b="0" i="0" u="none" strike="noStrike" cap="none" normalizeH="0" baseline="0" dirty="0" err="1" smtClean="0">
+                <a:ln>
+                  <a:noFill/>
+                </a:ln>
+                <a:solidFill>
+                  <a:schemeClr val="tx1"/>
+                </a:solidFill>
+                <a:effectLst/>
+                <a:latin typeface="Times New Roman" panose="02020603050405020304" pitchFamily="18" charset="0"/>
+                <a:cs typeface="Times New Roman" panose="02020603050405020304" pitchFamily="18" charset="0"/>
+              </a:rPr>
+              <a:t>Blockchain</a:t>
+            </a:r>
+            <a:r>
+              <a:rPr kumimoji="0" lang="en-US" sz="2000" b="0" i="0" u="none" strike="noStrike" cap="none" normalizeH="0" baseline="0" dirty="0" smtClean="0">
+                <a:ln>
+                  <a:noFill/>
+                </a:ln>
+                <a:solidFill>
+                  <a:schemeClr val="tx1"/>
+                </a:solidFill>
+                <a:effectLst/>
+                <a:latin typeface="Times New Roman" panose="02020603050405020304" pitchFamily="18" charset="0"/>
+                <a:cs typeface="Times New Roman" panose="02020603050405020304" pitchFamily="18" charset="0"/>
+              </a:rPr>
+              <a:t>-based storage for tamper-proof medical records</a:t>
+            </a:r>
+          </a:p>
+          <a:p>
+            <a:pPr marL="0" marR="0" lvl="0" indent="0" algn="l" defTabSz="914400" rtl="0" eaLnBrk="0" fontAlgn="base" latinLnBrk="0" hangingPunct="0">
+              <a:lnSpc>
+                <a:spcPct val="100000"/>
+              </a:lnSpc>
+              <a:spcBef>
+                <a:spcPct val="0"/>
+              </a:spcBef>
+              <a:spcAft>
+                <a:spcPct val="0"/>
+              </a:spcAft>
+              <a:buClrTx/>
+              <a:buSzTx/>
+              <a:buFontTx/>
+              <a:buChar char="•"/>
+              <a:tabLst/>
+            </a:pPr>
+            <a:r>
+              <a:rPr kumimoji="0" lang="en-US" sz="2000" b="0" i="0" u="none" strike="noStrike" cap="none" normalizeH="0" baseline="0" dirty="0" smtClean="0">
+                <a:ln>
+                  <a:noFill/>
+                </a:ln>
+                <a:solidFill>
+                  <a:schemeClr val="tx1"/>
+                </a:solidFill>
+                <a:effectLst/>
+                <a:latin typeface="Times New Roman" panose="02020603050405020304" pitchFamily="18" charset="0"/>
+                <a:cs typeface="Times New Roman" panose="02020603050405020304" pitchFamily="18" charset="0"/>
+              </a:rPr>
+              <a:t>Appointment scheduling and notification system</a:t>
+            </a:r>
+          </a:p>
+          <a:p>
+            <a:pPr marL="0" marR="0" lvl="0" indent="0" algn="l" defTabSz="914400" rtl="0" eaLnBrk="0" fontAlgn="base" latinLnBrk="0" hangingPunct="0">
+              <a:lnSpc>
+                <a:spcPct val="100000"/>
+              </a:lnSpc>
+              <a:spcBef>
+                <a:spcPct val="0"/>
+              </a:spcBef>
+              <a:spcAft>
+                <a:spcPct val="0"/>
+              </a:spcAft>
+              <a:buClrTx/>
+              <a:buSzTx/>
+              <a:buFontTx/>
+              <a:buChar char="•"/>
+              <a:tabLst/>
+            </a:pPr>
+            <a:r>
+              <a:rPr kumimoji="0" lang="en-US" sz="2000" b="0" i="0" u="none" strike="noStrike" cap="none" normalizeH="0" baseline="0" dirty="0" smtClean="0">
+                <a:ln>
+                  <a:noFill/>
+                </a:ln>
+                <a:solidFill>
+                  <a:schemeClr val="tx1"/>
+                </a:solidFill>
+                <a:effectLst/>
+                <a:latin typeface="Times New Roman" panose="02020603050405020304" pitchFamily="18" charset="0"/>
+                <a:cs typeface="Times New Roman" panose="02020603050405020304" pitchFamily="18" charset="0"/>
+              </a:rPr>
+              <a:t>Multi-language support for wider accessibility</a:t>
+            </a:r>
+          </a:p>
+        </p:txBody>
+      </p:sp>
+    </p:spTree>
+    <p:extLst>
+      <p:ext uri="{BB962C8B-B14F-4D97-AF65-F5344CB8AC3E}">
+        <p14:creationId xmlns:p14="http://schemas.microsoft.com/office/powerpoint/2010/main" val="3980805660"/>
+      </p:ext>
+    </p:extLst>
+  </p:cSld>
+  <p:clrMapOvr>
+    <a:masterClrMapping/>
+  </p:clrMapOvr>
+  <p:timing>
+    <p:tnLst>
+      <p:par>
+        <p:cTn id="1" dur="indefinite" restart="never" nodeType="tmRoot"/>
+      </p:par>
+    </p:tnLst>
+  </p:timing>
+</p:sld>
+</file>
+
+<file path=ppt/slides/slide24.xml><?xml version="1.0" encoding="utf-8"?>
+<p:sld xmlns:a="http://schemas.openxmlformats.org/drawingml/2006/main" xmlns:r="http://schemas.openxmlformats.org/officeDocument/2006/relationships" xmlns:p="http://schemas.openxmlformats.org/presentationml/2006/main">
+  <p:cSld>
+    <p:spTree>
+      <p:nvGrpSpPr>
+        <p:cNvPr id="1" name=""/>
+        <p:cNvGrpSpPr/>
+        <p:nvPr/>
+      </p:nvGrpSpPr>
+      <p:grpSpPr>
+        <a:xfrm>
+          <a:off x="0" y="0"/>
+          <a:ext cx="0" cy="0"/>
+          <a:chOff x="0" y="0"/>
+          <a:chExt cx="0" cy="0"/>
+        </a:xfrm>
+      </p:grpSpPr>
       <p:sp>
         <p:nvSpPr>
           <p:cNvPr id="2" name="Rectangle 1"/>
@@ -8561,13 +9181,6 @@
               </a:rPr>
               <a:t>Thank You</a:t>
             </a:r>
-            <a:endParaRPr lang="en-IN" sz="4800" dirty="0">
-              <a:solidFill>
-                <a:schemeClr val="tx2">
-                  <a:lumMod val="75000"/>
-                </a:schemeClr>
-              </a:solidFill>
-            </a:endParaRPr>
           </a:p>
         </p:txBody>
       </p:sp>
@@ -8840,49 +9453,81 @@
         </p:nvSpPr>
         <p:spPr/>
         <p:txBody>
-          <a:bodyPr/>
+          <a:bodyPr>
+            <a:normAutofit/>
+          </a:bodyPr>
           <a:lstStyle/>
           <a:p>
             <a:r>
-              <a:rPr lang="en-US" dirty="0"/>
+              <a:rPr lang="en-US" sz="2000" dirty="0">
+                <a:latin typeface="Times New Roman" panose="02020603050405020304" pitchFamily="18" charset="0"/>
+                <a:cs typeface="Times New Roman" panose="02020603050405020304" pitchFamily="18" charset="0"/>
+              </a:rPr>
               <a:t>The </a:t>
             </a:r>
             <a:r>
-              <a:rPr lang="en-US" b="1" dirty="0"/>
+              <a:rPr lang="en-US" sz="2000" b="1" dirty="0">
+                <a:latin typeface="Times New Roman" panose="02020603050405020304" pitchFamily="18" charset="0"/>
+                <a:cs typeface="Times New Roman" panose="02020603050405020304" pitchFamily="18" charset="0"/>
+              </a:rPr>
               <a:t>Digital Health Card System</a:t>
             </a:r>
             <a:r>
-              <a:rPr lang="en-US" dirty="0"/>
+              <a:rPr lang="en-US" sz="2000" dirty="0">
+                <a:latin typeface="Times New Roman" panose="02020603050405020304" pitchFamily="18" charset="0"/>
+                <a:cs typeface="Times New Roman" panose="02020603050405020304" pitchFamily="18" charset="0"/>
+              </a:rPr>
               <a:t> is designed to provide patients with secure digital access to their medical records, eliminating the need to carry physical reports. The system ensures centralized storage, controlled access, and role-based permissions for healthcare stakeholders.</a:t>
             </a:r>
           </a:p>
           <a:p>
             <a:r>
-              <a:rPr lang="en-US" dirty="0"/>
+              <a:rPr lang="en-US" sz="2000" dirty="0">
+                <a:latin typeface="Times New Roman" panose="02020603050405020304" pitchFamily="18" charset="0"/>
+                <a:cs typeface="Times New Roman" panose="02020603050405020304" pitchFamily="18" charset="0"/>
+              </a:rPr>
               <a:t>The system consists of </a:t>
             </a:r>
             <a:r>
-              <a:rPr lang="en-US" b="1" dirty="0"/>
+              <a:rPr lang="en-US" sz="2000" b="1" dirty="0">
+                <a:latin typeface="Times New Roman" panose="02020603050405020304" pitchFamily="18" charset="0"/>
+                <a:cs typeface="Times New Roman" panose="02020603050405020304" pitchFamily="18" charset="0"/>
+              </a:rPr>
               <a:t>five main entities</a:t>
             </a:r>
             <a:r>
-              <a:rPr lang="en-US" dirty="0"/>
+              <a:rPr lang="en-US" sz="2000" dirty="0">
+                <a:latin typeface="Times New Roman" panose="02020603050405020304" pitchFamily="18" charset="0"/>
+                <a:cs typeface="Times New Roman" panose="02020603050405020304" pitchFamily="18" charset="0"/>
+              </a:rPr>
               <a:t>:</a:t>
             </a:r>
             <a:br>
-              <a:rPr lang="en-US" dirty="0"/>
+              <a:rPr lang="en-US" sz="2000" dirty="0">
+                <a:latin typeface="Times New Roman" panose="02020603050405020304" pitchFamily="18" charset="0"/>
+                <a:cs typeface="Times New Roman" panose="02020603050405020304" pitchFamily="18" charset="0"/>
+              </a:rPr>
             </a:br>
             <a:r>
-              <a:rPr lang="en-US" b="1" dirty="0"/>
+              <a:rPr lang="en-US" sz="2000" b="1" dirty="0">
+                <a:latin typeface="Times New Roman" panose="02020603050405020304" pitchFamily="18" charset="0"/>
+                <a:cs typeface="Times New Roman" panose="02020603050405020304" pitchFamily="18" charset="0"/>
+              </a:rPr>
               <a:t>Admin, Patient, Doctor, Nominee, and Lab Technician</a:t>
             </a:r>
             <a:r>
-              <a:rPr lang="en-US" dirty="0"/>
+              <a:rPr lang="en-US" sz="2000" dirty="0">
+                <a:latin typeface="Times New Roman" panose="02020603050405020304" pitchFamily="18" charset="0"/>
+                <a:cs typeface="Times New Roman" panose="02020603050405020304" pitchFamily="18" charset="0"/>
+              </a:rPr>
               <a:t>.</a:t>
             </a:r>
           </a:p>
           <a:p>
-            <a:endParaRPr lang="en-IN" dirty="0"/>
+            <a:endParaRPr lang="en-IN" sz="2000" dirty="0">
+              <a:latin typeface="Times New Roman" panose="02020603050405020304" pitchFamily="18" charset="0"/>
+              <a:cs typeface="Times New Roman" panose="02020603050405020304" pitchFamily="18" charset="0"/>
+            </a:endParaRPr>
           </a:p>
         </p:txBody>
       </p:sp>
